--- a/docs/diagrams/Diagrams.pptx
+++ b/docs/diagrams/Diagrams.pptx
@@ -122,7 +122,7 @@
   </p:defaultTextStyle>
   <p:extLst>
     <p:ext uri="{EFAFB233-063F-42B5-8137-9DF3F51BA10A}">
-      <p15:sldGuideLst xmlns="" xmlns:p15="http://schemas.microsoft.com/office/powerpoint/2012/main">
+      <p15:sldGuideLst xmlns:p15="http://schemas.microsoft.com/office/powerpoint/2012/main">
         <p15:guide id="1" orient="horz" pos="1488">
           <p15:clr>
             <a:srgbClr val="A4A3A4"/>
@@ -221,7 +221,7 @@
           <a:p>
             <a:fld id="{F5CC4B3F-88C1-4FFA-B1B6-F41C21DC6924}" type="datetimeFigureOut">
               <a:rPr lang="en-US" smtClean="0"/>
-              <a:t>11/3/2016</a:t>
+              <a:t>11/5/2016</a:t>
             </a:fld>
             <a:endParaRPr lang="en-US"/>
           </a:p>
@@ -751,7 +751,7 @@
           <a:p>
             <a:fld id="{78C97017-6FC3-485B-9764-EAC9E56C1D49}" type="datetimeFigureOut">
               <a:rPr lang="en-US" smtClean="0"/>
-              <a:t>11/3/2016</a:t>
+              <a:t>11/5/2016</a:t>
             </a:fld>
             <a:endParaRPr lang="en-US"/>
           </a:p>
@@ -919,7 +919,7 @@
           <a:p>
             <a:fld id="{78C97017-6FC3-485B-9764-EAC9E56C1D49}" type="datetimeFigureOut">
               <a:rPr lang="en-US" smtClean="0"/>
-              <a:t>11/3/2016</a:t>
+              <a:t>11/5/2016</a:t>
             </a:fld>
             <a:endParaRPr lang="en-US"/>
           </a:p>
@@ -1097,7 +1097,7 @@
           <a:p>
             <a:fld id="{78C97017-6FC3-485B-9764-EAC9E56C1D49}" type="datetimeFigureOut">
               <a:rPr lang="en-US" smtClean="0"/>
-              <a:t>11/3/2016</a:t>
+              <a:t>11/5/2016</a:t>
             </a:fld>
             <a:endParaRPr lang="en-US"/>
           </a:p>
@@ -1265,7 +1265,7 @@
           <a:p>
             <a:fld id="{78C97017-6FC3-485B-9764-EAC9E56C1D49}" type="datetimeFigureOut">
               <a:rPr lang="en-US" smtClean="0"/>
-              <a:t>11/3/2016</a:t>
+              <a:t>11/5/2016</a:t>
             </a:fld>
             <a:endParaRPr lang="en-US"/>
           </a:p>
@@ -1510,7 +1510,7 @@
           <a:p>
             <a:fld id="{78C97017-6FC3-485B-9764-EAC9E56C1D49}" type="datetimeFigureOut">
               <a:rPr lang="en-US" smtClean="0"/>
-              <a:t>11/3/2016</a:t>
+              <a:t>11/5/2016</a:t>
             </a:fld>
             <a:endParaRPr lang="en-US"/>
           </a:p>
@@ -1795,7 +1795,7 @@
           <a:p>
             <a:fld id="{78C97017-6FC3-485B-9764-EAC9E56C1D49}" type="datetimeFigureOut">
               <a:rPr lang="en-US" smtClean="0"/>
-              <a:t>11/3/2016</a:t>
+              <a:t>11/5/2016</a:t>
             </a:fld>
             <a:endParaRPr lang="en-US"/>
           </a:p>
@@ -2214,7 +2214,7 @@
           <a:p>
             <a:fld id="{78C97017-6FC3-485B-9764-EAC9E56C1D49}" type="datetimeFigureOut">
               <a:rPr lang="en-US" smtClean="0"/>
-              <a:t>11/3/2016</a:t>
+              <a:t>11/5/2016</a:t>
             </a:fld>
             <a:endParaRPr lang="en-US"/>
           </a:p>
@@ -2331,7 +2331,7 @@
           <a:p>
             <a:fld id="{78C97017-6FC3-485B-9764-EAC9E56C1D49}" type="datetimeFigureOut">
               <a:rPr lang="en-US" smtClean="0"/>
-              <a:t>11/3/2016</a:t>
+              <a:t>11/5/2016</a:t>
             </a:fld>
             <a:endParaRPr lang="en-US"/>
           </a:p>
@@ -2426,7 +2426,7 @@
           <a:p>
             <a:fld id="{78C97017-6FC3-485B-9764-EAC9E56C1D49}" type="datetimeFigureOut">
               <a:rPr lang="en-US" smtClean="0"/>
-              <a:t>11/3/2016</a:t>
+              <a:t>11/5/2016</a:t>
             </a:fld>
             <a:endParaRPr lang="en-US"/>
           </a:p>
@@ -2701,7 +2701,7 @@
           <a:p>
             <a:fld id="{78C97017-6FC3-485B-9764-EAC9E56C1D49}" type="datetimeFigureOut">
               <a:rPr lang="en-US" smtClean="0"/>
-              <a:t>11/3/2016</a:t>
+              <a:t>11/5/2016</a:t>
             </a:fld>
             <a:endParaRPr lang="en-US"/>
           </a:p>
@@ -2953,7 +2953,7 @@
           <a:p>
             <a:fld id="{78C97017-6FC3-485B-9764-EAC9E56C1D49}" type="datetimeFigureOut">
               <a:rPr lang="en-US" smtClean="0"/>
-              <a:t>11/3/2016</a:t>
+              <a:t>11/5/2016</a:t>
             </a:fld>
             <a:endParaRPr lang="en-US"/>
           </a:p>
@@ -3164,7 +3164,7 @@
           <a:p>
             <a:fld id="{78C97017-6FC3-485B-9764-EAC9E56C1D49}" type="datetimeFigureOut">
               <a:rPr lang="en-US" smtClean="0"/>
-              <a:t>11/3/2016</a:t>
+              <a:t>11/5/2016</a:t>
             </a:fld>
             <a:endParaRPr lang="en-US"/>
           </a:p>
@@ -3593,13 +3593,6 @@
   <p:clrMapOvr>
     <a:masterClrMapping/>
   </p:clrMapOvr>
-  <p:timing>
-    <p:tnLst>
-      <p:par>
-        <p:cTn id="1" dur="indefinite" restart="never" nodeType="tmRoot"/>
-      </p:par>
-    </p:tnLst>
-  </p:timing>
 </p:sld>
 </file>
 
@@ -4482,14 +4475,6 @@
               </a:rPr>
               <a:t>performUndo</a:t>
             </a:r>
-            <a:r>
-              <a:rPr lang="en-US" sz="1400" dirty="0">
-                <a:solidFill>
-                  <a:srgbClr val="7030A0"/>
-                </a:solidFill>
-              </a:rPr>
-              <a:t/>
-            </a:r>
             <a:br>
               <a:rPr lang="en-US" sz="1400" dirty="0">
                 <a:solidFill>
@@ -10723,14 +10708,6 @@
               </a:rPr>
               <a:t>addMutateCmd</a:t>
             </a:r>
-            <a:r>
-              <a:rPr lang="en-US" sz="1400" dirty="0">
-                <a:solidFill>
-                  <a:srgbClr val="0070C0"/>
-                </a:solidFill>
-              </a:rPr>
-              <a:t/>
-            </a:r>
             <a:br>
               <a:rPr lang="en-US" sz="1400" dirty="0">
                 <a:solidFill>
@@ -13247,6 +13224,68 @@
           <a:chExt cx="0" cy="0"/>
         </a:xfrm>
       </p:grpSpPr>
+      <p:sp>
+        <p:nvSpPr>
+          <p:cNvPr id="2" name="Star: 4 Points 1"/>
+          <p:cNvSpPr/>
+          <p:nvPr/>
+        </p:nvSpPr>
+        <p:spPr>
+          <a:xfrm>
+            <a:off x="2667000" y="2667000"/>
+            <a:ext cx="1625600" cy="1625600"/>
+          </a:xfrm>
+          <a:prstGeom prst="star4">
+            <a:avLst>
+              <a:gd name="adj" fmla="val 21023"/>
+            </a:avLst>
+          </a:prstGeom>
+          <a:solidFill>
+            <a:schemeClr val="tx1">
+              <a:lumMod val="50000"/>
+              <a:lumOff val="50000"/>
+              <a:alpha val="15000"/>
+            </a:schemeClr>
+          </a:solidFill>
+          <a:ln w="127000" cap="flat">
+            <a:solidFill>
+              <a:schemeClr val="bg1"/>
+            </a:solidFill>
+            <a:miter lim="800000"/>
+          </a:ln>
+          <a:effectLst>
+            <a:outerShdw blurRad="63500" sx="102000" sy="102000" algn="ctr" rotWithShape="0">
+              <a:prstClr val="black">
+                <a:alpha val="40000"/>
+              </a:prstClr>
+            </a:outerShdw>
+          </a:effectLst>
+        </p:spPr>
+        <p:style>
+          <a:lnRef idx="2">
+            <a:schemeClr val="dk1">
+              <a:shade val="50000"/>
+            </a:schemeClr>
+          </a:lnRef>
+          <a:fillRef idx="1">
+            <a:schemeClr val="dk1"/>
+          </a:fillRef>
+          <a:effectRef idx="0">
+            <a:schemeClr val="dk1"/>
+          </a:effectRef>
+          <a:fontRef idx="minor">
+            <a:schemeClr val="lt1"/>
+          </a:fontRef>
+        </p:style>
+        <p:txBody>
+          <a:bodyPr rtlCol="0" anchor="ctr"/>
+          <a:lstStyle/>
+          <a:p>
+            <a:pPr algn="ctr"/>
+            <a:endParaRPr lang="en-SG"/>
+          </a:p>
+        </p:txBody>
+      </p:sp>
     </p:spTree>
     <p:extLst>
       <p:ext uri="{BB962C8B-B14F-4D97-AF65-F5344CB8AC3E}">
@@ -14545,13 +14584,6 @@
   <p:clrMapOvr>
     <a:masterClrMapping/>
   </p:clrMapOvr>
-  <p:timing>
-    <p:tnLst>
-      <p:par>
-        <p:cTn id="1" dur="indefinite" restart="never" nodeType="tmRoot"/>
-      </p:par>
-    </p:tnLst>
-  </p:timing>
 </p:sld>
 </file>
 
@@ -24653,14 +24685,6 @@
               </a:rPr>
               <a:t>TaskScheduler</a:t>
             </a:r>
-            <a:r>
-              <a:rPr lang="en-US" sz="1050" dirty="0">
-                <a:solidFill>
-                  <a:schemeClr val="bg1"/>
-                </a:solidFill>
-              </a:rPr>
-              <a:t/>
-            </a:r>
             <a:br>
               <a:rPr lang="en-US" sz="1050" dirty="0">
                 <a:solidFill>
@@ -25249,16 +25273,6 @@
               </a:rPr>
               <a:t>XmlTaskScheduler</a:t>
             </a:r>
-            <a:r>
-              <a:rPr lang="en-US" sz="1050" b="1" dirty="0">
-                <a:solidFill>
-                  <a:schemeClr val="accent6">
-                    <a:lumMod val="75000"/>
-                  </a:schemeClr>
-                </a:solidFill>
-              </a:rPr>
-              <a:t/>
-            </a:r>
             <a:br>
               <a:rPr lang="en-US" sz="1050" b="1" dirty="0">
                 <a:solidFill>
@@ -25616,14 +25630,6 @@
               </a:rPr>
               <a:t>JsonUserPrefs</a:t>
             </a:r>
-            <a:r>
-              <a:rPr lang="en-US" sz="1050" dirty="0">
-                <a:solidFill>
-                  <a:schemeClr val="bg1"/>
-                </a:solidFill>
-              </a:rPr>
-              <a:t/>
-            </a:r>
             <a:br>
               <a:rPr lang="en-US" sz="1050" dirty="0">
                 <a:solidFill>
@@ -25692,16 +25698,6 @@
                 </a:solidFill>
               </a:rPr>
               <a:t>XmlSerializable</a:t>
-            </a:r>
-            <a:r>
-              <a:rPr lang="en-US" sz="1050" b="1" dirty="0">
-                <a:solidFill>
-                  <a:schemeClr val="accent6">
-                    <a:lumMod val="75000"/>
-                  </a:schemeClr>
-                </a:solidFill>
-              </a:rPr>
-              <a:t/>
             </a:r>
             <a:br>
               <a:rPr lang="en-US" sz="1050" b="1" dirty="0">

--- a/docs/diagrams/Diagrams.pptx
+++ b/docs/diagrams/Diagrams.pptx
@@ -5,7 +5,7 @@
     <p:sldMasterId id="2147483648" r:id="rId1"/>
   </p:sldMasterIdLst>
   <p:notesMasterIdLst>
-    <p:notesMasterId r:id="rId16"/>
+    <p:notesMasterId r:id="rId25"/>
   </p:notesMasterIdLst>
   <p:sldIdLst>
     <p:sldId id="256" r:id="rId2"/>
@@ -22,6 +22,15 @@
     <p:sldId id="268" r:id="rId13"/>
     <p:sldId id="272" r:id="rId14"/>
     <p:sldId id="265" r:id="rId15"/>
+    <p:sldId id="274" r:id="rId16"/>
+    <p:sldId id="283" r:id="rId17"/>
+    <p:sldId id="282" r:id="rId18"/>
+    <p:sldId id="281" r:id="rId19"/>
+    <p:sldId id="280" r:id="rId20"/>
+    <p:sldId id="279" r:id="rId21"/>
+    <p:sldId id="278" r:id="rId22"/>
+    <p:sldId id="276" r:id="rId23"/>
+    <p:sldId id="275" r:id="rId24"/>
   </p:sldIdLst>
   <p:sldSz cx="9144000" cy="6858000" type="screen4x3"/>
   <p:notesSz cx="6858000" cy="9144000"/>
@@ -137,6 +146,18 @@
     </p:ext>
   </p:extLst>
 </p:presentation>
+</file>
+
+<file path=ppt/commentAuthors.xml><?xml version="1.0" encoding="utf-8"?>
+<p:cmAuthorLst xmlns:a="http://schemas.openxmlformats.org/drawingml/2006/main" xmlns:r="http://schemas.openxmlformats.org/officeDocument/2006/relationships" xmlns:p="http://schemas.openxmlformats.org/presentationml/2006/main">
+  <p:cmAuthor id="1" name="Mickey" initials="M" lastIdx="1" clrIdx="0">
+    <p:extLst>
+      <p:ext uri="{19B8F6BF-5375-455C-9EA6-DF929625EA0E}">
+        <p15:presenceInfo xmlns:p15="http://schemas.microsoft.com/office/powerpoint/2012/main" userId="Mickey" providerId="None"/>
+      </p:ext>
+    </p:extLst>
+  </p:cmAuthor>
+</p:cmAuthorLst>
 </file>
 
 <file path=ppt/notesMasters/notesMaster1.xml><?xml version="1.0" encoding="utf-8"?>
@@ -13299,6 +13320,1608 @@
 </p:sld>
 </file>
 
+<file path=ppt/slides/slide15.xml><?xml version="1.0" encoding="utf-8"?>
+<p:sld xmlns:a="http://schemas.openxmlformats.org/drawingml/2006/main" xmlns:r="http://schemas.openxmlformats.org/officeDocument/2006/relationships" xmlns:p="http://schemas.openxmlformats.org/presentationml/2006/main">
+  <p:cSld name="PPTLabsSpotlight201611051227551767">
+    <p:spTree>
+      <p:nvGrpSpPr>
+        <p:cNvPr id="1" name=""/>
+        <p:cNvGrpSpPr/>
+        <p:nvPr/>
+      </p:nvGrpSpPr>
+      <p:grpSpPr>
+        <a:xfrm>
+          <a:off x="0" y="0"/>
+          <a:ext cx="0" cy="0"/>
+          <a:chOff x="0" y="0"/>
+          <a:chExt cx="0" cy="0"/>
+        </a:xfrm>
+      </p:grpSpPr>
+      <p:pic>
+        <p:nvPicPr>
+          <p:cNvPr id="2" name="Picture 1"/>
+          <p:cNvPicPr>
+            <a:picLocks noChangeAspect="1"/>
+          </p:cNvPicPr>
+          <p:nvPr/>
+        </p:nvPicPr>
+        <p:blipFill>
+          <a:blip r:embed="rId2" cstate="print">
+            <a:extLst>
+              <a:ext uri="{28A0092B-C50C-407E-A947-70E740481C1C}">
+                <a14:useLocalDpi xmlns:a14="http://schemas.microsoft.com/office/drawing/2010/main" val="0"/>
+              </a:ext>
+            </a:extLst>
+          </a:blip>
+          <a:stretch>
+            <a:fillRect/>
+          </a:stretch>
+        </p:blipFill>
+        <p:spPr>
+          <a:xfrm>
+            <a:off x="914400" y="1371600"/>
+            <a:ext cx="7200000" cy="4049999"/>
+          </a:xfrm>
+          <a:prstGeom prst="rect">
+            <a:avLst/>
+          </a:prstGeom>
+        </p:spPr>
+      </p:pic>
+      <p:sp>
+        <p:nvSpPr>
+          <p:cNvPr id="12" name="Rectangle 11"/>
+          <p:cNvSpPr/>
+          <p:nvPr/>
+        </p:nvSpPr>
+        <p:spPr>
+          <a:xfrm>
+            <a:off x="914400" y="5257800"/>
+            <a:ext cx="7200000" cy="163799"/>
+          </a:xfrm>
+          <a:prstGeom prst="rect">
+            <a:avLst/>
+          </a:prstGeom>
+          <a:solidFill>
+            <a:srgbClr val="AAAAAA">
+              <a:alpha val="30000"/>
+            </a:srgbClr>
+          </a:solidFill>
+          <a:ln w="25400" cap="flat" cmpd="sng" algn="ctr">
+            <a:solidFill>
+              <a:srgbClr val="000000"/>
+            </a:solidFill>
+            <a:prstDash val="solid"/>
+          </a:ln>
+          <a:effectLst/>
+        </p:spPr>
+        <p:style>
+          <a:lnRef idx="2">
+            <a:schemeClr val="dk1"/>
+          </a:lnRef>
+          <a:fillRef idx="1">
+            <a:schemeClr val="lt1"/>
+          </a:fillRef>
+          <a:effectRef idx="0">
+            <a:schemeClr val="dk1"/>
+          </a:effectRef>
+          <a:fontRef idx="minor">
+            <a:schemeClr val="dk1"/>
+          </a:fontRef>
+        </p:style>
+        <p:txBody>
+          <a:bodyPr rtlCol="0" anchor="ctr"/>
+          <a:lstStyle/>
+          <a:p>
+            <a:pPr algn="ctr"/>
+            <a:endParaRPr lang="en-SG"/>
+          </a:p>
+        </p:txBody>
+      </p:sp>
+    </p:spTree>
+    <p:extLst>
+      <p:ext uri="{BB962C8B-B14F-4D97-AF65-F5344CB8AC3E}">
+        <p14:creationId xmlns:p14="http://schemas.microsoft.com/office/powerpoint/2010/main" val="2515362881"/>
+      </p:ext>
+    </p:extLst>
+  </p:cSld>
+  <p:clrMapOvr>
+    <a:masterClrMapping/>
+  </p:clrMapOvr>
+  <p:timing>
+    <p:tnLst>
+      <p:par>
+        <p:cTn id="1" dur="indefinite" restart="never" nodeType="tmRoot">
+          <p:childTnLst>
+            <p:seq concurrent="1" nextAc="seek">
+              <p:cTn id="2" dur="indefinite" nodeType="mainSeq">
+                <p:childTnLst>
+                  <p:par>
+                    <p:cTn id="3" fill="hold">
+                      <p:stCondLst>
+                        <p:cond delay="indefinite"/>
+                        <p:cond evt="onBegin" delay="0">
+                          <p:tn val="2"/>
+                        </p:cond>
+                      </p:stCondLst>
+                      <p:childTnLst>
+                        <p:par>
+                          <p:cTn id="4" fill="hold">
+                            <p:stCondLst>
+                              <p:cond delay="0"/>
+                            </p:stCondLst>
+                            <p:childTnLst>
+                              <p:par>
+                                <p:cTn id="5" presetID="1" presetClass="entr" presetSubtype="0" fill="hold" grpId="12" nodeType="withEffect">
+                                  <p:stCondLst>
+                                    <p:cond delay="0"/>
+                                  </p:stCondLst>
+                                  <p:childTnLst>
+                                    <p:set>
+                                      <p:cBhvr>
+                                        <p:cTn id="6" dur="1" fill="hold">
+                                          <p:stCondLst>
+                                            <p:cond delay="0"/>
+                                          </p:stCondLst>
+                                        </p:cTn>
+                                        <p:tgtEl>
+                                          <p:spTgt spid="12"/>
+                                        </p:tgtEl>
+                                        <p:attrNameLst>
+                                          <p:attrName>style.visibility</p:attrName>
+                                        </p:attrNameLst>
+                                      </p:cBhvr>
+                                      <p:to>
+                                        <p:strVal val="visible"/>
+                                      </p:to>
+                                    </p:set>
+                                  </p:childTnLst>
+                                </p:cTn>
+                              </p:par>
+                              <p:par>
+                                <p:cTn id="7" presetID="1" presetClass="exit" presetSubtype="0" fill="hold" grpId="13" nodeType="withEffect">
+                                  <p:stCondLst>
+                                    <p:cond delay="0"/>
+                                  </p:stCondLst>
+                                  <p:childTnLst>
+                                    <p:set>
+                                      <p:cBhvr>
+                                        <p:cTn id="8" dur="1" fill="hold">
+                                          <p:stCondLst>
+                                            <p:cond delay="0"/>
+                                          </p:stCondLst>
+                                        </p:cTn>
+                                        <p:tgtEl>
+                                          <p:spTgt spid="12"/>
+                                        </p:tgtEl>
+                                        <p:attrNameLst>
+                                          <p:attrName>style.visibility</p:attrName>
+                                        </p:attrNameLst>
+                                      </p:cBhvr>
+                                      <p:to>
+                                        <p:strVal val="hidden"/>
+                                      </p:to>
+                                    </p:set>
+                                  </p:childTnLst>
+                                </p:cTn>
+                              </p:par>
+                              <p:par>
+                                <p:cTn id="9" presetID="1" presetClass="entr" presetSubtype="0" fill="hold" grpId="10" nodeType="withEffect">
+                                  <p:stCondLst>
+                                    <p:cond delay="0"/>
+                                  </p:stCondLst>
+                                  <p:childTnLst>
+                                    <p:set>
+                                      <p:cBhvr>
+                                        <p:cTn id="10" dur="1" fill="hold">
+                                          <p:stCondLst>
+                                            <p:cond delay="0"/>
+                                          </p:stCondLst>
+                                        </p:cTn>
+                                        <p:tgtEl>
+                                          <p:spTgt spid="12"/>
+                                        </p:tgtEl>
+                                        <p:attrNameLst>
+                                          <p:attrName>style.visibility</p:attrName>
+                                        </p:attrNameLst>
+                                      </p:cBhvr>
+                                      <p:to>
+                                        <p:strVal val="visible"/>
+                                      </p:to>
+                                    </p:set>
+                                  </p:childTnLst>
+                                </p:cTn>
+                              </p:par>
+                              <p:par>
+                                <p:cTn id="11" presetID="1" presetClass="exit" presetSubtype="0" fill="hold" grpId="11" nodeType="withEffect">
+                                  <p:stCondLst>
+                                    <p:cond delay="0"/>
+                                  </p:stCondLst>
+                                  <p:childTnLst>
+                                    <p:set>
+                                      <p:cBhvr>
+                                        <p:cTn id="12" dur="1" fill="hold">
+                                          <p:stCondLst>
+                                            <p:cond delay="0"/>
+                                          </p:stCondLst>
+                                        </p:cTn>
+                                        <p:tgtEl>
+                                          <p:spTgt spid="12"/>
+                                        </p:tgtEl>
+                                        <p:attrNameLst>
+                                          <p:attrName>style.visibility</p:attrName>
+                                        </p:attrNameLst>
+                                      </p:cBhvr>
+                                      <p:to>
+                                        <p:strVal val="hidden"/>
+                                      </p:to>
+                                    </p:set>
+                                  </p:childTnLst>
+                                </p:cTn>
+                              </p:par>
+                              <p:par>
+                                <p:cTn id="13" presetID="1" presetClass="entr" presetSubtype="0" fill="hold" grpId="8" nodeType="withEffect">
+                                  <p:stCondLst>
+                                    <p:cond delay="0"/>
+                                  </p:stCondLst>
+                                  <p:childTnLst>
+                                    <p:set>
+                                      <p:cBhvr>
+                                        <p:cTn id="14" dur="1" fill="hold">
+                                          <p:stCondLst>
+                                            <p:cond delay="0"/>
+                                          </p:stCondLst>
+                                        </p:cTn>
+                                        <p:tgtEl>
+                                          <p:spTgt spid="12"/>
+                                        </p:tgtEl>
+                                        <p:attrNameLst>
+                                          <p:attrName>style.visibility</p:attrName>
+                                        </p:attrNameLst>
+                                      </p:cBhvr>
+                                      <p:to>
+                                        <p:strVal val="visible"/>
+                                      </p:to>
+                                    </p:set>
+                                  </p:childTnLst>
+                                </p:cTn>
+                              </p:par>
+                              <p:par>
+                                <p:cTn id="15" presetID="1" presetClass="exit" presetSubtype="0" fill="hold" grpId="9" nodeType="withEffect">
+                                  <p:stCondLst>
+                                    <p:cond delay="0"/>
+                                  </p:stCondLst>
+                                  <p:childTnLst>
+                                    <p:set>
+                                      <p:cBhvr>
+                                        <p:cTn id="16" dur="1" fill="hold">
+                                          <p:stCondLst>
+                                            <p:cond delay="0"/>
+                                          </p:stCondLst>
+                                        </p:cTn>
+                                        <p:tgtEl>
+                                          <p:spTgt spid="12"/>
+                                        </p:tgtEl>
+                                        <p:attrNameLst>
+                                          <p:attrName>style.visibility</p:attrName>
+                                        </p:attrNameLst>
+                                      </p:cBhvr>
+                                      <p:to>
+                                        <p:strVal val="hidden"/>
+                                      </p:to>
+                                    </p:set>
+                                  </p:childTnLst>
+                                </p:cTn>
+                              </p:par>
+                              <p:par>
+                                <p:cTn id="17" presetID="1" presetClass="entr" presetSubtype="0" fill="hold" grpId="6" nodeType="withEffect">
+                                  <p:stCondLst>
+                                    <p:cond delay="0"/>
+                                  </p:stCondLst>
+                                  <p:childTnLst>
+                                    <p:set>
+                                      <p:cBhvr>
+                                        <p:cTn id="18" dur="1" fill="hold">
+                                          <p:stCondLst>
+                                            <p:cond delay="0"/>
+                                          </p:stCondLst>
+                                        </p:cTn>
+                                        <p:tgtEl>
+                                          <p:spTgt spid="12"/>
+                                        </p:tgtEl>
+                                        <p:attrNameLst>
+                                          <p:attrName>style.visibility</p:attrName>
+                                        </p:attrNameLst>
+                                      </p:cBhvr>
+                                      <p:to>
+                                        <p:strVal val="visible"/>
+                                      </p:to>
+                                    </p:set>
+                                  </p:childTnLst>
+                                </p:cTn>
+                              </p:par>
+                              <p:par>
+                                <p:cTn id="19" presetID="1" presetClass="exit" presetSubtype="0" fill="hold" grpId="7" nodeType="withEffect">
+                                  <p:stCondLst>
+                                    <p:cond delay="0"/>
+                                  </p:stCondLst>
+                                  <p:childTnLst>
+                                    <p:set>
+                                      <p:cBhvr>
+                                        <p:cTn id="20" dur="1" fill="hold">
+                                          <p:stCondLst>
+                                            <p:cond delay="0"/>
+                                          </p:stCondLst>
+                                        </p:cTn>
+                                        <p:tgtEl>
+                                          <p:spTgt spid="12"/>
+                                        </p:tgtEl>
+                                        <p:attrNameLst>
+                                          <p:attrName>style.visibility</p:attrName>
+                                        </p:attrNameLst>
+                                      </p:cBhvr>
+                                      <p:to>
+                                        <p:strVal val="hidden"/>
+                                      </p:to>
+                                    </p:set>
+                                  </p:childTnLst>
+                                </p:cTn>
+                              </p:par>
+                              <p:par>
+                                <p:cTn id="21" presetID="1" presetClass="entr" presetSubtype="0" fill="hold" grpId="4" nodeType="withEffect">
+                                  <p:stCondLst>
+                                    <p:cond delay="0"/>
+                                  </p:stCondLst>
+                                  <p:childTnLst>
+                                    <p:set>
+                                      <p:cBhvr>
+                                        <p:cTn id="22" dur="1" fill="hold">
+                                          <p:stCondLst>
+                                            <p:cond delay="0"/>
+                                          </p:stCondLst>
+                                        </p:cTn>
+                                        <p:tgtEl>
+                                          <p:spTgt spid="12"/>
+                                        </p:tgtEl>
+                                        <p:attrNameLst>
+                                          <p:attrName>style.visibility</p:attrName>
+                                        </p:attrNameLst>
+                                      </p:cBhvr>
+                                      <p:to>
+                                        <p:strVal val="visible"/>
+                                      </p:to>
+                                    </p:set>
+                                  </p:childTnLst>
+                                </p:cTn>
+                              </p:par>
+                              <p:par>
+                                <p:cTn id="23" presetID="1" presetClass="exit" presetSubtype="0" fill="hold" grpId="5" nodeType="withEffect">
+                                  <p:stCondLst>
+                                    <p:cond delay="0"/>
+                                  </p:stCondLst>
+                                  <p:childTnLst>
+                                    <p:set>
+                                      <p:cBhvr>
+                                        <p:cTn id="24" dur="1" fill="hold">
+                                          <p:stCondLst>
+                                            <p:cond delay="0"/>
+                                          </p:stCondLst>
+                                        </p:cTn>
+                                        <p:tgtEl>
+                                          <p:spTgt spid="12"/>
+                                        </p:tgtEl>
+                                        <p:attrNameLst>
+                                          <p:attrName>style.visibility</p:attrName>
+                                        </p:attrNameLst>
+                                      </p:cBhvr>
+                                      <p:to>
+                                        <p:strVal val="hidden"/>
+                                      </p:to>
+                                    </p:set>
+                                  </p:childTnLst>
+                                </p:cTn>
+                              </p:par>
+                              <p:par>
+                                <p:cTn id="25" presetID="1" presetClass="entr" presetSubtype="0" fill="hold" grpId="2" nodeType="withEffect">
+                                  <p:stCondLst>
+                                    <p:cond delay="0"/>
+                                  </p:stCondLst>
+                                  <p:childTnLst>
+                                    <p:set>
+                                      <p:cBhvr>
+                                        <p:cTn id="26" dur="1" fill="hold">
+                                          <p:stCondLst>
+                                            <p:cond delay="0"/>
+                                          </p:stCondLst>
+                                        </p:cTn>
+                                        <p:tgtEl>
+                                          <p:spTgt spid="12"/>
+                                        </p:tgtEl>
+                                        <p:attrNameLst>
+                                          <p:attrName>style.visibility</p:attrName>
+                                        </p:attrNameLst>
+                                      </p:cBhvr>
+                                      <p:to>
+                                        <p:strVal val="visible"/>
+                                      </p:to>
+                                    </p:set>
+                                  </p:childTnLst>
+                                </p:cTn>
+                              </p:par>
+                              <p:par>
+                                <p:cTn id="27" presetID="1" presetClass="exit" presetSubtype="0" fill="hold" grpId="3" nodeType="withEffect">
+                                  <p:stCondLst>
+                                    <p:cond delay="0"/>
+                                  </p:stCondLst>
+                                  <p:childTnLst>
+                                    <p:set>
+                                      <p:cBhvr>
+                                        <p:cTn id="28" dur="1" fill="hold">
+                                          <p:stCondLst>
+                                            <p:cond delay="0"/>
+                                          </p:stCondLst>
+                                        </p:cTn>
+                                        <p:tgtEl>
+                                          <p:spTgt spid="12"/>
+                                        </p:tgtEl>
+                                        <p:attrNameLst>
+                                          <p:attrName>style.visibility</p:attrName>
+                                        </p:attrNameLst>
+                                      </p:cBhvr>
+                                      <p:to>
+                                        <p:strVal val="hidden"/>
+                                      </p:to>
+                                    </p:set>
+                                  </p:childTnLst>
+                                </p:cTn>
+                              </p:par>
+                              <p:par>
+                                <p:cTn id="29" presetID="1" presetClass="entr" presetSubtype="0" fill="hold" grpId="0" nodeType="withEffect">
+                                  <p:stCondLst>
+                                    <p:cond delay="0"/>
+                                  </p:stCondLst>
+                                  <p:childTnLst>
+                                    <p:set>
+                                      <p:cBhvr>
+                                        <p:cTn id="30" dur="1" fill="hold">
+                                          <p:stCondLst>
+                                            <p:cond delay="0"/>
+                                          </p:stCondLst>
+                                        </p:cTn>
+                                        <p:tgtEl>
+                                          <p:spTgt spid="12"/>
+                                        </p:tgtEl>
+                                        <p:attrNameLst>
+                                          <p:attrName>style.visibility</p:attrName>
+                                        </p:attrNameLst>
+                                      </p:cBhvr>
+                                      <p:to>
+                                        <p:strVal val="visible"/>
+                                      </p:to>
+                                    </p:set>
+                                  </p:childTnLst>
+                                </p:cTn>
+                              </p:par>
+                              <p:par>
+                                <p:cTn id="31" presetID="1" presetClass="exit" presetSubtype="0" fill="hold" grpId="1" nodeType="withEffect">
+                                  <p:stCondLst>
+                                    <p:cond delay="0"/>
+                                  </p:stCondLst>
+                                  <p:childTnLst>
+                                    <p:set>
+                                      <p:cBhvr>
+                                        <p:cTn id="32" dur="1" fill="hold">
+                                          <p:stCondLst>
+                                            <p:cond delay="0"/>
+                                          </p:stCondLst>
+                                        </p:cTn>
+                                        <p:tgtEl>
+                                          <p:spTgt spid="12"/>
+                                        </p:tgtEl>
+                                        <p:attrNameLst>
+                                          <p:attrName>style.visibility</p:attrName>
+                                        </p:attrNameLst>
+                                      </p:cBhvr>
+                                      <p:to>
+                                        <p:strVal val="hidden"/>
+                                      </p:to>
+                                    </p:set>
+                                  </p:childTnLst>
+                                </p:cTn>
+                              </p:par>
+                            </p:childTnLst>
+                          </p:cTn>
+                        </p:par>
+                      </p:childTnLst>
+                    </p:cTn>
+                  </p:par>
+                </p:childTnLst>
+              </p:cTn>
+              <p:prevCondLst>
+                <p:cond evt="onPrev" delay="0">
+                  <p:tgtEl>
+                    <p:sldTgt/>
+                  </p:tgtEl>
+                </p:cond>
+              </p:prevCondLst>
+              <p:nextCondLst>
+                <p:cond evt="onNext" delay="0">
+                  <p:tgtEl>
+                    <p:sldTgt/>
+                  </p:tgtEl>
+                </p:cond>
+              </p:nextCondLst>
+            </p:seq>
+          </p:childTnLst>
+        </p:cTn>
+      </p:par>
+    </p:tnLst>
+    <p:bldLst>
+      <p:bldP spid="12" grpId="0" animBg="1"/>
+      <p:bldP spid="12" grpId="1" animBg="1"/>
+      <p:bldP spid="12" grpId="2" animBg="1"/>
+      <p:bldP spid="12" grpId="3" animBg="1"/>
+      <p:bldP spid="12" grpId="4" animBg="1"/>
+      <p:bldP spid="12" grpId="5" animBg="1"/>
+      <p:bldP spid="12" grpId="6" animBg="1"/>
+      <p:bldP spid="12" grpId="7" animBg="1"/>
+      <p:bldP spid="12" grpId="8" animBg="1"/>
+      <p:bldP spid="12" grpId="9" animBg="1"/>
+      <p:bldP spid="12" grpId="10" animBg="1"/>
+      <p:bldP spid="12" grpId="11" animBg="1"/>
+      <p:bldP spid="12" grpId="12" animBg="1"/>
+      <p:bldP spid="12" grpId="13" animBg="1"/>
+    </p:bldLst>
+  </p:timing>
+</p:sld>
+</file>
+
+<file path=ppt/slides/slide16.xml><?xml version="1.0" encoding="utf-8"?>
+<p:sld xmlns:a="http://schemas.openxmlformats.org/drawingml/2006/main" xmlns:r="http://schemas.openxmlformats.org/officeDocument/2006/relationships" xmlns:p="http://schemas.openxmlformats.org/presentationml/2006/main">
+  <p:cSld name="PPTLabsSpotlight201611051250555042">
+    <p:spTree>
+      <p:nvGrpSpPr>
+        <p:cNvPr id="1" name=""/>
+        <p:cNvGrpSpPr/>
+        <p:nvPr/>
+      </p:nvGrpSpPr>
+      <p:grpSpPr>
+        <a:xfrm>
+          <a:off x="0" y="0"/>
+          <a:ext cx="0" cy="0"/>
+          <a:chOff x="0" y="0"/>
+          <a:chExt cx="0" cy="0"/>
+        </a:xfrm>
+      </p:grpSpPr>
+      <p:pic>
+        <p:nvPicPr>
+          <p:cNvPr id="2" name="Picture 1"/>
+          <p:cNvPicPr>
+            <a:picLocks noChangeAspect="1"/>
+          </p:cNvPicPr>
+          <p:nvPr/>
+        </p:nvPicPr>
+        <p:blipFill>
+          <a:blip r:embed="rId2" cstate="print">
+            <a:extLst>
+              <a:ext uri="{28A0092B-C50C-407E-A947-70E740481C1C}">
+                <a14:useLocalDpi xmlns:a14="http://schemas.microsoft.com/office/drawing/2010/main" val="0"/>
+              </a:ext>
+            </a:extLst>
+          </a:blip>
+          <a:stretch>
+            <a:fillRect/>
+          </a:stretch>
+        </p:blipFill>
+        <p:spPr>
+          <a:xfrm>
+            <a:off x="914400" y="1371600"/>
+            <a:ext cx="7200000" cy="4049999"/>
+          </a:xfrm>
+          <a:prstGeom prst="rect">
+            <a:avLst/>
+          </a:prstGeom>
+        </p:spPr>
+      </p:pic>
+      <p:pic>
+        <p:nvPicPr>
+          <p:cNvPr id="5" name="SpotlightShape468bbe5b-910e-4083-b725-9645f072dc84" hidden="1"/>
+          <p:cNvPicPr>
+            <a:picLocks noChangeAspect="1"/>
+          </p:cNvPicPr>
+          <p:nvPr/>
+        </p:nvPicPr>
+        <p:blipFill>
+          <a:blip r:embed="rId3"/>
+          <a:stretch>
+            <a:fillRect/>
+          </a:stretch>
+        </p:blipFill>
+        <p:spPr>
+          <a:xfrm>
+            <a:off x="914400" y="5260444"/>
+            <a:ext cx="7200000" cy="158510"/>
+          </a:xfrm>
+          <a:prstGeom prst="rect">
+            <a:avLst/>
+          </a:prstGeom>
+        </p:spPr>
+      </p:pic>
+      <p:pic>
+        <p:nvPicPr>
+          <p:cNvPr id="8" name="SpotlightShape1_rendered"/>
+          <p:cNvPicPr>
+            <a:picLocks/>
+          </p:cNvPicPr>
+          <p:nvPr/>
+        </p:nvPicPr>
+        <p:blipFill rotWithShape="1">
+          <a:blip r:embed="rId4">
+            <a:extLst>
+              <a:ext uri="{28A0092B-C50C-407E-A947-70E740481C1C}">
+                <a14:useLocalDpi xmlns:a14="http://schemas.microsoft.com/office/drawing/2010/main" val="0"/>
+              </a:ext>
+            </a:extLst>
+          </a:blip>
+          <a:srcRect l="10286" t="18889" r="9933" b="22055"/>
+          <a:stretch/>
+        </p:blipFill>
+        <p:spPr>
+          <a:xfrm>
+            <a:off x="914399" y="1371600"/>
+            <a:ext cx="7200001" cy="4049999"/>
+          </a:xfrm>
+          <a:prstGeom prst="rect">
+            <a:avLst/>
+          </a:prstGeom>
+        </p:spPr>
+      </p:pic>
+      <p:sp>
+        <p:nvSpPr>
+          <p:cNvPr id="10" name="Down Arrow 9"/>
+          <p:cNvSpPr/>
+          <p:nvPr/>
+        </p:nvSpPr>
+        <p:spPr>
+          <a:xfrm>
+            <a:off x="4064399" y="4343400"/>
+            <a:ext cx="900000" cy="900000"/>
+          </a:xfrm>
+          <a:prstGeom prst="downArrow">
+            <a:avLst/>
+          </a:prstGeom>
+          <a:solidFill>
+            <a:schemeClr val="accent1">
+              <a:lumMod val="60000"/>
+              <a:lumOff val="40000"/>
+            </a:schemeClr>
+          </a:solidFill>
+          <a:ln>
+            <a:noFill/>
+          </a:ln>
+          <a:effectLst/>
+          <a:scene3d>
+            <a:camera prst="orthographicFront">
+              <a:rot lat="0" lon="0" rev="0"/>
+            </a:camera>
+            <a:lightRig rig="freezing" dir="t"/>
+          </a:scene3d>
+          <a:sp3d prstMaterial="powder">
+            <a:bevelT h="63500" prst="softRound"/>
+          </a:sp3d>
+        </p:spPr>
+        <p:style>
+          <a:lnRef idx="2">
+            <a:schemeClr val="accent1">
+              <a:shade val="50000"/>
+            </a:schemeClr>
+          </a:lnRef>
+          <a:fillRef idx="1">
+            <a:schemeClr val="accent1"/>
+          </a:fillRef>
+          <a:effectRef idx="0">
+            <a:schemeClr val="accent1"/>
+          </a:effectRef>
+          <a:fontRef idx="minor">
+            <a:schemeClr val="lt1"/>
+          </a:fontRef>
+        </p:style>
+        <p:txBody>
+          <a:bodyPr rtlCol="0" anchor="ctr"/>
+          <a:lstStyle/>
+          <a:p>
+            <a:pPr algn="ctr"/>
+            <a:endParaRPr lang="en-SG"/>
+          </a:p>
+        </p:txBody>
+      </p:sp>
+      <p:sp>
+        <p:nvSpPr>
+          <p:cNvPr id="11" name="Rectangle 10"/>
+          <p:cNvSpPr/>
+          <p:nvPr/>
+        </p:nvSpPr>
+        <p:spPr>
+          <a:xfrm>
+            <a:off x="3555079" y="448270"/>
+            <a:ext cx="1918667" cy="923330"/>
+          </a:xfrm>
+          <a:prstGeom prst="rect">
+            <a:avLst/>
+          </a:prstGeom>
+          <a:noFill/>
+        </p:spPr>
+        <p:txBody>
+          <a:bodyPr wrap="none" lIns="91440" tIns="45720" rIns="91440" bIns="45720">
+            <a:spAutoFit/>
+            <a:scene3d>
+              <a:camera prst="orthographicFront"/>
+              <a:lightRig rig="threePt" dir="t"/>
+            </a:scene3d>
+            <a:sp3d extrusionH="57150">
+              <a:bevelT h="25400" prst="softRound"/>
+            </a:sp3d>
+          </a:bodyPr>
+          <a:lstStyle/>
+          <a:p>
+            <a:pPr algn="ctr"/>
+            <a:r>
+              <a:rPr lang="en-US" sz="5400" dirty="0">
+                <a:ln w="0"/>
+                <a:solidFill>
+                  <a:schemeClr val="accent1">
+                    <a:lumMod val="60000"/>
+                    <a:lumOff val="40000"/>
+                  </a:schemeClr>
+                </a:solidFill>
+                <a:effectLst/>
+              </a:rPr>
+              <a:t>Status</a:t>
+            </a:r>
+            <a:endParaRPr lang="en-US" sz="5400" b="0" cap="none" spc="0" dirty="0">
+              <a:ln w="0"/>
+              <a:solidFill>
+                <a:schemeClr val="accent1">
+                  <a:lumMod val="60000"/>
+                  <a:lumOff val="40000"/>
+                </a:schemeClr>
+              </a:solidFill>
+              <a:effectLst/>
+            </a:endParaRPr>
+          </a:p>
+        </p:txBody>
+      </p:sp>
+      <p:sp>
+        <p:nvSpPr>
+          <p:cNvPr id="9" name="TextBox 8"/>
+          <p:cNvSpPr txBox="1"/>
+          <p:nvPr/>
+        </p:nvSpPr>
+        <p:spPr>
+          <a:xfrm>
+            <a:off x="914398" y="5421599"/>
+            <a:ext cx="7200002" cy="369332"/>
+          </a:xfrm>
+          <a:prstGeom prst="rect">
+            <a:avLst/>
+          </a:prstGeom>
+          <a:noFill/>
+        </p:spPr>
+        <p:txBody>
+          <a:bodyPr wrap="square" rtlCol="0">
+            <a:spAutoFit/>
+          </a:bodyPr>
+          <a:lstStyle/>
+          <a:p>
+            <a:r>
+              <a:rPr lang="en-SG" dirty="0"/>
+              <a:t>Here shows application status and its current data location</a:t>
+            </a:r>
+          </a:p>
+        </p:txBody>
+      </p:sp>
+    </p:spTree>
+    <p:extLst>
+      <p:ext uri="{BB962C8B-B14F-4D97-AF65-F5344CB8AC3E}">
+        <p14:creationId xmlns:p14="http://schemas.microsoft.com/office/powerpoint/2010/main" val="4008075675"/>
+      </p:ext>
+    </p:extLst>
+  </p:cSld>
+  <p:clrMapOvr>
+    <a:masterClrMapping/>
+  </p:clrMapOvr>
+</p:sld>
+</file>
+
+<file path=ppt/slides/slide17.xml><?xml version="1.0" encoding="utf-8"?>
+<p:sld xmlns:a="http://schemas.openxmlformats.org/drawingml/2006/main" xmlns:r="http://schemas.openxmlformats.org/officeDocument/2006/relationships" xmlns:p="http://schemas.openxmlformats.org/presentationml/2006/main">
+  <p:cSld name="PPTLabsSpotlight201611051249308109">
+    <p:spTree>
+      <p:nvGrpSpPr>
+        <p:cNvPr id="1" name=""/>
+        <p:cNvGrpSpPr/>
+        <p:nvPr/>
+      </p:nvGrpSpPr>
+      <p:grpSpPr>
+        <a:xfrm>
+          <a:off x="0" y="0"/>
+          <a:ext cx="0" cy="0"/>
+          <a:chOff x="0" y="0"/>
+          <a:chExt cx="0" cy="0"/>
+        </a:xfrm>
+      </p:grpSpPr>
+      <p:pic>
+        <p:nvPicPr>
+          <p:cNvPr id="2" name="Picture 1"/>
+          <p:cNvPicPr>
+            <a:picLocks noChangeAspect="1"/>
+          </p:cNvPicPr>
+          <p:nvPr/>
+        </p:nvPicPr>
+        <p:blipFill>
+          <a:blip r:embed="rId2" cstate="print">
+            <a:extLst>
+              <a:ext uri="{28A0092B-C50C-407E-A947-70E740481C1C}">
+                <a14:useLocalDpi xmlns:a14="http://schemas.microsoft.com/office/drawing/2010/main" val="0"/>
+              </a:ext>
+            </a:extLst>
+          </a:blip>
+          <a:stretch>
+            <a:fillRect/>
+          </a:stretch>
+        </p:blipFill>
+        <p:spPr>
+          <a:xfrm>
+            <a:off x="914400" y="1371600"/>
+            <a:ext cx="7200000" cy="4049999"/>
+          </a:xfrm>
+          <a:prstGeom prst="rect">
+            <a:avLst/>
+          </a:prstGeom>
+        </p:spPr>
+      </p:pic>
+      <p:pic>
+        <p:nvPicPr>
+          <p:cNvPr id="5" name="SpotlightShape965e65b3-932c-4961-a51e-9ef787c15b67" hidden="1"/>
+          <p:cNvPicPr>
+            <a:picLocks noChangeAspect="1"/>
+          </p:cNvPicPr>
+          <p:nvPr/>
+        </p:nvPicPr>
+        <p:blipFill>
+          <a:blip r:embed="rId3"/>
+          <a:stretch>
+            <a:fillRect/>
+          </a:stretch>
+        </p:blipFill>
+        <p:spPr>
+          <a:xfrm>
+            <a:off x="3808294" y="4648180"/>
+            <a:ext cx="4194412" cy="457240"/>
+          </a:xfrm>
+          <a:prstGeom prst="rect">
+            <a:avLst/>
+          </a:prstGeom>
+        </p:spPr>
+      </p:pic>
+      <p:pic>
+        <p:nvPicPr>
+          <p:cNvPr id="8" name="SpotlightShape1_rendered"/>
+          <p:cNvPicPr>
+            <a:picLocks/>
+          </p:cNvPicPr>
+          <p:nvPr/>
+        </p:nvPicPr>
+        <p:blipFill rotWithShape="1">
+          <a:blip r:embed="rId4">
+            <a:extLst>
+              <a:ext uri="{28A0092B-C50C-407E-A947-70E740481C1C}">
+                <a14:useLocalDpi xmlns:a14="http://schemas.microsoft.com/office/drawing/2010/main" val="0"/>
+              </a:ext>
+            </a:extLst>
+          </a:blip>
+          <a:srcRect l="8809" t="18334" r="11409" b="22612"/>
+          <a:stretch/>
+        </p:blipFill>
+        <p:spPr>
+          <a:xfrm>
+            <a:off x="914400" y="1371600"/>
+            <a:ext cx="7200000" cy="4049999"/>
+          </a:xfrm>
+          <a:prstGeom prst="rect">
+            <a:avLst/>
+          </a:prstGeom>
+        </p:spPr>
+      </p:pic>
+      <p:sp>
+        <p:nvSpPr>
+          <p:cNvPr id="10" name="Down Arrow 9"/>
+          <p:cNvSpPr/>
+          <p:nvPr/>
+        </p:nvSpPr>
+        <p:spPr>
+          <a:xfrm>
+            <a:off x="5334000" y="3733800"/>
+            <a:ext cx="900000" cy="900000"/>
+          </a:xfrm>
+          <a:prstGeom prst="downArrow">
+            <a:avLst/>
+          </a:prstGeom>
+          <a:solidFill>
+            <a:schemeClr val="accent1">
+              <a:lumMod val="60000"/>
+              <a:lumOff val="40000"/>
+            </a:schemeClr>
+          </a:solidFill>
+          <a:ln>
+            <a:noFill/>
+          </a:ln>
+          <a:effectLst/>
+          <a:scene3d>
+            <a:camera prst="orthographicFront">
+              <a:rot lat="0" lon="0" rev="0"/>
+            </a:camera>
+            <a:lightRig rig="freezing" dir="t"/>
+          </a:scene3d>
+          <a:sp3d prstMaterial="powder">
+            <a:bevelT h="63500" prst="softRound"/>
+          </a:sp3d>
+        </p:spPr>
+        <p:style>
+          <a:lnRef idx="2">
+            <a:schemeClr val="accent1">
+              <a:shade val="50000"/>
+            </a:schemeClr>
+          </a:lnRef>
+          <a:fillRef idx="1">
+            <a:schemeClr val="accent1"/>
+          </a:fillRef>
+          <a:effectRef idx="0">
+            <a:schemeClr val="accent1"/>
+          </a:effectRef>
+          <a:fontRef idx="minor">
+            <a:schemeClr val="lt1"/>
+          </a:fontRef>
+        </p:style>
+        <p:txBody>
+          <a:bodyPr rtlCol="0" anchor="ctr"/>
+          <a:lstStyle/>
+          <a:p>
+            <a:pPr algn="ctr"/>
+            <a:endParaRPr lang="en-SG"/>
+          </a:p>
+        </p:txBody>
+      </p:sp>
+      <p:sp>
+        <p:nvSpPr>
+          <p:cNvPr id="11" name="Rectangle 10"/>
+          <p:cNvSpPr/>
+          <p:nvPr/>
+        </p:nvSpPr>
+        <p:spPr>
+          <a:xfrm>
+            <a:off x="2470101" y="448270"/>
+            <a:ext cx="4088620" cy="923330"/>
+          </a:xfrm>
+          <a:prstGeom prst="rect">
+            <a:avLst/>
+          </a:prstGeom>
+          <a:noFill/>
+        </p:spPr>
+        <p:txBody>
+          <a:bodyPr wrap="none" lIns="91440" tIns="45720" rIns="91440" bIns="45720">
+            <a:spAutoFit/>
+            <a:scene3d>
+              <a:camera prst="orthographicFront"/>
+              <a:lightRig rig="threePt" dir="t"/>
+            </a:scene3d>
+            <a:sp3d extrusionH="57150">
+              <a:bevelT h="25400" prst="softRound"/>
+            </a:sp3d>
+          </a:bodyPr>
+          <a:lstStyle/>
+          <a:p>
+            <a:pPr algn="ctr"/>
+            <a:r>
+              <a:rPr lang="en-US" sz="5400" dirty="0">
+                <a:ln w="0"/>
+                <a:solidFill>
+                  <a:schemeClr val="accent1">
+                    <a:lumMod val="60000"/>
+                    <a:lumOff val="40000"/>
+                  </a:schemeClr>
+                </a:solidFill>
+                <a:effectLst/>
+              </a:rPr>
+              <a:t>Result Display</a:t>
+            </a:r>
+            <a:endParaRPr lang="en-US" sz="5400" b="0" cap="none" spc="0" dirty="0">
+              <a:ln w="0"/>
+              <a:solidFill>
+                <a:schemeClr val="accent1">
+                  <a:lumMod val="60000"/>
+                  <a:lumOff val="40000"/>
+                </a:schemeClr>
+              </a:solidFill>
+              <a:effectLst/>
+            </a:endParaRPr>
+          </a:p>
+        </p:txBody>
+      </p:sp>
+      <p:sp>
+        <p:nvSpPr>
+          <p:cNvPr id="13" name="TextBox 12"/>
+          <p:cNvSpPr txBox="1"/>
+          <p:nvPr/>
+        </p:nvSpPr>
+        <p:spPr>
+          <a:xfrm>
+            <a:off x="914398" y="5421599"/>
+            <a:ext cx="7200002" cy="369332"/>
+          </a:xfrm>
+          <a:prstGeom prst="rect">
+            <a:avLst/>
+          </a:prstGeom>
+          <a:noFill/>
+        </p:spPr>
+        <p:txBody>
+          <a:bodyPr wrap="square" rtlCol="0">
+            <a:spAutoFit/>
+          </a:bodyPr>
+          <a:lstStyle/>
+          <a:p>
+            <a:r>
+              <a:rPr lang="en-SG" dirty="0"/>
+              <a:t>Here displays the result after executing each command</a:t>
+            </a:r>
+          </a:p>
+        </p:txBody>
+      </p:sp>
+    </p:spTree>
+    <p:extLst>
+      <p:ext uri="{BB962C8B-B14F-4D97-AF65-F5344CB8AC3E}">
+        <p14:creationId xmlns:p14="http://schemas.microsoft.com/office/powerpoint/2010/main" val="1234242331"/>
+      </p:ext>
+    </p:extLst>
+  </p:cSld>
+  <p:clrMapOvr>
+    <a:masterClrMapping/>
+  </p:clrMapOvr>
+</p:sld>
+</file>
+
+<file path=ppt/slides/slide18.xml><?xml version="1.0" encoding="utf-8"?>
+<p:sld xmlns:a="http://schemas.openxmlformats.org/drawingml/2006/main" xmlns:r="http://schemas.openxmlformats.org/officeDocument/2006/relationships" xmlns:p="http://schemas.openxmlformats.org/presentationml/2006/main">
+  <p:cSld name="PPTLabsSpotlight201611051245208692">
+    <p:spTree>
+      <p:nvGrpSpPr>
+        <p:cNvPr id="1" name=""/>
+        <p:cNvGrpSpPr/>
+        <p:nvPr/>
+      </p:nvGrpSpPr>
+      <p:grpSpPr>
+        <a:xfrm>
+          <a:off x="0" y="0"/>
+          <a:ext cx="0" cy="0"/>
+          <a:chOff x="0" y="0"/>
+          <a:chExt cx="0" cy="0"/>
+        </a:xfrm>
+      </p:grpSpPr>
+      <p:pic>
+        <p:nvPicPr>
+          <p:cNvPr id="2" name="Picture 1"/>
+          <p:cNvPicPr>
+            <a:picLocks noChangeAspect="1"/>
+          </p:cNvPicPr>
+          <p:nvPr/>
+        </p:nvPicPr>
+        <p:blipFill>
+          <a:blip r:embed="rId2" cstate="print">
+            <a:extLst>
+              <a:ext uri="{28A0092B-C50C-407E-A947-70E740481C1C}">
+                <a14:useLocalDpi xmlns:a14="http://schemas.microsoft.com/office/drawing/2010/main" val="0"/>
+              </a:ext>
+            </a:extLst>
+          </a:blip>
+          <a:stretch>
+            <a:fillRect/>
+          </a:stretch>
+        </p:blipFill>
+        <p:spPr>
+          <a:xfrm>
+            <a:off x="914400" y="1371600"/>
+            <a:ext cx="7200000" cy="4049999"/>
+          </a:xfrm>
+          <a:prstGeom prst="rect">
+            <a:avLst/>
+          </a:prstGeom>
+        </p:spPr>
+      </p:pic>
+      <p:pic>
+        <p:nvPicPr>
+          <p:cNvPr id="5" name="SpotlightShape4854fd09-0340-453f-9a34-47eb75b241da" hidden="1"/>
+          <p:cNvPicPr>
+            <a:picLocks noChangeAspect="1"/>
+          </p:cNvPicPr>
+          <p:nvPr/>
+        </p:nvPicPr>
+        <p:blipFill>
+          <a:blip r:embed="rId3"/>
+          <a:stretch>
+            <a:fillRect/>
+          </a:stretch>
+        </p:blipFill>
+        <p:spPr>
+          <a:xfrm>
+            <a:off x="3808294" y="4419593"/>
+            <a:ext cx="4194412" cy="152413"/>
+          </a:xfrm>
+          <a:prstGeom prst="rect">
+            <a:avLst/>
+          </a:prstGeom>
+        </p:spPr>
+      </p:pic>
+      <p:pic>
+        <p:nvPicPr>
+          <p:cNvPr id="8" name="SpotlightShape1_rendered"/>
+          <p:cNvPicPr>
+            <a:picLocks/>
+          </p:cNvPicPr>
+          <p:nvPr/>
+        </p:nvPicPr>
+        <p:blipFill rotWithShape="1">
+          <a:blip r:embed="rId4">
+            <a:extLst>
+              <a:ext uri="{28A0092B-C50C-407E-A947-70E740481C1C}">
+                <a14:useLocalDpi xmlns:a14="http://schemas.microsoft.com/office/drawing/2010/main" val="0"/>
+              </a:ext>
+            </a:extLst>
+          </a:blip>
+          <a:srcRect l="8707" t="19007" r="11512" b="21938"/>
+          <a:stretch/>
+        </p:blipFill>
+        <p:spPr>
+          <a:xfrm>
+            <a:off x="914400" y="1371600"/>
+            <a:ext cx="7200000" cy="4049999"/>
+          </a:xfrm>
+          <a:prstGeom prst="rect">
+            <a:avLst/>
+          </a:prstGeom>
+        </p:spPr>
+      </p:pic>
+      <p:sp>
+        <p:nvSpPr>
+          <p:cNvPr id="10" name="Down Arrow 9"/>
+          <p:cNvSpPr/>
+          <p:nvPr/>
+        </p:nvSpPr>
+        <p:spPr>
+          <a:xfrm>
+            <a:off x="5334000" y="3403526"/>
+            <a:ext cx="900000" cy="900000"/>
+          </a:xfrm>
+          <a:prstGeom prst="downArrow">
+            <a:avLst/>
+          </a:prstGeom>
+          <a:solidFill>
+            <a:schemeClr val="accent1">
+              <a:lumMod val="60000"/>
+              <a:lumOff val="40000"/>
+            </a:schemeClr>
+          </a:solidFill>
+          <a:ln>
+            <a:noFill/>
+          </a:ln>
+          <a:effectLst/>
+          <a:scene3d>
+            <a:camera prst="orthographicFront">
+              <a:rot lat="0" lon="0" rev="0"/>
+            </a:camera>
+            <a:lightRig rig="freezing" dir="t"/>
+          </a:scene3d>
+          <a:sp3d prstMaterial="powder">
+            <a:bevelT h="63500" prst="softRound"/>
+          </a:sp3d>
+        </p:spPr>
+        <p:style>
+          <a:lnRef idx="2">
+            <a:schemeClr val="accent1">
+              <a:shade val="50000"/>
+            </a:schemeClr>
+          </a:lnRef>
+          <a:fillRef idx="1">
+            <a:schemeClr val="accent1"/>
+          </a:fillRef>
+          <a:effectRef idx="0">
+            <a:schemeClr val="accent1"/>
+          </a:effectRef>
+          <a:fontRef idx="minor">
+            <a:schemeClr val="lt1"/>
+          </a:fontRef>
+        </p:style>
+        <p:txBody>
+          <a:bodyPr rtlCol="0" anchor="ctr"/>
+          <a:lstStyle/>
+          <a:p>
+            <a:pPr algn="ctr"/>
+            <a:endParaRPr lang="en-SG"/>
+          </a:p>
+        </p:txBody>
+      </p:sp>
+      <p:sp>
+        <p:nvSpPr>
+          <p:cNvPr id="11" name="Rectangle 10"/>
+          <p:cNvSpPr/>
+          <p:nvPr/>
+        </p:nvSpPr>
+        <p:spPr>
+          <a:xfrm>
+            <a:off x="2379403" y="448270"/>
+            <a:ext cx="4270015" cy="923330"/>
+          </a:xfrm>
+          <a:prstGeom prst="rect">
+            <a:avLst/>
+          </a:prstGeom>
+          <a:noFill/>
+        </p:spPr>
+        <p:txBody>
+          <a:bodyPr wrap="none" lIns="91440" tIns="45720" rIns="91440" bIns="45720">
+            <a:spAutoFit/>
+            <a:scene3d>
+              <a:camera prst="orthographicFront"/>
+              <a:lightRig rig="threePt" dir="t"/>
+            </a:scene3d>
+            <a:sp3d extrusionH="57150">
+              <a:bevelT h="25400" prst="softRound"/>
+            </a:sp3d>
+          </a:bodyPr>
+          <a:lstStyle/>
+          <a:p>
+            <a:pPr algn="ctr"/>
+            <a:r>
+              <a:rPr lang="en-US" sz="5400" dirty="0">
+                <a:ln w="0"/>
+                <a:solidFill>
+                  <a:schemeClr val="accent1">
+                    <a:lumMod val="60000"/>
+                    <a:lumOff val="40000"/>
+                  </a:schemeClr>
+                </a:solidFill>
+                <a:effectLst/>
+              </a:rPr>
+              <a:t>Command Box</a:t>
+            </a:r>
+            <a:endParaRPr lang="en-US" sz="5400" b="0" cap="none" spc="0" dirty="0">
+              <a:ln w="0"/>
+              <a:solidFill>
+                <a:schemeClr val="accent1">
+                  <a:lumMod val="60000"/>
+                  <a:lumOff val="40000"/>
+                </a:schemeClr>
+              </a:solidFill>
+              <a:effectLst/>
+            </a:endParaRPr>
+          </a:p>
+        </p:txBody>
+      </p:sp>
+      <p:sp>
+        <p:nvSpPr>
+          <p:cNvPr id="13" name="TextBox 12"/>
+          <p:cNvSpPr txBox="1"/>
+          <p:nvPr/>
+        </p:nvSpPr>
+        <p:spPr>
+          <a:xfrm>
+            <a:off x="914398" y="5421599"/>
+            <a:ext cx="7200002" cy="646331"/>
+          </a:xfrm>
+          <a:prstGeom prst="rect">
+            <a:avLst/>
+          </a:prstGeom>
+          <a:noFill/>
+        </p:spPr>
+        <p:txBody>
+          <a:bodyPr wrap="square" rtlCol="0">
+            <a:spAutoFit/>
+          </a:bodyPr>
+          <a:lstStyle/>
+          <a:p>
+            <a:r>
+              <a:rPr lang="en-SG" dirty="0"/>
+              <a:t>Here is where you key in your commands</a:t>
+            </a:r>
+            <a:br>
+              <a:rPr lang="en-SG" dirty="0"/>
+            </a:br>
+            <a:r>
+              <a:rPr lang="en-SG" dirty="0"/>
+              <a:t>- Shortcut key -&gt; Ctrl + F4</a:t>
+            </a:r>
+          </a:p>
+        </p:txBody>
+      </p:sp>
+    </p:spTree>
+    <p:extLst>
+      <p:ext uri="{BB962C8B-B14F-4D97-AF65-F5344CB8AC3E}">
+        <p14:creationId xmlns:p14="http://schemas.microsoft.com/office/powerpoint/2010/main" val="1401379426"/>
+      </p:ext>
+    </p:extLst>
+  </p:cSld>
+  <p:clrMapOvr>
+    <a:masterClrMapping/>
+  </p:clrMapOvr>
+</p:sld>
+</file>
+
+<file path=ppt/slides/slide19.xml><?xml version="1.0" encoding="utf-8"?>
+<p:sld xmlns:a="http://schemas.openxmlformats.org/drawingml/2006/main" xmlns:r="http://schemas.openxmlformats.org/officeDocument/2006/relationships" xmlns:p="http://schemas.openxmlformats.org/presentationml/2006/main">
+  <p:cSld name="PPTLabsSpotlight201611051243597811">
+    <p:spTree>
+      <p:nvGrpSpPr>
+        <p:cNvPr id="1" name=""/>
+        <p:cNvGrpSpPr/>
+        <p:nvPr/>
+      </p:nvGrpSpPr>
+      <p:grpSpPr>
+        <a:xfrm>
+          <a:off x="0" y="0"/>
+          <a:ext cx="0" cy="0"/>
+          <a:chOff x="0" y="0"/>
+          <a:chExt cx="0" cy="0"/>
+        </a:xfrm>
+      </p:grpSpPr>
+      <p:pic>
+        <p:nvPicPr>
+          <p:cNvPr id="2" name="Picture 1"/>
+          <p:cNvPicPr>
+            <a:picLocks noChangeAspect="1"/>
+          </p:cNvPicPr>
+          <p:nvPr/>
+        </p:nvPicPr>
+        <p:blipFill>
+          <a:blip r:embed="rId2" cstate="print">
+            <a:extLst>
+              <a:ext uri="{28A0092B-C50C-407E-A947-70E740481C1C}">
+                <a14:useLocalDpi xmlns:a14="http://schemas.microsoft.com/office/drawing/2010/main" val="0"/>
+              </a:ext>
+            </a:extLst>
+          </a:blip>
+          <a:stretch>
+            <a:fillRect/>
+          </a:stretch>
+        </p:blipFill>
+        <p:spPr>
+          <a:xfrm>
+            <a:off x="914400" y="1371600"/>
+            <a:ext cx="7200000" cy="4049999"/>
+          </a:xfrm>
+          <a:prstGeom prst="rect">
+            <a:avLst/>
+          </a:prstGeom>
+        </p:spPr>
+      </p:pic>
+      <p:pic>
+        <p:nvPicPr>
+          <p:cNvPr id="5" name="SpotlightShaped552ae2b-be86-4344-9cfe-212813600987" hidden="1"/>
+          <p:cNvPicPr>
+            <a:picLocks noChangeAspect="1"/>
+          </p:cNvPicPr>
+          <p:nvPr/>
+        </p:nvPicPr>
+        <p:blipFill>
+          <a:blip r:embed="rId3"/>
+          <a:stretch>
+            <a:fillRect/>
+          </a:stretch>
+        </p:blipFill>
+        <p:spPr>
+          <a:xfrm>
+            <a:off x="3808294" y="1981101"/>
+            <a:ext cx="4194412" cy="2286198"/>
+          </a:xfrm>
+          <a:prstGeom prst="rect">
+            <a:avLst/>
+          </a:prstGeom>
+        </p:spPr>
+      </p:pic>
+      <p:pic>
+        <p:nvPicPr>
+          <p:cNvPr id="8" name="SpotlightShape1_rendered"/>
+          <p:cNvPicPr>
+            <a:picLocks/>
+          </p:cNvPicPr>
+          <p:nvPr/>
+        </p:nvPicPr>
+        <p:blipFill rotWithShape="1">
+          <a:blip r:embed="rId4">
+            <a:extLst>
+              <a:ext uri="{28A0092B-C50C-407E-A947-70E740481C1C}">
+                <a14:useLocalDpi xmlns:a14="http://schemas.microsoft.com/office/drawing/2010/main" val="0"/>
+              </a:ext>
+            </a:extLst>
+          </a:blip>
+          <a:srcRect l="8681" t="20001" r="11537" b="20944"/>
+          <a:stretch/>
+        </p:blipFill>
+        <p:spPr>
+          <a:xfrm>
+            <a:off x="914399" y="1371600"/>
+            <a:ext cx="7200001" cy="4049999"/>
+          </a:xfrm>
+          <a:prstGeom prst="rect">
+            <a:avLst/>
+          </a:prstGeom>
+        </p:spPr>
+      </p:pic>
+      <p:sp>
+        <p:nvSpPr>
+          <p:cNvPr id="10" name="Down Arrow 9"/>
+          <p:cNvSpPr/>
+          <p:nvPr/>
+        </p:nvSpPr>
+        <p:spPr>
+          <a:xfrm rot="16200000">
+            <a:off x="2895600" y="2743200"/>
+            <a:ext cx="900000" cy="900000"/>
+          </a:xfrm>
+          <a:prstGeom prst="downArrow">
+            <a:avLst/>
+          </a:prstGeom>
+          <a:solidFill>
+            <a:schemeClr val="accent1">
+              <a:lumMod val="60000"/>
+              <a:lumOff val="40000"/>
+            </a:schemeClr>
+          </a:solidFill>
+          <a:ln>
+            <a:noFill/>
+          </a:ln>
+          <a:effectLst/>
+          <a:scene3d>
+            <a:camera prst="orthographicFront">
+              <a:rot lat="0" lon="0" rev="0"/>
+            </a:camera>
+            <a:lightRig rig="freezing" dir="t"/>
+          </a:scene3d>
+          <a:sp3d prstMaterial="powder">
+            <a:bevelT h="63500" prst="softRound"/>
+          </a:sp3d>
+        </p:spPr>
+        <p:style>
+          <a:lnRef idx="2">
+            <a:schemeClr val="accent1">
+              <a:shade val="50000"/>
+            </a:schemeClr>
+          </a:lnRef>
+          <a:fillRef idx="1">
+            <a:schemeClr val="accent1"/>
+          </a:fillRef>
+          <a:effectRef idx="0">
+            <a:schemeClr val="accent1"/>
+          </a:effectRef>
+          <a:fontRef idx="minor">
+            <a:schemeClr val="lt1"/>
+          </a:fontRef>
+        </p:style>
+        <p:txBody>
+          <a:bodyPr rtlCol="0" anchor="ctr"/>
+          <a:lstStyle/>
+          <a:p>
+            <a:pPr algn="ctr"/>
+            <a:endParaRPr lang="en-SG"/>
+          </a:p>
+        </p:txBody>
+      </p:sp>
+      <p:sp>
+        <p:nvSpPr>
+          <p:cNvPr id="11" name="Rectangle 10"/>
+          <p:cNvSpPr/>
+          <p:nvPr/>
+        </p:nvSpPr>
+        <p:spPr>
+          <a:xfrm>
+            <a:off x="3336522" y="448270"/>
+            <a:ext cx="2355773" cy="923330"/>
+          </a:xfrm>
+          <a:prstGeom prst="rect">
+            <a:avLst/>
+          </a:prstGeom>
+          <a:noFill/>
+        </p:spPr>
+        <p:txBody>
+          <a:bodyPr wrap="none" lIns="91440" tIns="45720" rIns="91440" bIns="45720">
+            <a:spAutoFit/>
+            <a:scene3d>
+              <a:camera prst="orthographicFront"/>
+              <a:lightRig rig="threePt" dir="t"/>
+            </a:scene3d>
+            <a:sp3d extrusionH="57150">
+              <a:bevelT h="25400" prst="softRound"/>
+            </a:sp3d>
+          </a:bodyPr>
+          <a:lstStyle/>
+          <a:p>
+            <a:pPr algn="ctr"/>
+            <a:r>
+              <a:rPr lang="en-US" sz="5400" dirty="0">
+                <a:ln w="0"/>
+                <a:solidFill>
+                  <a:schemeClr val="accent1">
+                    <a:lumMod val="60000"/>
+                    <a:lumOff val="40000"/>
+                  </a:schemeClr>
+                </a:solidFill>
+                <a:effectLst/>
+              </a:rPr>
+              <a:t>Task list</a:t>
+            </a:r>
+            <a:endParaRPr lang="en-US" sz="5400" b="0" cap="none" spc="0" dirty="0">
+              <a:ln w="0"/>
+              <a:solidFill>
+                <a:schemeClr val="accent1">
+                  <a:lumMod val="60000"/>
+                  <a:lumOff val="40000"/>
+                </a:schemeClr>
+              </a:solidFill>
+              <a:effectLst/>
+            </a:endParaRPr>
+          </a:p>
+        </p:txBody>
+      </p:sp>
+      <p:sp>
+        <p:nvSpPr>
+          <p:cNvPr id="13" name="TextBox 12"/>
+          <p:cNvSpPr txBox="1"/>
+          <p:nvPr/>
+        </p:nvSpPr>
+        <p:spPr>
+          <a:xfrm>
+            <a:off x="914398" y="5421599"/>
+            <a:ext cx="7200002" cy="923330"/>
+          </a:xfrm>
+          <a:prstGeom prst="rect">
+            <a:avLst/>
+          </a:prstGeom>
+          <a:noFill/>
+        </p:spPr>
+        <p:txBody>
+          <a:bodyPr wrap="square" rtlCol="0">
+            <a:spAutoFit/>
+          </a:bodyPr>
+          <a:lstStyle/>
+          <a:p>
+            <a:r>
+              <a:rPr lang="en-SG" dirty="0"/>
+              <a:t>Here displays all your tasks</a:t>
+            </a:r>
+          </a:p>
+          <a:p>
+            <a:r>
+              <a:rPr lang="en-SG" dirty="0"/>
+              <a:t>- Green star represents completed, Red star represents overdue</a:t>
+            </a:r>
+          </a:p>
+          <a:p>
+            <a:r>
+              <a:rPr lang="en-SG" dirty="0"/>
+              <a:t>- Shortcut key -&gt; Ctrl + F3</a:t>
+            </a:r>
+          </a:p>
+        </p:txBody>
+      </p:sp>
+    </p:spTree>
+    <p:extLst>
+      <p:ext uri="{BB962C8B-B14F-4D97-AF65-F5344CB8AC3E}">
+        <p14:creationId xmlns:p14="http://schemas.microsoft.com/office/powerpoint/2010/main" val="2977620103"/>
+      </p:ext>
+    </p:extLst>
+  </p:cSld>
+  <p:clrMapOvr>
+    <a:masterClrMapping/>
+  </p:clrMapOvr>
+</p:sld>
+</file>
+
 <file path=ppt/slides/slide2.xml><?xml version="1.0" encoding="utf-8"?>
 <p:sld xmlns:a="http://schemas.openxmlformats.org/drawingml/2006/main" xmlns:r="http://schemas.openxmlformats.org/officeDocument/2006/relationships" xmlns:p="http://schemas.openxmlformats.org/presentationml/2006/main">
   <p:cSld>
@@ -14578,6 +16201,868 @@
     <p:extLst>
       <p:ext uri="{BB962C8B-B14F-4D97-AF65-F5344CB8AC3E}">
         <p14:creationId xmlns:p14="http://schemas.microsoft.com/office/powerpoint/2010/main" val="1981432603"/>
+      </p:ext>
+    </p:extLst>
+  </p:cSld>
+  <p:clrMapOvr>
+    <a:masterClrMapping/>
+  </p:clrMapOvr>
+</p:sld>
+</file>
+
+<file path=ppt/slides/slide20.xml><?xml version="1.0" encoding="utf-8"?>
+<p:sld xmlns:a="http://schemas.openxmlformats.org/drawingml/2006/main" xmlns:r="http://schemas.openxmlformats.org/officeDocument/2006/relationships" xmlns:p="http://schemas.openxmlformats.org/presentationml/2006/main">
+  <p:cSld name="PPTLabsSpotlight201611051241529252">
+    <p:spTree>
+      <p:nvGrpSpPr>
+        <p:cNvPr id="1" name=""/>
+        <p:cNvGrpSpPr/>
+        <p:nvPr/>
+      </p:nvGrpSpPr>
+      <p:grpSpPr>
+        <a:xfrm>
+          <a:off x="0" y="0"/>
+          <a:ext cx="0" cy="0"/>
+          <a:chOff x="0" y="0"/>
+          <a:chExt cx="0" cy="0"/>
+        </a:xfrm>
+      </p:grpSpPr>
+      <p:pic>
+        <p:nvPicPr>
+          <p:cNvPr id="2" name="Picture 1"/>
+          <p:cNvPicPr>
+            <a:picLocks noChangeAspect="1"/>
+          </p:cNvPicPr>
+          <p:nvPr/>
+        </p:nvPicPr>
+        <p:blipFill>
+          <a:blip r:embed="rId2" cstate="print">
+            <a:extLst>
+              <a:ext uri="{28A0092B-C50C-407E-A947-70E740481C1C}">
+                <a14:useLocalDpi xmlns:a14="http://schemas.microsoft.com/office/drawing/2010/main" val="0"/>
+              </a:ext>
+            </a:extLst>
+          </a:blip>
+          <a:stretch>
+            <a:fillRect/>
+          </a:stretch>
+        </p:blipFill>
+        <p:spPr>
+          <a:xfrm>
+            <a:off x="914400" y="1371600"/>
+            <a:ext cx="7200000" cy="4049999"/>
+          </a:xfrm>
+          <a:prstGeom prst="rect">
+            <a:avLst/>
+          </a:prstGeom>
+        </p:spPr>
+      </p:pic>
+      <p:pic>
+        <p:nvPicPr>
+          <p:cNvPr id="5" name="SpotlightShape0041ee1c-50fa-4f25-b5dd-af648cba02fe" hidden="1"/>
+          <p:cNvPicPr>
+            <a:picLocks noChangeAspect="1"/>
+          </p:cNvPicPr>
+          <p:nvPr/>
+        </p:nvPicPr>
+        <p:blipFill>
+          <a:blip r:embed="rId3"/>
+          <a:stretch>
+            <a:fillRect/>
+          </a:stretch>
+        </p:blipFill>
+        <p:spPr>
+          <a:xfrm>
+            <a:off x="3735188" y="1711591"/>
+            <a:ext cx="3121423" cy="195089"/>
+          </a:xfrm>
+          <a:prstGeom prst="rect">
+            <a:avLst/>
+          </a:prstGeom>
+        </p:spPr>
+      </p:pic>
+      <p:pic>
+        <p:nvPicPr>
+          <p:cNvPr id="8" name="SpotlightShape1_rendered"/>
+          <p:cNvPicPr>
+            <a:picLocks/>
+          </p:cNvPicPr>
+          <p:nvPr/>
+        </p:nvPicPr>
+        <p:blipFill rotWithShape="1">
+          <a:blip r:embed="rId4">
+            <a:extLst>
+              <a:ext uri="{28A0092B-C50C-407E-A947-70E740481C1C}">
+                <a14:useLocalDpi xmlns:a14="http://schemas.microsoft.com/office/drawing/2010/main" val="0"/>
+              </a:ext>
+            </a:extLst>
+          </a:blip>
+          <a:srcRect l="9608" t="21053" r="10611" b="19891"/>
+          <a:stretch/>
+        </p:blipFill>
+        <p:spPr>
+          <a:xfrm>
+            <a:off x="914401" y="1371600"/>
+            <a:ext cx="7200000" cy="4049999"/>
+          </a:xfrm>
+          <a:prstGeom prst="rect">
+            <a:avLst/>
+          </a:prstGeom>
+        </p:spPr>
+      </p:pic>
+      <p:sp>
+        <p:nvSpPr>
+          <p:cNvPr id="10" name="Down Arrow 9"/>
+          <p:cNvSpPr/>
+          <p:nvPr/>
+        </p:nvSpPr>
+        <p:spPr>
+          <a:xfrm rot="16200000">
+            <a:off x="2768078" y="1366982"/>
+            <a:ext cx="900000" cy="900000"/>
+          </a:xfrm>
+          <a:prstGeom prst="downArrow">
+            <a:avLst/>
+          </a:prstGeom>
+          <a:solidFill>
+            <a:schemeClr val="accent1">
+              <a:lumMod val="60000"/>
+              <a:lumOff val="40000"/>
+            </a:schemeClr>
+          </a:solidFill>
+          <a:ln>
+            <a:noFill/>
+          </a:ln>
+          <a:effectLst/>
+          <a:scene3d>
+            <a:camera prst="orthographicFront">
+              <a:rot lat="0" lon="0" rev="0"/>
+            </a:camera>
+            <a:lightRig rig="freezing" dir="t"/>
+          </a:scene3d>
+          <a:sp3d prstMaterial="powder">
+            <a:bevelT h="63500" prst="softRound"/>
+          </a:sp3d>
+        </p:spPr>
+        <p:style>
+          <a:lnRef idx="2">
+            <a:schemeClr val="accent1">
+              <a:shade val="50000"/>
+            </a:schemeClr>
+          </a:lnRef>
+          <a:fillRef idx="1">
+            <a:schemeClr val="accent1"/>
+          </a:fillRef>
+          <a:effectRef idx="0">
+            <a:schemeClr val="accent1"/>
+          </a:effectRef>
+          <a:fontRef idx="minor">
+            <a:schemeClr val="lt1"/>
+          </a:fontRef>
+        </p:style>
+        <p:txBody>
+          <a:bodyPr rtlCol="0" anchor="ctr"/>
+          <a:lstStyle/>
+          <a:p>
+            <a:pPr algn="ctr"/>
+            <a:endParaRPr lang="en-SG"/>
+          </a:p>
+        </p:txBody>
+      </p:sp>
+      <p:sp>
+        <p:nvSpPr>
+          <p:cNvPr id="11" name="Rectangle 10"/>
+          <p:cNvSpPr/>
+          <p:nvPr/>
+        </p:nvSpPr>
+        <p:spPr>
+          <a:xfrm>
+            <a:off x="3183854" y="448270"/>
+            <a:ext cx="2661113" cy="923330"/>
+          </a:xfrm>
+          <a:prstGeom prst="rect">
+            <a:avLst/>
+          </a:prstGeom>
+          <a:noFill/>
+        </p:spPr>
+        <p:txBody>
+          <a:bodyPr wrap="none" lIns="91440" tIns="45720" rIns="91440" bIns="45720">
+            <a:spAutoFit/>
+            <a:scene3d>
+              <a:camera prst="orthographicFront"/>
+              <a:lightRig rig="threePt" dir="t"/>
+            </a:scene3d>
+            <a:sp3d extrusionH="57150">
+              <a:bevelT h="25400" prst="softRound"/>
+            </a:sp3d>
+          </a:bodyPr>
+          <a:lstStyle/>
+          <a:p>
+            <a:pPr algn="ctr"/>
+            <a:r>
+              <a:rPr lang="en-US" sz="5400" dirty="0">
+                <a:ln w="0"/>
+                <a:solidFill>
+                  <a:schemeClr val="accent1">
+                    <a:lumMod val="60000"/>
+                    <a:lumOff val="40000"/>
+                  </a:schemeClr>
+                </a:solidFill>
+                <a:effectLst/>
+              </a:rPr>
+              <a:t>Statistics</a:t>
+            </a:r>
+            <a:endParaRPr lang="en-US" sz="5400" b="0" cap="none" spc="0" dirty="0">
+              <a:ln w="0"/>
+              <a:solidFill>
+                <a:schemeClr val="accent1">
+                  <a:lumMod val="60000"/>
+                  <a:lumOff val="40000"/>
+                </a:schemeClr>
+              </a:solidFill>
+              <a:effectLst/>
+            </a:endParaRPr>
+          </a:p>
+        </p:txBody>
+      </p:sp>
+      <p:sp>
+        <p:nvSpPr>
+          <p:cNvPr id="13" name="TextBox 12"/>
+          <p:cNvSpPr txBox="1"/>
+          <p:nvPr/>
+        </p:nvSpPr>
+        <p:spPr>
+          <a:xfrm>
+            <a:off x="914398" y="5421599"/>
+            <a:ext cx="7200002" cy="646331"/>
+          </a:xfrm>
+          <a:prstGeom prst="rect">
+            <a:avLst/>
+          </a:prstGeom>
+          <a:noFill/>
+        </p:spPr>
+        <p:txBody>
+          <a:bodyPr wrap="square" rtlCol="0">
+            <a:spAutoFit/>
+          </a:bodyPr>
+          <a:lstStyle/>
+          <a:p>
+            <a:r>
+              <a:rPr lang="en-SG" dirty="0"/>
+              <a:t>Here is the statistic display</a:t>
+            </a:r>
+            <a:br>
+              <a:rPr lang="en-SG" dirty="0"/>
+            </a:br>
+            <a:r>
+              <a:rPr lang="en-SG" dirty="0"/>
+              <a:t>- it shows the no. of completed, pending, overdue tasks in your task list</a:t>
+            </a:r>
+          </a:p>
+        </p:txBody>
+      </p:sp>
+    </p:spTree>
+    <p:extLst>
+      <p:ext uri="{BB962C8B-B14F-4D97-AF65-F5344CB8AC3E}">
+        <p14:creationId xmlns:p14="http://schemas.microsoft.com/office/powerpoint/2010/main" val="2834990701"/>
+      </p:ext>
+    </p:extLst>
+  </p:cSld>
+  <p:clrMapOvr>
+    <a:masterClrMapping/>
+  </p:clrMapOvr>
+</p:sld>
+</file>
+
+<file path=ppt/slides/slide21.xml><?xml version="1.0" encoding="utf-8"?>
+<p:sld xmlns:a="http://schemas.openxmlformats.org/drawingml/2006/main" xmlns:r="http://schemas.openxmlformats.org/officeDocument/2006/relationships" xmlns:p="http://schemas.openxmlformats.org/presentationml/2006/main">
+  <p:cSld name="PPTLabsSpotlight201611051239073621">
+    <p:spTree>
+      <p:nvGrpSpPr>
+        <p:cNvPr id="1" name=""/>
+        <p:cNvGrpSpPr/>
+        <p:nvPr/>
+      </p:nvGrpSpPr>
+      <p:grpSpPr>
+        <a:xfrm>
+          <a:off x="0" y="0"/>
+          <a:ext cx="0" cy="0"/>
+          <a:chOff x="0" y="0"/>
+          <a:chExt cx="0" cy="0"/>
+        </a:xfrm>
+      </p:grpSpPr>
+      <p:pic>
+        <p:nvPicPr>
+          <p:cNvPr id="2" name="Picture 1"/>
+          <p:cNvPicPr>
+            <a:picLocks noChangeAspect="1"/>
+          </p:cNvPicPr>
+          <p:nvPr/>
+        </p:nvPicPr>
+        <p:blipFill>
+          <a:blip r:embed="rId2" cstate="print">
+            <a:extLst>
+              <a:ext uri="{28A0092B-C50C-407E-A947-70E740481C1C}">
+                <a14:useLocalDpi xmlns:a14="http://schemas.microsoft.com/office/drawing/2010/main" val="0"/>
+              </a:ext>
+            </a:extLst>
+          </a:blip>
+          <a:stretch>
+            <a:fillRect/>
+          </a:stretch>
+        </p:blipFill>
+        <p:spPr>
+          <a:xfrm>
+            <a:off x="914400" y="1371600"/>
+            <a:ext cx="7200000" cy="4049999"/>
+          </a:xfrm>
+          <a:prstGeom prst="rect">
+            <a:avLst/>
+          </a:prstGeom>
+        </p:spPr>
+      </p:pic>
+      <p:pic>
+        <p:nvPicPr>
+          <p:cNvPr id="5" name="SpotlightShape0fbeccf1-7e34-4905-9ada-8886ff801164" hidden="1"/>
+          <p:cNvPicPr>
+            <a:picLocks noChangeAspect="1"/>
+          </p:cNvPicPr>
+          <p:nvPr/>
+        </p:nvPicPr>
+        <p:blipFill>
+          <a:blip r:embed="rId3"/>
+          <a:stretch>
+            <a:fillRect/>
+          </a:stretch>
+        </p:blipFill>
+        <p:spPr>
+          <a:xfrm>
+            <a:off x="990488" y="3505128"/>
+            <a:ext cx="2591025" cy="1676545"/>
+          </a:xfrm>
+          <a:prstGeom prst="rect">
+            <a:avLst/>
+          </a:prstGeom>
+        </p:spPr>
+      </p:pic>
+      <p:pic>
+        <p:nvPicPr>
+          <p:cNvPr id="8" name="SpotlightShape1_rendered"/>
+          <p:cNvPicPr>
+            <a:picLocks/>
+          </p:cNvPicPr>
+          <p:nvPr/>
+        </p:nvPicPr>
+        <p:blipFill rotWithShape="1">
+          <a:blip r:embed="rId4">
+            <a:extLst>
+              <a:ext uri="{28A0092B-C50C-407E-A947-70E740481C1C}">
+                <a14:useLocalDpi xmlns:a14="http://schemas.microsoft.com/office/drawing/2010/main" val="0"/>
+              </a:ext>
+            </a:extLst>
+          </a:blip>
+          <a:srcRect l="10551" t="18738" r="9668" b="22208"/>
+          <a:stretch/>
+        </p:blipFill>
+        <p:spPr>
+          <a:xfrm>
+            <a:off x="914400" y="1371600"/>
+            <a:ext cx="7200000" cy="4049999"/>
+          </a:xfrm>
+          <a:prstGeom prst="rect">
+            <a:avLst/>
+          </a:prstGeom>
+        </p:spPr>
+      </p:pic>
+      <p:sp>
+        <p:nvSpPr>
+          <p:cNvPr id="10" name="Down Arrow 9"/>
+          <p:cNvSpPr/>
+          <p:nvPr/>
+        </p:nvSpPr>
+        <p:spPr>
+          <a:xfrm>
+            <a:off x="1828800" y="2590800"/>
+            <a:ext cx="900000" cy="900000"/>
+          </a:xfrm>
+          <a:prstGeom prst="downArrow">
+            <a:avLst/>
+          </a:prstGeom>
+          <a:solidFill>
+            <a:schemeClr val="accent1">
+              <a:lumMod val="60000"/>
+              <a:lumOff val="40000"/>
+            </a:schemeClr>
+          </a:solidFill>
+          <a:ln>
+            <a:noFill/>
+          </a:ln>
+          <a:effectLst/>
+          <a:scene3d>
+            <a:camera prst="orthographicFront">
+              <a:rot lat="0" lon="0" rev="0"/>
+            </a:camera>
+            <a:lightRig rig="freezing" dir="t"/>
+          </a:scene3d>
+          <a:sp3d prstMaterial="powder">
+            <a:bevelT h="63500" prst="softRound"/>
+          </a:sp3d>
+        </p:spPr>
+        <p:style>
+          <a:lnRef idx="2">
+            <a:schemeClr val="accent1">
+              <a:shade val="50000"/>
+            </a:schemeClr>
+          </a:lnRef>
+          <a:fillRef idx="1">
+            <a:schemeClr val="accent1"/>
+          </a:fillRef>
+          <a:effectRef idx="0">
+            <a:schemeClr val="accent1"/>
+          </a:effectRef>
+          <a:fontRef idx="minor">
+            <a:schemeClr val="lt1"/>
+          </a:fontRef>
+        </p:style>
+        <p:txBody>
+          <a:bodyPr rtlCol="0" anchor="ctr"/>
+          <a:lstStyle/>
+          <a:p>
+            <a:pPr algn="ctr"/>
+            <a:endParaRPr lang="en-SG"/>
+          </a:p>
+        </p:txBody>
+      </p:sp>
+      <p:sp>
+        <p:nvSpPr>
+          <p:cNvPr id="11" name="Rectangle 10"/>
+          <p:cNvSpPr/>
+          <p:nvPr/>
+        </p:nvSpPr>
+        <p:spPr>
+          <a:xfrm>
+            <a:off x="2805024" y="448270"/>
+            <a:ext cx="3418757" cy="923330"/>
+          </a:xfrm>
+          <a:prstGeom prst="rect">
+            <a:avLst/>
+          </a:prstGeom>
+          <a:noFill/>
+        </p:spPr>
+        <p:txBody>
+          <a:bodyPr wrap="none" lIns="91440" tIns="45720" rIns="91440" bIns="45720">
+            <a:spAutoFit/>
+            <a:scene3d>
+              <a:camera prst="orthographicFront"/>
+              <a:lightRig rig="threePt" dir="t"/>
+            </a:scene3d>
+            <a:sp3d extrusionH="57150">
+              <a:bevelT h="25400" prst="softRound"/>
+            </a:sp3d>
+          </a:bodyPr>
+          <a:lstStyle/>
+          <a:p>
+            <a:pPr algn="ctr"/>
+            <a:r>
+              <a:rPr lang="en-US" sz="5400" dirty="0">
+                <a:ln w="0"/>
+                <a:solidFill>
+                  <a:schemeClr val="accent1">
+                    <a:lumMod val="60000"/>
+                    <a:lumOff val="40000"/>
+                  </a:schemeClr>
+                </a:solidFill>
+                <a:effectLst/>
+              </a:rPr>
+              <a:t>Pending list</a:t>
+            </a:r>
+            <a:endParaRPr lang="en-US" sz="5400" b="0" cap="none" spc="0" dirty="0">
+              <a:ln w="0"/>
+              <a:solidFill>
+                <a:schemeClr val="accent1">
+                  <a:lumMod val="60000"/>
+                  <a:lumOff val="40000"/>
+                </a:schemeClr>
+              </a:solidFill>
+              <a:effectLst/>
+            </a:endParaRPr>
+          </a:p>
+        </p:txBody>
+      </p:sp>
+      <p:sp>
+        <p:nvSpPr>
+          <p:cNvPr id="13" name="TextBox 12"/>
+          <p:cNvSpPr txBox="1"/>
+          <p:nvPr/>
+        </p:nvSpPr>
+        <p:spPr>
+          <a:xfrm>
+            <a:off x="914398" y="5421599"/>
+            <a:ext cx="7200002" cy="923330"/>
+          </a:xfrm>
+          <a:prstGeom prst="rect">
+            <a:avLst/>
+          </a:prstGeom>
+          <a:noFill/>
+        </p:spPr>
+        <p:txBody>
+          <a:bodyPr wrap="square" rtlCol="0">
+            <a:spAutoFit/>
+          </a:bodyPr>
+          <a:lstStyle/>
+          <a:p>
+            <a:r>
+              <a:rPr lang="en-SG" dirty="0"/>
+              <a:t>Here displays all the pending tasks</a:t>
+            </a:r>
+          </a:p>
+          <a:p>
+            <a:r>
+              <a:rPr lang="en-SG" dirty="0"/>
+              <a:t>- You can see what you need to do in a quick glace</a:t>
+            </a:r>
+          </a:p>
+          <a:p>
+            <a:r>
+              <a:rPr lang="en-SG" dirty="0"/>
+              <a:t>- Shortcut key -&gt; Ctrl + F2</a:t>
+            </a:r>
+          </a:p>
+        </p:txBody>
+      </p:sp>
+    </p:spTree>
+    <p:extLst>
+      <p:ext uri="{BB962C8B-B14F-4D97-AF65-F5344CB8AC3E}">
+        <p14:creationId xmlns:p14="http://schemas.microsoft.com/office/powerpoint/2010/main" val="339073861"/>
+      </p:ext>
+    </p:extLst>
+  </p:cSld>
+  <p:clrMapOvr>
+    <a:masterClrMapping/>
+  </p:clrMapOvr>
+</p:sld>
+</file>
+
+<file path=ppt/slides/slide22.xml><?xml version="1.0" encoding="utf-8"?>
+<p:sld xmlns:a="http://schemas.openxmlformats.org/drawingml/2006/main" xmlns:r="http://schemas.openxmlformats.org/officeDocument/2006/relationships" xmlns:p="http://schemas.openxmlformats.org/presentationml/2006/main">
+  <p:cSld name="PPTLabsSpotlight201611051230227287">
+    <p:spTree>
+      <p:nvGrpSpPr>
+        <p:cNvPr id="1" name=""/>
+        <p:cNvGrpSpPr/>
+        <p:nvPr/>
+      </p:nvGrpSpPr>
+      <p:grpSpPr>
+        <a:xfrm>
+          <a:off x="0" y="0"/>
+          <a:ext cx="0" cy="0"/>
+          <a:chOff x="0" y="0"/>
+          <a:chExt cx="0" cy="0"/>
+        </a:xfrm>
+      </p:grpSpPr>
+      <p:pic>
+        <p:nvPicPr>
+          <p:cNvPr id="2" name="Picture 1"/>
+          <p:cNvPicPr>
+            <a:picLocks noChangeAspect="1"/>
+          </p:cNvPicPr>
+          <p:nvPr/>
+        </p:nvPicPr>
+        <p:blipFill>
+          <a:blip r:embed="rId2" cstate="print">
+            <a:extLst>
+              <a:ext uri="{28A0092B-C50C-407E-A947-70E740481C1C}">
+                <a14:useLocalDpi xmlns:a14="http://schemas.microsoft.com/office/drawing/2010/main" val="0"/>
+              </a:ext>
+            </a:extLst>
+          </a:blip>
+          <a:stretch>
+            <a:fillRect/>
+          </a:stretch>
+        </p:blipFill>
+        <p:spPr>
+          <a:xfrm>
+            <a:off x="914400" y="1371600"/>
+            <a:ext cx="7200000" cy="4049999"/>
+          </a:xfrm>
+          <a:prstGeom prst="rect">
+            <a:avLst/>
+          </a:prstGeom>
+        </p:spPr>
+      </p:pic>
+      <p:pic>
+        <p:nvPicPr>
+          <p:cNvPr id="9" name="SpotlightShape1_rendered"/>
+          <p:cNvPicPr>
+            <a:picLocks/>
+          </p:cNvPicPr>
+          <p:nvPr/>
+        </p:nvPicPr>
+        <p:blipFill rotWithShape="1">
+          <a:blip r:embed="rId3">
+            <a:extLst>
+              <a:ext uri="{28A0092B-C50C-407E-A947-70E740481C1C}">
+                <a14:useLocalDpi xmlns:a14="http://schemas.microsoft.com/office/drawing/2010/main" val="0"/>
+              </a:ext>
+            </a:extLst>
+          </a:blip>
+          <a:srcRect l="10858" t="20774" r="9361" b="20171"/>
+          <a:stretch/>
+        </p:blipFill>
+        <p:spPr>
+          <a:xfrm>
+            <a:off x="914400" y="1371600"/>
+            <a:ext cx="7200000" cy="4049999"/>
+          </a:xfrm>
+          <a:prstGeom prst="rect">
+            <a:avLst/>
+          </a:prstGeom>
+        </p:spPr>
+      </p:pic>
+      <p:pic>
+        <p:nvPicPr>
+          <p:cNvPr id="7" name="SpotlightShapef31ae6c8-4dec-468a-b955-205fd547a9e9" hidden="1"/>
+          <p:cNvPicPr>
+            <a:picLocks noChangeAspect="1"/>
+          </p:cNvPicPr>
+          <p:nvPr/>
+        </p:nvPicPr>
+        <p:blipFill>
+          <a:blip r:embed="rId4"/>
+          <a:stretch>
+            <a:fillRect/>
+          </a:stretch>
+        </p:blipFill>
+        <p:spPr>
+          <a:xfrm>
+            <a:off x="990488" y="1770999"/>
+            <a:ext cx="2591025" cy="1676545"/>
+          </a:xfrm>
+          <a:prstGeom prst="rect">
+            <a:avLst/>
+          </a:prstGeom>
+        </p:spPr>
+      </p:pic>
+      <p:sp>
+        <p:nvSpPr>
+          <p:cNvPr id="10" name="Arrow: Down 9"/>
+          <p:cNvSpPr/>
+          <p:nvPr/>
+        </p:nvSpPr>
+        <p:spPr>
+          <a:xfrm>
+            <a:off x="1752600" y="762000"/>
+            <a:ext cx="900000" cy="900000"/>
+          </a:xfrm>
+          <a:prstGeom prst="downArrow">
+            <a:avLst/>
+          </a:prstGeom>
+          <a:solidFill>
+            <a:schemeClr val="accent1">
+              <a:lumMod val="60000"/>
+              <a:lumOff val="40000"/>
+            </a:schemeClr>
+          </a:solidFill>
+          <a:ln>
+            <a:noFill/>
+          </a:ln>
+          <a:effectLst/>
+          <a:scene3d>
+            <a:camera prst="orthographicFront">
+              <a:rot lat="0" lon="0" rev="0"/>
+            </a:camera>
+            <a:lightRig rig="freezing" dir="t"/>
+          </a:scene3d>
+          <a:sp3d prstMaterial="powder">
+            <a:bevelT h="63500" prst="softRound"/>
+          </a:sp3d>
+        </p:spPr>
+        <p:style>
+          <a:lnRef idx="2">
+            <a:schemeClr val="accent1">
+              <a:shade val="50000"/>
+            </a:schemeClr>
+          </a:lnRef>
+          <a:fillRef idx="1">
+            <a:schemeClr val="accent1"/>
+          </a:fillRef>
+          <a:effectRef idx="0">
+            <a:schemeClr val="accent1"/>
+          </a:effectRef>
+          <a:fontRef idx="minor">
+            <a:schemeClr val="lt1"/>
+          </a:fontRef>
+        </p:style>
+        <p:txBody>
+          <a:bodyPr rtlCol="0" anchor="ctr"/>
+          <a:lstStyle/>
+          <a:p>
+            <a:pPr algn="ctr"/>
+            <a:endParaRPr lang="en-SG"/>
+          </a:p>
+        </p:txBody>
+      </p:sp>
+      <p:sp>
+        <p:nvSpPr>
+          <p:cNvPr id="11" name="Rectangle 10"/>
+          <p:cNvSpPr/>
+          <p:nvPr/>
+        </p:nvSpPr>
+        <p:spPr>
+          <a:xfrm>
+            <a:off x="3466356" y="448270"/>
+            <a:ext cx="2096088" cy="923330"/>
+          </a:xfrm>
+          <a:prstGeom prst="rect">
+            <a:avLst/>
+          </a:prstGeom>
+          <a:noFill/>
+        </p:spPr>
+        <p:txBody>
+          <a:bodyPr wrap="none" lIns="91440" tIns="45720" rIns="91440" bIns="45720">
+            <a:spAutoFit/>
+            <a:scene3d>
+              <a:camera prst="orthographicFront"/>
+              <a:lightRig rig="threePt" dir="t"/>
+            </a:scene3d>
+            <a:sp3d extrusionH="57150">
+              <a:bevelT h="25400" prst="softRound"/>
+            </a:sp3d>
+          </a:bodyPr>
+          <a:lstStyle/>
+          <a:p>
+            <a:pPr algn="ctr"/>
+            <a:r>
+              <a:rPr lang="en-US" sz="5400" dirty="0">
+                <a:ln w="0"/>
+                <a:solidFill>
+                  <a:schemeClr val="accent1">
+                    <a:lumMod val="60000"/>
+                    <a:lumOff val="40000"/>
+                  </a:schemeClr>
+                </a:solidFill>
+                <a:effectLst/>
+              </a:rPr>
+              <a:t>Tag list</a:t>
+            </a:r>
+            <a:endParaRPr lang="en-US" sz="5400" b="0" cap="none" spc="0" dirty="0">
+              <a:ln w="0"/>
+              <a:solidFill>
+                <a:schemeClr val="accent1">
+                  <a:lumMod val="60000"/>
+                  <a:lumOff val="40000"/>
+                </a:schemeClr>
+              </a:solidFill>
+              <a:effectLst/>
+            </a:endParaRPr>
+          </a:p>
+        </p:txBody>
+      </p:sp>
+      <p:sp>
+        <p:nvSpPr>
+          <p:cNvPr id="13" name="TextBox 12"/>
+          <p:cNvSpPr txBox="1"/>
+          <p:nvPr/>
+        </p:nvSpPr>
+        <p:spPr>
+          <a:xfrm>
+            <a:off x="914398" y="5421599"/>
+            <a:ext cx="7200002" cy="923330"/>
+          </a:xfrm>
+          <a:prstGeom prst="rect">
+            <a:avLst/>
+          </a:prstGeom>
+          <a:noFill/>
+        </p:spPr>
+        <p:txBody>
+          <a:bodyPr wrap="square" rtlCol="0">
+            <a:spAutoFit/>
+          </a:bodyPr>
+          <a:lstStyle/>
+          <a:p>
+            <a:r>
+              <a:rPr lang="en-SG" dirty="0"/>
+              <a:t>Here displays all the tags you have added</a:t>
+            </a:r>
+          </a:p>
+          <a:p>
+            <a:r>
+              <a:rPr lang="en-SG" dirty="0"/>
+              <a:t>- Selecting them will display all the tasks with the corresponding tag</a:t>
+            </a:r>
+          </a:p>
+          <a:p>
+            <a:r>
+              <a:rPr lang="en-SG" dirty="0"/>
+              <a:t>- Shortcut key -&gt; Ctrl + F1</a:t>
+            </a:r>
+          </a:p>
+        </p:txBody>
+      </p:sp>
+    </p:spTree>
+    <p:extLst>
+      <p:ext uri="{BB962C8B-B14F-4D97-AF65-F5344CB8AC3E}">
+        <p14:creationId xmlns:p14="http://schemas.microsoft.com/office/powerpoint/2010/main" val="3375582961"/>
+      </p:ext>
+    </p:extLst>
+  </p:cSld>
+  <p:clrMapOvr>
+    <a:masterClrMapping/>
+  </p:clrMapOvr>
+</p:sld>
+</file>
+
+<file path=ppt/slides/slide23.xml><?xml version="1.0" encoding="utf-8"?>
+<p:sld xmlns:a="http://schemas.openxmlformats.org/drawingml/2006/main" xmlns:r="http://schemas.openxmlformats.org/officeDocument/2006/relationships" xmlns:p="http://schemas.openxmlformats.org/presentationml/2006/main" show="0">
+  <p:cSld name="PPTLabsAcknowledgementSlide">
+    <p:spTree>
+      <p:nvGrpSpPr>
+        <p:cNvPr id="1" name=""/>
+        <p:cNvGrpSpPr/>
+        <p:nvPr/>
+      </p:nvGrpSpPr>
+      <p:grpSpPr>
+        <a:xfrm>
+          <a:off x="0" y="0"/>
+          <a:ext cx="0" cy="0"/>
+          <a:chOff x="0" y="0"/>
+          <a:chExt cx="0" cy="0"/>
+        </a:xfrm>
+      </p:grpSpPr>
+      <p:pic>
+        <p:nvPicPr>
+          <p:cNvPr id="2" name="Picture 1"/>
+          <p:cNvPicPr>
+            <a:picLocks/>
+          </p:cNvPicPr>
+          <p:nvPr/>
+        </p:nvPicPr>
+        <p:blipFill>
+          <a:blip r:embed="rId2">
+            <a:extLst>
+              <a:ext uri="{28A0092B-C50C-407E-A947-70E740481C1C}">
+                <a14:useLocalDpi xmlns:a14="http://schemas.microsoft.com/office/drawing/2010/main" val="0"/>
+              </a:ext>
+            </a:extLst>
+          </a:blip>
+          <a:stretch>
+            <a:fillRect/>
+          </a:stretch>
+        </p:blipFill>
+        <p:spPr>
+          <a:xfrm>
+            <a:off x="649224" y="992124"/>
+            <a:ext cx="7845552" cy="4873752"/>
+          </a:xfrm>
+          <a:prstGeom prst="rect">
+            <a:avLst/>
+          </a:prstGeom>
+        </p:spPr>
+      </p:pic>
+    </p:spTree>
+    <p:extLst>
+      <p:ext uri="{BB962C8B-B14F-4D97-AF65-F5344CB8AC3E}">
+        <p14:creationId xmlns:p14="http://schemas.microsoft.com/office/powerpoint/2010/main" val="3119779814"/>
       </p:ext>
     </p:extLst>
   </p:cSld>

--- a/docs/diagrams/Diagrams.pptx
+++ b/docs/diagrams/Diagrams.pptx
@@ -5,7 +5,7 @@
     <p:sldMasterId id="2147483648" r:id="rId1"/>
   </p:sldMasterIdLst>
   <p:notesMasterIdLst>
-    <p:notesMasterId r:id="rId25"/>
+    <p:notesMasterId r:id="rId26"/>
   </p:notesMasterIdLst>
   <p:sldIdLst>
     <p:sldId id="256" r:id="rId2"/>
@@ -31,6 +31,7 @@
     <p:sldId id="278" r:id="rId22"/>
     <p:sldId id="276" r:id="rId23"/>
     <p:sldId id="275" r:id="rId24"/>
+    <p:sldId id="284" r:id="rId25"/>
   </p:sldIdLst>
   <p:sldSz cx="9144000" cy="6858000" type="screen4x3"/>
   <p:notesSz cx="6858000" cy="9144000"/>
@@ -131,7 +132,7 @@
   </p:defaultTextStyle>
   <p:extLst>
     <p:ext uri="{EFAFB233-063F-42B5-8137-9DF3F51BA10A}">
-      <p15:sldGuideLst xmlns:p15="http://schemas.microsoft.com/office/powerpoint/2012/main">
+      <p15:sldGuideLst xmlns:p15="http://schemas.microsoft.com/office/powerpoint/2012/main" xmlns="">
         <p15:guide id="1" orient="horz" pos="1488">
           <p15:clr>
             <a:srgbClr val="A4A3A4"/>
@@ -151,11 +152,7 @@
 <file path=ppt/commentAuthors.xml><?xml version="1.0" encoding="utf-8"?>
 <p:cmAuthorLst xmlns:a="http://schemas.openxmlformats.org/drawingml/2006/main" xmlns:r="http://schemas.openxmlformats.org/officeDocument/2006/relationships" xmlns:p="http://schemas.openxmlformats.org/presentationml/2006/main">
   <p:cmAuthor id="1" name="Mickey" initials="M" lastIdx="1" clrIdx="0">
-    <p:extLst>
-      <p:ext uri="{19B8F6BF-5375-455C-9EA6-DF929625EA0E}">
-        <p15:presenceInfo xmlns:p15="http://schemas.microsoft.com/office/powerpoint/2012/main" userId="Mickey" providerId="None"/>
-      </p:ext>
-    </p:extLst>
+    <p:extLst/>
   </p:cmAuthor>
 </p:cmAuthorLst>
 </file>
@@ -242,7 +239,7 @@
           <a:p>
             <a:fld id="{F5CC4B3F-88C1-4FFA-B1B6-F41C21DC6924}" type="datetimeFigureOut">
               <a:rPr lang="en-US" smtClean="0"/>
-              <a:t>11/5/2016</a:t>
+              <a:t>11/6/2016</a:t>
             </a:fld>
             <a:endParaRPr lang="en-US"/>
           </a:p>
@@ -772,7 +769,7 @@
           <a:p>
             <a:fld id="{78C97017-6FC3-485B-9764-EAC9E56C1D49}" type="datetimeFigureOut">
               <a:rPr lang="en-US" smtClean="0"/>
-              <a:t>11/5/2016</a:t>
+              <a:t>11/6/2016</a:t>
             </a:fld>
             <a:endParaRPr lang="en-US"/>
           </a:p>
@@ -940,7 +937,7 @@
           <a:p>
             <a:fld id="{78C97017-6FC3-485B-9764-EAC9E56C1D49}" type="datetimeFigureOut">
               <a:rPr lang="en-US" smtClean="0"/>
-              <a:t>11/5/2016</a:t>
+              <a:t>11/6/2016</a:t>
             </a:fld>
             <a:endParaRPr lang="en-US"/>
           </a:p>
@@ -1118,7 +1115,7 @@
           <a:p>
             <a:fld id="{78C97017-6FC3-485B-9764-EAC9E56C1D49}" type="datetimeFigureOut">
               <a:rPr lang="en-US" smtClean="0"/>
-              <a:t>11/5/2016</a:t>
+              <a:t>11/6/2016</a:t>
             </a:fld>
             <a:endParaRPr lang="en-US"/>
           </a:p>
@@ -1286,7 +1283,7 @@
           <a:p>
             <a:fld id="{78C97017-6FC3-485B-9764-EAC9E56C1D49}" type="datetimeFigureOut">
               <a:rPr lang="en-US" smtClean="0"/>
-              <a:t>11/5/2016</a:t>
+              <a:t>11/6/2016</a:t>
             </a:fld>
             <a:endParaRPr lang="en-US"/>
           </a:p>
@@ -1531,7 +1528,7 @@
           <a:p>
             <a:fld id="{78C97017-6FC3-485B-9764-EAC9E56C1D49}" type="datetimeFigureOut">
               <a:rPr lang="en-US" smtClean="0"/>
-              <a:t>11/5/2016</a:t>
+              <a:t>11/6/2016</a:t>
             </a:fld>
             <a:endParaRPr lang="en-US"/>
           </a:p>
@@ -1816,7 +1813,7 @@
           <a:p>
             <a:fld id="{78C97017-6FC3-485B-9764-EAC9E56C1D49}" type="datetimeFigureOut">
               <a:rPr lang="en-US" smtClean="0"/>
-              <a:t>11/5/2016</a:t>
+              <a:t>11/6/2016</a:t>
             </a:fld>
             <a:endParaRPr lang="en-US"/>
           </a:p>
@@ -2235,7 +2232,7 @@
           <a:p>
             <a:fld id="{78C97017-6FC3-485B-9764-EAC9E56C1D49}" type="datetimeFigureOut">
               <a:rPr lang="en-US" smtClean="0"/>
-              <a:t>11/5/2016</a:t>
+              <a:t>11/6/2016</a:t>
             </a:fld>
             <a:endParaRPr lang="en-US"/>
           </a:p>
@@ -2352,7 +2349,7 @@
           <a:p>
             <a:fld id="{78C97017-6FC3-485B-9764-EAC9E56C1D49}" type="datetimeFigureOut">
               <a:rPr lang="en-US" smtClean="0"/>
-              <a:t>11/5/2016</a:t>
+              <a:t>11/6/2016</a:t>
             </a:fld>
             <a:endParaRPr lang="en-US"/>
           </a:p>
@@ -2447,7 +2444,7 @@
           <a:p>
             <a:fld id="{78C97017-6FC3-485B-9764-EAC9E56C1D49}" type="datetimeFigureOut">
               <a:rPr lang="en-US" smtClean="0"/>
-              <a:t>11/5/2016</a:t>
+              <a:t>11/6/2016</a:t>
             </a:fld>
             <a:endParaRPr lang="en-US"/>
           </a:p>
@@ -2722,7 +2719,7 @@
           <a:p>
             <a:fld id="{78C97017-6FC3-485B-9764-EAC9E56C1D49}" type="datetimeFigureOut">
               <a:rPr lang="en-US" smtClean="0"/>
-              <a:t>11/5/2016</a:t>
+              <a:t>11/6/2016</a:t>
             </a:fld>
             <a:endParaRPr lang="en-US"/>
           </a:p>
@@ -2974,7 +2971,7 @@
           <a:p>
             <a:fld id="{78C97017-6FC3-485B-9764-EAC9E56C1D49}" type="datetimeFigureOut">
               <a:rPr lang="en-US" smtClean="0"/>
-              <a:t>11/5/2016</a:t>
+              <a:t>11/6/2016</a:t>
             </a:fld>
             <a:endParaRPr lang="en-US"/>
           </a:p>
@@ -3185,7 +3182,7 @@
           <a:p>
             <a:fld id="{78C97017-6FC3-485B-9764-EAC9E56C1D49}" type="datetimeFigureOut">
               <a:rPr lang="en-US" smtClean="0"/>
-              <a:t>11/5/2016</a:t>
+              <a:t>11/6/2016</a:t>
             </a:fld>
             <a:endParaRPr lang="en-US"/>
           </a:p>
@@ -4496,6 +4493,14 @@
               </a:rPr>
               <a:t>performUndo</a:t>
             </a:r>
+            <a:r>
+              <a:rPr lang="en-US" sz="1400" dirty="0">
+                <a:solidFill>
+                  <a:srgbClr val="7030A0"/>
+                </a:solidFill>
+              </a:rPr>
+              <a:t/>
+            </a:r>
             <a:br>
               <a:rPr lang="en-US" sz="1400" dirty="0">
                 <a:solidFill>
@@ -10728,6 +10733,14 @@
                 </a:solidFill>
               </a:rPr>
               <a:t>addMutateCmd</a:t>
+            </a:r>
+            <a:r>
+              <a:rPr lang="en-US" sz="1400" dirty="0">
+                <a:solidFill>
+                  <a:srgbClr val="0070C0"/>
+                </a:solidFill>
+              </a:rPr>
+              <a:t/>
             </a:r>
             <a:br>
               <a:rPr lang="en-US" sz="1400" dirty="0">
@@ -17069,6 +17082,2376 @@
   <p:clrMapOvr>
     <a:masterClrMapping/>
   </p:clrMapOvr>
+  <mc:AlternateContent xmlns:mc="http://schemas.openxmlformats.org/markup-compatibility/2006">
+    <mc:Choice xmlns:p14="http://schemas.microsoft.com/office/powerpoint/2010/main" Requires="p14">
+      <p:transition spd="slow" p14:dur="2000"/>
+    </mc:Choice>
+    <mc:Fallback>
+      <p:transition spd="slow"/>
+    </mc:Fallback>
+  </mc:AlternateContent>
+</p:sld>
+</file>
+
+<file path=ppt/slides/slide24.xml><?xml version="1.0" encoding="utf-8"?>
+<p:sld xmlns:a="http://schemas.openxmlformats.org/drawingml/2006/main" xmlns:r="http://schemas.openxmlformats.org/officeDocument/2006/relationships" xmlns:p="http://schemas.openxmlformats.org/presentationml/2006/main">
+  <p:cSld>
+    <p:spTree>
+      <p:nvGrpSpPr>
+        <p:cNvPr id="1" name=""/>
+        <p:cNvGrpSpPr/>
+        <p:nvPr/>
+      </p:nvGrpSpPr>
+      <p:grpSpPr>
+        <a:xfrm>
+          <a:off x="0" y="0"/>
+          <a:ext cx="0" cy="0"/>
+          <a:chOff x="0" y="0"/>
+          <a:chExt cx="0" cy="0"/>
+        </a:xfrm>
+      </p:grpSpPr>
+      <p:sp>
+        <p:nvSpPr>
+          <p:cNvPr id="62" name="Rounded Rectangle 61"/>
+          <p:cNvSpPr/>
+          <p:nvPr/>
+        </p:nvSpPr>
+        <p:spPr>
+          <a:xfrm>
+            <a:off x="0" y="457200"/>
+            <a:ext cx="9144000" cy="5562600"/>
+          </a:xfrm>
+          <a:prstGeom prst="roundRect">
+            <a:avLst/>
+          </a:prstGeom>
+          <a:solidFill>
+            <a:schemeClr val="bg1"/>
+          </a:solidFill>
+        </p:spPr>
+        <p:style>
+          <a:lnRef idx="2">
+            <a:schemeClr val="accent1">
+              <a:shade val="50000"/>
+            </a:schemeClr>
+          </a:lnRef>
+          <a:fillRef idx="1">
+            <a:schemeClr val="accent1"/>
+          </a:fillRef>
+          <a:effectRef idx="0">
+            <a:schemeClr val="accent1"/>
+          </a:effectRef>
+          <a:fontRef idx="minor">
+            <a:schemeClr val="lt1"/>
+          </a:fontRef>
+        </p:style>
+        <p:txBody>
+          <a:bodyPr rtlCol="0" anchor="ctr"/>
+          <a:lstStyle/>
+          <a:p>
+            <a:pPr algn="ctr"/>
+            <a:endParaRPr lang="en-US"/>
+          </a:p>
+        </p:txBody>
+      </p:sp>
+      <p:sp>
+        <p:nvSpPr>
+          <p:cNvPr id="2" name="Oval 1"/>
+          <p:cNvSpPr/>
+          <p:nvPr/>
+        </p:nvSpPr>
+        <p:spPr>
+          <a:xfrm>
+            <a:off x="1964286" y="1371600"/>
+            <a:ext cx="228600" cy="228600"/>
+          </a:xfrm>
+          <a:prstGeom prst="ellipse">
+            <a:avLst/>
+          </a:prstGeom>
+        </p:spPr>
+        <p:style>
+          <a:lnRef idx="2">
+            <a:schemeClr val="accent1">
+              <a:shade val="50000"/>
+            </a:schemeClr>
+          </a:lnRef>
+          <a:fillRef idx="1">
+            <a:schemeClr val="accent1"/>
+          </a:fillRef>
+          <a:effectRef idx="0">
+            <a:schemeClr val="accent1"/>
+          </a:effectRef>
+          <a:fontRef idx="minor">
+            <a:schemeClr val="lt1"/>
+          </a:fontRef>
+        </p:style>
+        <p:txBody>
+          <a:bodyPr rtlCol="0" anchor="ctr"/>
+          <a:lstStyle/>
+          <a:p>
+            <a:pPr algn="ctr"/>
+            <a:endParaRPr lang="en-US"/>
+          </a:p>
+        </p:txBody>
+      </p:sp>
+      <p:cxnSp>
+        <p:nvCxnSpPr>
+          <p:cNvPr id="3" name="Straight Arrow Connector 2"/>
+          <p:cNvCxnSpPr/>
+          <p:nvPr/>
+        </p:nvCxnSpPr>
+        <p:spPr>
+          <a:xfrm>
+            <a:off x="2078586" y="1600200"/>
+            <a:ext cx="0" cy="266700"/>
+          </a:xfrm>
+          <a:prstGeom prst="straightConnector1">
+            <a:avLst/>
+          </a:prstGeom>
+          <a:ln>
+            <a:tailEnd type="arrow"/>
+          </a:ln>
+        </p:spPr>
+        <p:style>
+          <a:lnRef idx="1">
+            <a:schemeClr val="accent1"/>
+          </a:lnRef>
+          <a:fillRef idx="0">
+            <a:schemeClr val="accent1"/>
+          </a:fillRef>
+          <a:effectRef idx="0">
+            <a:schemeClr val="accent1"/>
+          </a:effectRef>
+          <a:fontRef idx="minor">
+            <a:schemeClr val="tx1"/>
+          </a:fontRef>
+        </p:style>
+      </p:cxnSp>
+      <p:grpSp>
+        <p:nvGrpSpPr>
+          <p:cNvPr id="4" name="Group 3"/>
+          <p:cNvGrpSpPr/>
+          <p:nvPr/>
+        </p:nvGrpSpPr>
+        <p:grpSpPr>
+          <a:xfrm>
+            <a:off x="1209472" y="1867319"/>
+            <a:ext cx="1752600" cy="419100"/>
+            <a:chOff x="785668" y="1638719"/>
+            <a:chExt cx="1752600" cy="419100"/>
+          </a:xfrm>
+        </p:grpSpPr>
+        <p:sp>
+          <p:nvSpPr>
+            <p:cNvPr id="5" name="Rounded Rectangle 4"/>
+            <p:cNvSpPr/>
+            <p:nvPr/>
+          </p:nvSpPr>
+          <p:spPr>
+            <a:xfrm>
+              <a:off x="785668" y="1638719"/>
+              <a:ext cx="1752600" cy="419100"/>
+            </a:xfrm>
+            <a:prstGeom prst="roundRect">
+              <a:avLst/>
+            </a:prstGeom>
+            <a:solidFill>
+              <a:schemeClr val="tx2">
+                <a:lumMod val="60000"/>
+                <a:lumOff val="40000"/>
+              </a:schemeClr>
+            </a:solidFill>
+          </p:spPr>
+          <p:style>
+            <a:lnRef idx="2">
+              <a:schemeClr val="accent1">
+                <a:shade val="50000"/>
+              </a:schemeClr>
+            </a:lnRef>
+            <a:fillRef idx="1">
+              <a:schemeClr val="accent1"/>
+            </a:fillRef>
+            <a:effectRef idx="0">
+              <a:schemeClr val="accent1"/>
+            </a:effectRef>
+            <a:fontRef idx="minor">
+              <a:schemeClr val="lt1"/>
+            </a:fontRef>
+          </p:style>
+          <p:txBody>
+            <a:bodyPr rtlCol="0" anchor="ctr"/>
+            <a:lstStyle/>
+            <a:p>
+              <a:pPr algn="ctr"/>
+              <a:endParaRPr lang="en-US"/>
+            </a:p>
+          </p:txBody>
+        </p:sp>
+        <p:sp>
+          <p:nvSpPr>
+            <p:cNvPr id="6" name="TextBox 5"/>
+            <p:cNvSpPr txBox="1"/>
+            <p:nvPr/>
+          </p:nvSpPr>
+          <p:spPr>
+            <a:xfrm>
+              <a:off x="903967" y="1709769"/>
+              <a:ext cx="1501630" cy="276999"/>
+            </a:xfrm>
+            <a:prstGeom prst="rect">
+              <a:avLst/>
+            </a:prstGeom>
+            <a:noFill/>
+          </p:spPr>
+          <p:txBody>
+            <a:bodyPr wrap="none" rtlCol="0">
+              <a:spAutoFit/>
+            </a:bodyPr>
+            <a:lstStyle/>
+            <a:p>
+              <a:r>
+                <a:rPr lang="en-US" sz="1200" dirty="0" smtClean="0">
+                  <a:solidFill>
+                    <a:schemeClr val="bg1"/>
+                  </a:solidFill>
+                </a:rPr>
+                <a:t>Task assigned to user</a:t>
+              </a:r>
+              <a:endParaRPr lang="en-US" sz="1200" dirty="0">
+                <a:solidFill>
+                  <a:schemeClr val="bg1"/>
+                </a:solidFill>
+              </a:endParaRPr>
+            </a:p>
+          </p:txBody>
+        </p:sp>
+      </p:grpSp>
+      <p:grpSp>
+        <p:nvGrpSpPr>
+          <p:cNvPr id="7" name="Group 6"/>
+          <p:cNvGrpSpPr/>
+          <p:nvPr/>
+        </p:nvGrpSpPr>
+        <p:grpSpPr>
+          <a:xfrm>
+            <a:off x="828279" y="2514600"/>
+            <a:ext cx="2514600" cy="914400"/>
+            <a:chOff x="152400" y="2362200"/>
+            <a:chExt cx="2514600" cy="914400"/>
+          </a:xfrm>
+          <a:solidFill>
+            <a:schemeClr val="tx2">
+              <a:lumMod val="60000"/>
+              <a:lumOff val="40000"/>
+            </a:schemeClr>
+          </a:solidFill>
+        </p:grpSpPr>
+        <p:sp>
+          <p:nvSpPr>
+            <p:cNvPr id="8" name="Diamond 7"/>
+            <p:cNvSpPr/>
+            <p:nvPr/>
+          </p:nvSpPr>
+          <p:spPr>
+            <a:xfrm>
+              <a:off x="152400" y="2362200"/>
+              <a:ext cx="2514600" cy="914400"/>
+            </a:xfrm>
+            <a:prstGeom prst="diamond">
+              <a:avLst/>
+            </a:prstGeom>
+            <a:grpFill/>
+          </p:spPr>
+          <p:style>
+            <a:lnRef idx="2">
+              <a:schemeClr val="accent1">
+                <a:shade val="50000"/>
+              </a:schemeClr>
+            </a:lnRef>
+            <a:fillRef idx="1">
+              <a:schemeClr val="accent1"/>
+            </a:fillRef>
+            <a:effectRef idx="0">
+              <a:schemeClr val="accent1"/>
+            </a:effectRef>
+            <a:fontRef idx="minor">
+              <a:schemeClr val="lt1"/>
+            </a:fontRef>
+          </p:style>
+          <p:txBody>
+            <a:bodyPr rtlCol="0" anchor="ctr"/>
+            <a:lstStyle/>
+            <a:p>
+              <a:pPr algn="ctr"/>
+              <a:endParaRPr lang="en-US">
+                <a:solidFill>
+                  <a:schemeClr val="bg1"/>
+                </a:solidFill>
+              </a:endParaRPr>
+            </a:p>
+          </p:txBody>
+        </p:sp>
+        <p:sp>
+          <p:nvSpPr>
+            <p:cNvPr id="9" name="TextBox 8"/>
+            <p:cNvSpPr txBox="1"/>
+            <p:nvPr/>
+          </p:nvSpPr>
+          <p:spPr>
+            <a:xfrm>
+              <a:off x="484542" y="2680900"/>
+              <a:ext cx="1850315" cy="276999"/>
+            </a:xfrm>
+            <a:prstGeom prst="rect">
+              <a:avLst/>
+            </a:prstGeom>
+            <a:grpFill/>
+          </p:spPr>
+          <p:txBody>
+            <a:bodyPr wrap="none" rtlCol="0">
+              <a:spAutoFit/>
+            </a:bodyPr>
+            <a:lstStyle/>
+            <a:p>
+              <a:r>
+                <a:rPr lang="en-US" sz="1200" dirty="0" smtClean="0">
+                  <a:solidFill>
+                    <a:schemeClr val="bg1"/>
+                  </a:solidFill>
+                </a:rPr>
+                <a:t>Can be done immediately?</a:t>
+              </a:r>
+              <a:endParaRPr lang="en-US" sz="1200" dirty="0">
+                <a:solidFill>
+                  <a:schemeClr val="bg1"/>
+                </a:solidFill>
+              </a:endParaRPr>
+            </a:p>
+          </p:txBody>
+        </p:sp>
+      </p:grpSp>
+      <p:grpSp>
+        <p:nvGrpSpPr>
+          <p:cNvPr id="10" name="Group 9"/>
+          <p:cNvGrpSpPr/>
+          <p:nvPr/>
+        </p:nvGrpSpPr>
+        <p:grpSpPr>
+          <a:xfrm>
+            <a:off x="76200" y="3581400"/>
+            <a:ext cx="1248062" cy="419100"/>
+            <a:chOff x="833006" y="3581400"/>
+            <a:chExt cx="1248062" cy="419100"/>
+          </a:xfrm>
+          <a:solidFill>
+            <a:schemeClr val="tx2">
+              <a:lumMod val="60000"/>
+              <a:lumOff val="40000"/>
+            </a:schemeClr>
+          </a:solidFill>
+        </p:grpSpPr>
+        <p:sp>
+          <p:nvSpPr>
+            <p:cNvPr id="11" name="Rounded Rectangle 10"/>
+            <p:cNvSpPr/>
+            <p:nvPr/>
+          </p:nvSpPr>
+          <p:spPr>
+            <a:xfrm>
+              <a:off x="833006" y="3581400"/>
+              <a:ext cx="1248062" cy="419100"/>
+            </a:xfrm>
+            <a:prstGeom prst="roundRect">
+              <a:avLst/>
+            </a:prstGeom>
+            <a:grpFill/>
+          </p:spPr>
+          <p:style>
+            <a:lnRef idx="2">
+              <a:schemeClr val="accent1">
+                <a:shade val="50000"/>
+              </a:schemeClr>
+            </a:lnRef>
+            <a:fillRef idx="1">
+              <a:schemeClr val="accent1"/>
+            </a:fillRef>
+            <a:effectRef idx="0">
+              <a:schemeClr val="accent1"/>
+            </a:effectRef>
+            <a:fontRef idx="minor">
+              <a:schemeClr val="lt1"/>
+            </a:fontRef>
+          </p:style>
+          <p:txBody>
+            <a:bodyPr rtlCol="0" anchor="ctr"/>
+            <a:lstStyle/>
+            <a:p>
+              <a:pPr algn="ctr"/>
+              <a:endParaRPr lang="en-US">
+                <a:solidFill>
+                  <a:schemeClr val="bg1"/>
+                </a:solidFill>
+              </a:endParaRPr>
+            </a:p>
+          </p:txBody>
+        </p:sp>
+        <p:sp>
+          <p:nvSpPr>
+            <p:cNvPr id="12" name="TextBox 11"/>
+            <p:cNvSpPr txBox="1"/>
+            <p:nvPr/>
+          </p:nvSpPr>
+          <p:spPr>
+            <a:xfrm>
+              <a:off x="874505" y="3652450"/>
+              <a:ext cx="1165063" cy="276999"/>
+            </a:xfrm>
+            <a:prstGeom prst="rect">
+              <a:avLst/>
+            </a:prstGeom>
+            <a:grpFill/>
+          </p:spPr>
+          <p:txBody>
+            <a:bodyPr wrap="none" rtlCol="0">
+              <a:spAutoFit/>
+            </a:bodyPr>
+            <a:lstStyle/>
+            <a:p>
+              <a:r>
+                <a:rPr lang="en-US" sz="1200" dirty="0" smtClean="0">
+                  <a:solidFill>
+                    <a:schemeClr val="bg1"/>
+                  </a:solidFill>
+                </a:rPr>
+                <a:t>Do it right away</a:t>
+              </a:r>
+              <a:endParaRPr lang="en-US" sz="1200" dirty="0">
+                <a:solidFill>
+                  <a:schemeClr val="bg1"/>
+                </a:solidFill>
+              </a:endParaRPr>
+            </a:p>
+          </p:txBody>
+        </p:sp>
+      </p:grpSp>
+      <p:grpSp>
+        <p:nvGrpSpPr>
+          <p:cNvPr id="13" name="Group 12"/>
+          <p:cNvGrpSpPr/>
+          <p:nvPr/>
+        </p:nvGrpSpPr>
+        <p:grpSpPr>
+          <a:xfrm>
+            <a:off x="2550215" y="3581400"/>
+            <a:ext cx="1822048" cy="419099"/>
+            <a:chOff x="3276599" y="2609849"/>
+            <a:chExt cx="1822048" cy="419099"/>
+          </a:xfrm>
+          <a:solidFill>
+            <a:schemeClr val="tx2">
+              <a:lumMod val="60000"/>
+              <a:lumOff val="40000"/>
+            </a:schemeClr>
+          </a:solidFill>
+        </p:grpSpPr>
+        <p:sp>
+          <p:nvSpPr>
+            <p:cNvPr id="14" name="Rounded Rectangle 13"/>
+            <p:cNvSpPr/>
+            <p:nvPr/>
+          </p:nvSpPr>
+          <p:spPr>
+            <a:xfrm>
+              <a:off x="3276599" y="2609849"/>
+              <a:ext cx="1822047" cy="419099"/>
+            </a:xfrm>
+            <a:prstGeom prst="roundRect">
+              <a:avLst/>
+            </a:prstGeom>
+            <a:grpFill/>
+          </p:spPr>
+          <p:style>
+            <a:lnRef idx="2">
+              <a:schemeClr val="accent1">
+                <a:shade val="50000"/>
+              </a:schemeClr>
+            </a:lnRef>
+            <a:fillRef idx="1">
+              <a:schemeClr val="accent1"/>
+            </a:fillRef>
+            <a:effectRef idx="0">
+              <a:schemeClr val="accent1"/>
+            </a:effectRef>
+            <a:fontRef idx="minor">
+              <a:schemeClr val="lt1"/>
+            </a:fontRef>
+          </p:style>
+          <p:txBody>
+            <a:bodyPr rtlCol="0" anchor="ctr"/>
+            <a:lstStyle/>
+            <a:p>
+              <a:pPr algn="ctr"/>
+              <a:endParaRPr lang="en-US">
+                <a:solidFill>
+                  <a:schemeClr val="bg1"/>
+                </a:solidFill>
+              </a:endParaRPr>
+            </a:p>
+          </p:txBody>
+        </p:sp>
+        <p:sp>
+          <p:nvSpPr>
+            <p:cNvPr id="15" name="TextBox 14"/>
+            <p:cNvSpPr txBox="1"/>
+            <p:nvPr/>
+          </p:nvSpPr>
+          <p:spPr>
+            <a:xfrm>
+              <a:off x="3292927" y="2680898"/>
+              <a:ext cx="1805720" cy="276999"/>
+            </a:xfrm>
+            <a:prstGeom prst="rect">
+              <a:avLst/>
+            </a:prstGeom>
+            <a:grpFill/>
+          </p:spPr>
+          <p:txBody>
+            <a:bodyPr wrap="square" rtlCol="0">
+              <a:spAutoFit/>
+            </a:bodyPr>
+            <a:lstStyle/>
+            <a:p>
+              <a:r>
+                <a:rPr lang="en-US" sz="1200" dirty="0" smtClean="0">
+                  <a:solidFill>
+                    <a:schemeClr val="bg1"/>
+                  </a:solidFill>
+                </a:rPr>
+                <a:t>Add task into Must Do List</a:t>
+              </a:r>
+              <a:endParaRPr lang="en-US" sz="1200" dirty="0">
+                <a:solidFill>
+                  <a:schemeClr val="bg1"/>
+                </a:solidFill>
+              </a:endParaRPr>
+            </a:p>
+          </p:txBody>
+        </p:sp>
+      </p:grpSp>
+      <p:cxnSp>
+        <p:nvCxnSpPr>
+          <p:cNvPr id="16" name="Elbow Connector 15"/>
+          <p:cNvCxnSpPr>
+            <a:stCxn id="8" idx="3"/>
+            <a:endCxn id="14" idx="0"/>
+          </p:cNvCxnSpPr>
+          <p:nvPr/>
+        </p:nvCxnSpPr>
+        <p:spPr>
+          <a:xfrm>
+            <a:off x="3342879" y="2971800"/>
+            <a:ext cx="118360" cy="609600"/>
+          </a:xfrm>
+          <a:prstGeom prst="bentConnector2">
+            <a:avLst/>
+          </a:prstGeom>
+          <a:ln>
+            <a:tailEnd type="arrow"/>
+          </a:ln>
+        </p:spPr>
+        <p:style>
+          <a:lnRef idx="1">
+            <a:schemeClr val="accent1"/>
+          </a:lnRef>
+          <a:fillRef idx="0">
+            <a:schemeClr val="accent1"/>
+          </a:fillRef>
+          <a:effectRef idx="0">
+            <a:schemeClr val="accent1"/>
+          </a:effectRef>
+          <a:fontRef idx="minor">
+            <a:schemeClr val="tx1"/>
+          </a:fontRef>
+        </p:style>
+      </p:cxnSp>
+      <p:cxnSp>
+        <p:nvCxnSpPr>
+          <p:cNvPr id="17" name="Elbow Connector 16"/>
+          <p:cNvCxnSpPr>
+            <a:stCxn id="8" idx="1"/>
+            <a:endCxn id="11" idx="0"/>
+          </p:cNvCxnSpPr>
+          <p:nvPr/>
+        </p:nvCxnSpPr>
+        <p:spPr>
+          <a:xfrm rot="10800000" flipV="1">
+            <a:off x="700231" y="2971800"/>
+            <a:ext cx="128048" cy="609600"/>
+          </a:xfrm>
+          <a:prstGeom prst="bentConnector2">
+            <a:avLst/>
+          </a:prstGeom>
+          <a:ln>
+            <a:tailEnd type="arrow"/>
+          </a:ln>
+        </p:spPr>
+        <p:style>
+          <a:lnRef idx="1">
+            <a:schemeClr val="accent1"/>
+          </a:lnRef>
+          <a:fillRef idx="0">
+            <a:schemeClr val="accent1"/>
+          </a:fillRef>
+          <a:effectRef idx="0">
+            <a:schemeClr val="accent1"/>
+          </a:effectRef>
+          <a:fontRef idx="minor">
+            <a:schemeClr val="tx1"/>
+          </a:fontRef>
+        </p:style>
+      </p:cxnSp>
+      <p:grpSp>
+        <p:nvGrpSpPr>
+          <p:cNvPr id="18" name="Group 17"/>
+          <p:cNvGrpSpPr/>
+          <p:nvPr/>
+        </p:nvGrpSpPr>
+        <p:grpSpPr>
+          <a:xfrm>
+            <a:off x="1454555" y="4267200"/>
+            <a:ext cx="1248062" cy="419100"/>
+            <a:chOff x="3857339" y="3810000"/>
+            <a:chExt cx="1248062" cy="419100"/>
+          </a:xfrm>
+          <a:solidFill>
+            <a:schemeClr val="tx2">
+              <a:lumMod val="60000"/>
+              <a:lumOff val="40000"/>
+            </a:schemeClr>
+          </a:solidFill>
+        </p:grpSpPr>
+        <p:sp>
+          <p:nvSpPr>
+            <p:cNvPr id="19" name="Rounded Rectangle 18"/>
+            <p:cNvSpPr/>
+            <p:nvPr/>
+          </p:nvSpPr>
+          <p:spPr>
+            <a:xfrm>
+              <a:off x="3857339" y="3810000"/>
+              <a:ext cx="1248062" cy="419100"/>
+            </a:xfrm>
+            <a:prstGeom prst="roundRect">
+              <a:avLst/>
+            </a:prstGeom>
+            <a:grpFill/>
+          </p:spPr>
+          <p:style>
+            <a:lnRef idx="2">
+              <a:schemeClr val="accent1">
+                <a:shade val="50000"/>
+              </a:schemeClr>
+            </a:lnRef>
+            <a:fillRef idx="1">
+              <a:schemeClr val="accent1"/>
+            </a:fillRef>
+            <a:effectRef idx="0">
+              <a:schemeClr val="accent1"/>
+            </a:effectRef>
+            <a:fontRef idx="minor">
+              <a:schemeClr val="lt1"/>
+            </a:fontRef>
+          </p:style>
+          <p:txBody>
+            <a:bodyPr rtlCol="0" anchor="ctr"/>
+            <a:lstStyle/>
+            <a:p>
+              <a:pPr algn="ctr"/>
+              <a:endParaRPr lang="en-US">
+                <a:solidFill>
+                  <a:schemeClr val="bg1"/>
+                </a:solidFill>
+              </a:endParaRPr>
+            </a:p>
+          </p:txBody>
+        </p:sp>
+        <p:sp>
+          <p:nvSpPr>
+            <p:cNvPr id="20" name="TextBox 19"/>
+            <p:cNvSpPr txBox="1"/>
+            <p:nvPr/>
+          </p:nvSpPr>
+          <p:spPr>
+            <a:xfrm>
+              <a:off x="3886549" y="3900219"/>
+              <a:ext cx="1184170" cy="276999"/>
+            </a:xfrm>
+            <a:prstGeom prst="rect">
+              <a:avLst/>
+            </a:prstGeom>
+            <a:grpFill/>
+            <a:ln>
+              <a:solidFill>
+                <a:schemeClr val="tx2">
+                  <a:lumMod val="60000"/>
+                  <a:lumOff val="40000"/>
+                </a:schemeClr>
+              </a:solidFill>
+            </a:ln>
+          </p:spPr>
+          <p:txBody>
+            <a:bodyPr wrap="none" rtlCol="0">
+              <a:spAutoFit/>
+            </a:bodyPr>
+            <a:lstStyle/>
+            <a:p>
+              <a:r>
+                <a:rPr lang="en-US" sz="1200" dirty="0" smtClean="0">
+                  <a:solidFill>
+                    <a:schemeClr val="bg1"/>
+                  </a:solidFill>
+                </a:rPr>
+                <a:t>Archive the task</a:t>
+              </a:r>
+              <a:endParaRPr lang="en-US" sz="1200" dirty="0">
+                <a:solidFill>
+                  <a:schemeClr val="bg1"/>
+                </a:solidFill>
+              </a:endParaRPr>
+            </a:p>
+          </p:txBody>
+        </p:sp>
+      </p:grpSp>
+      <p:cxnSp>
+        <p:nvCxnSpPr>
+          <p:cNvPr id="21" name="Elbow Connector 20"/>
+          <p:cNvCxnSpPr>
+            <a:stCxn id="14" idx="2"/>
+            <a:endCxn id="19" idx="3"/>
+          </p:cNvCxnSpPr>
+          <p:nvPr/>
+        </p:nvCxnSpPr>
+        <p:spPr>
+          <a:xfrm rot="5400000">
+            <a:off x="2843803" y="3859313"/>
+            <a:ext cx="476251" cy="758622"/>
+          </a:xfrm>
+          <a:prstGeom prst="bentConnector2">
+            <a:avLst/>
+          </a:prstGeom>
+          <a:ln>
+            <a:tailEnd type="arrow"/>
+          </a:ln>
+        </p:spPr>
+        <p:style>
+          <a:lnRef idx="1">
+            <a:schemeClr val="accent1"/>
+          </a:lnRef>
+          <a:fillRef idx="0">
+            <a:schemeClr val="accent1"/>
+          </a:fillRef>
+          <a:effectRef idx="0">
+            <a:schemeClr val="accent1"/>
+          </a:effectRef>
+          <a:fontRef idx="minor">
+            <a:schemeClr val="tx1"/>
+          </a:fontRef>
+        </p:style>
+      </p:cxnSp>
+      <p:cxnSp>
+        <p:nvCxnSpPr>
+          <p:cNvPr id="22" name="Straight Arrow Connector 21"/>
+          <p:cNvCxnSpPr>
+            <a:stCxn id="19" idx="2"/>
+            <a:endCxn id="24" idx="0"/>
+          </p:cNvCxnSpPr>
+          <p:nvPr/>
+        </p:nvCxnSpPr>
+        <p:spPr>
+          <a:xfrm>
+            <a:off x="2078586" y="4686300"/>
+            <a:ext cx="13066" cy="342900"/>
+          </a:xfrm>
+          <a:prstGeom prst="straightConnector1">
+            <a:avLst/>
+          </a:prstGeom>
+          <a:ln>
+            <a:tailEnd type="arrow"/>
+          </a:ln>
+        </p:spPr>
+        <p:style>
+          <a:lnRef idx="1">
+            <a:schemeClr val="accent1"/>
+          </a:lnRef>
+          <a:fillRef idx="0">
+            <a:schemeClr val="accent1"/>
+          </a:fillRef>
+          <a:effectRef idx="0">
+            <a:schemeClr val="accent1"/>
+          </a:effectRef>
+          <a:fontRef idx="minor">
+            <a:schemeClr val="tx1"/>
+          </a:fontRef>
+        </p:style>
+      </p:cxnSp>
+      <p:grpSp>
+        <p:nvGrpSpPr>
+          <p:cNvPr id="23" name="Group 22"/>
+          <p:cNvGrpSpPr/>
+          <p:nvPr/>
+        </p:nvGrpSpPr>
+        <p:grpSpPr>
+          <a:xfrm>
+            <a:off x="1977352" y="5029200"/>
+            <a:ext cx="228600" cy="228600"/>
+            <a:chOff x="4380136" y="4572000"/>
+            <a:chExt cx="228600" cy="228600"/>
+          </a:xfrm>
+        </p:grpSpPr>
+        <p:sp>
+          <p:nvSpPr>
+            <p:cNvPr id="24" name="Oval 23"/>
+            <p:cNvSpPr/>
+            <p:nvPr/>
+          </p:nvSpPr>
+          <p:spPr>
+            <a:xfrm>
+              <a:off x="4380136" y="4572000"/>
+              <a:ext cx="228600" cy="228600"/>
+            </a:xfrm>
+            <a:prstGeom prst="ellipse">
+              <a:avLst/>
+            </a:prstGeom>
+            <a:noFill/>
+          </p:spPr>
+          <p:style>
+            <a:lnRef idx="2">
+              <a:schemeClr val="accent1">
+                <a:shade val="50000"/>
+              </a:schemeClr>
+            </a:lnRef>
+            <a:fillRef idx="1">
+              <a:schemeClr val="accent1"/>
+            </a:fillRef>
+            <a:effectRef idx="0">
+              <a:schemeClr val="accent1"/>
+            </a:effectRef>
+            <a:fontRef idx="minor">
+              <a:schemeClr val="lt1"/>
+            </a:fontRef>
+          </p:style>
+          <p:txBody>
+            <a:bodyPr rtlCol="0" anchor="ctr"/>
+            <a:lstStyle/>
+            <a:p>
+              <a:pPr algn="ctr"/>
+              <a:endParaRPr lang="en-US"/>
+            </a:p>
+          </p:txBody>
+        </p:sp>
+        <p:sp>
+          <p:nvSpPr>
+            <p:cNvPr id="25" name="Oval 24"/>
+            <p:cNvSpPr/>
+            <p:nvPr/>
+          </p:nvSpPr>
+          <p:spPr>
+            <a:xfrm>
+              <a:off x="4439696" y="4636060"/>
+              <a:ext cx="114300" cy="114300"/>
+            </a:xfrm>
+            <a:prstGeom prst="ellipse">
+              <a:avLst/>
+            </a:prstGeom>
+            <a:solidFill>
+              <a:srgbClr val="0070C0"/>
+            </a:solidFill>
+          </p:spPr>
+          <p:style>
+            <a:lnRef idx="2">
+              <a:schemeClr val="accent1">
+                <a:shade val="50000"/>
+              </a:schemeClr>
+            </a:lnRef>
+            <a:fillRef idx="1">
+              <a:schemeClr val="accent1"/>
+            </a:fillRef>
+            <a:effectRef idx="0">
+              <a:schemeClr val="accent1"/>
+            </a:effectRef>
+            <a:fontRef idx="minor">
+              <a:schemeClr val="lt1"/>
+            </a:fontRef>
+          </p:style>
+          <p:txBody>
+            <a:bodyPr rtlCol="0" anchor="ctr"/>
+            <a:lstStyle/>
+            <a:p>
+              <a:pPr algn="ctr"/>
+              <a:endParaRPr lang="en-US"/>
+            </a:p>
+          </p:txBody>
+        </p:sp>
+      </p:grpSp>
+      <p:sp>
+        <p:nvSpPr>
+          <p:cNvPr id="26" name="Oval 25"/>
+          <p:cNvSpPr/>
+          <p:nvPr/>
+        </p:nvSpPr>
+        <p:spPr>
+          <a:xfrm>
+            <a:off x="6821952" y="762000"/>
+            <a:ext cx="228600" cy="228600"/>
+          </a:xfrm>
+          <a:prstGeom prst="ellipse">
+            <a:avLst/>
+          </a:prstGeom>
+        </p:spPr>
+        <p:style>
+          <a:lnRef idx="2">
+            <a:schemeClr val="accent1">
+              <a:shade val="50000"/>
+            </a:schemeClr>
+          </a:lnRef>
+          <a:fillRef idx="1">
+            <a:schemeClr val="accent1"/>
+          </a:fillRef>
+          <a:effectRef idx="0">
+            <a:schemeClr val="accent1"/>
+          </a:effectRef>
+          <a:fontRef idx="minor">
+            <a:schemeClr val="lt1"/>
+          </a:fontRef>
+        </p:style>
+        <p:txBody>
+          <a:bodyPr rtlCol="0" anchor="ctr"/>
+          <a:lstStyle/>
+          <a:p>
+            <a:pPr algn="ctr"/>
+            <a:endParaRPr lang="en-US"/>
+          </a:p>
+        </p:txBody>
+      </p:sp>
+      <p:grpSp>
+        <p:nvGrpSpPr>
+          <p:cNvPr id="27" name="Group 26"/>
+          <p:cNvGrpSpPr/>
+          <p:nvPr/>
+        </p:nvGrpSpPr>
+        <p:grpSpPr>
+          <a:xfrm>
+            <a:off x="6097631" y="1866900"/>
+            <a:ext cx="1674769" cy="419519"/>
+            <a:chOff x="785667" y="1638300"/>
+            <a:chExt cx="1674769" cy="419519"/>
+          </a:xfrm>
+          <a:solidFill>
+            <a:schemeClr val="tx2">
+              <a:lumMod val="60000"/>
+              <a:lumOff val="40000"/>
+            </a:schemeClr>
+          </a:solidFill>
+        </p:grpSpPr>
+        <p:sp>
+          <p:nvSpPr>
+            <p:cNvPr id="28" name="Rounded Rectangle 27"/>
+            <p:cNvSpPr/>
+            <p:nvPr/>
+          </p:nvSpPr>
+          <p:spPr>
+            <a:xfrm>
+              <a:off x="785667" y="1638300"/>
+              <a:ext cx="1674769" cy="419519"/>
+            </a:xfrm>
+            <a:prstGeom prst="roundRect">
+              <a:avLst/>
+            </a:prstGeom>
+            <a:grpFill/>
+          </p:spPr>
+          <p:style>
+            <a:lnRef idx="2">
+              <a:schemeClr val="accent1">
+                <a:shade val="50000"/>
+              </a:schemeClr>
+            </a:lnRef>
+            <a:fillRef idx="1">
+              <a:schemeClr val="accent1"/>
+            </a:fillRef>
+            <a:effectRef idx="0">
+              <a:schemeClr val="accent1"/>
+            </a:effectRef>
+            <a:fontRef idx="minor">
+              <a:schemeClr val="lt1"/>
+            </a:fontRef>
+          </p:style>
+          <p:txBody>
+            <a:bodyPr rtlCol="0" anchor="ctr"/>
+            <a:lstStyle/>
+            <a:p>
+              <a:pPr algn="ctr"/>
+              <a:endParaRPr lang="en-US">
+                <a:solidFill>
+                  <a:schemeClr val="bg1"/>
+                </a:solidFill>
+              </a:endParaRPr>
+            </a:p>
+          </p:txBody>
+        </p:sp>
+        <p:sp>
+          <p:nvSpPr>
+            <p:cNvPr id="29" name="TextBox 28"/>
+            <p:cNvSpPr txBox="1"/>
+            <p:nvPr/>
+          </p:nvSpPr>
+          <p:spPr>
+            <a:xfrm>
+              <a:off x="847101" y="1709559"/>
+              <a:ext cx="1532086" cy="276999"/>
+            </a:xfrm>
+            <a:prstGeom prst="rect">
+              <a:avLst/>
+            </a:prstGeom>
+            <a:grpFill/>
+          </p:spPr>
+          <p:txBody>
+            <a:bodyPr wrap="none" rtlCol="0">
+              <a:spAutoFit/>
+            </a:bodyPr>
+            <a:lstStyle/>
+            <a:p>
+              <a:r>
+                <a:rPr lang="en-US" sz="1200" dirty="0" smtClean="0">
+                  <a:solidFill>
+                    <a:schemeClr val="bg1"/>
+                  </a:solidFill>
+                </a:rPr>
+                <a:t>Pick something to do</a:t>
+              </a:r>
+              <a:endParaRPr lang="en-US" sz="1200" dirty="0">
+                <a:solidFill>
+                  <a:schemeClr val="bg1"/>
+                </a:solidFill>
+              </a:endParaRPr>
+            </a:p>
+          </p:txBody>
+        </p:sp>
+      </p:grpSp>
+      <p:grpSp>
+        <p:nvGrpSpPr>
+          <p:cNvPr id="30" name="Group 29"/>
+          <p:cNvGrpSpPr/>
+          <p:nvPr/>
+        </p:nvGrpSpPr>
+        <p:grpSpPr>
+          <a:xfrm>
+            <a:off x="5666489" y="2514600"/>
+            <a:ext cx="2514600" cy="914400"/>
+            <a:chOff x="152400" y="2362200"/>
+            <a:chExt cx="2514600" cy="914400"/>
+          </a:xfrm>
+          <a:solidFill>
+            <a:schemeClr val="tx2">
+              <a:lumMod val="60000"/>
+              <a:lumOff val="40000"/>
+            </a:schemeClr>
+          </a:solidFill>
+        </p:grpSpPr>
+        <p:sp>
+          <p:nvSpPr>
+            <p:cNvPr id="31" name="Diamond 30"/>
+            <p:cNvSpPr/>
+            <p:nvPr/>
+          </p:nvSpPr>
+          <p:spPr>
+            <a:xfrm>
+              <a:off x="152400" y="2362200"/>
+              <a:ext cx="2514600" cy="914400"/>
+            </a:xfrm>
+            <a:prstGeom prst="diamond">
+              <a:avLst/>
+            </a:prstGeom>
+            <a:grpFill/>
+          </p:spPr>
+          <p:style>
+            <a:lnRef idx="2">
+              <a:schemeClr val="accent1">
+                <a:shade val="50000"/>
+              </a:schemeClr>
+            </a:lnRef>
+            <a:fillRef idx="1">
+              <a:schemeClr val="accent1"/>
+            </a:fillRef>
+            <a:effectRef idx="0">
+              <a:schemeClr val="accent1"/>
+            </a:effectRef>
+            <a:fontRef idx="minor">
+              <a:schemeClr val="lt1"/>
+            </a:fontRef>
+          </p:style>
+          <p:txBody>
+            <a:bodyPr rtlCol="0" anchor="ctr"/>
+            <a:lstStyle/>
+            <a:p>
+              <a:pPr algn="ctr"/>
+              <a:endParaRPr lang="en-US">
+                <a:solidFill>
+                  <a:schemeClr val="bg1"/>
+                </a:solidFill>
+              </a:endParaRPr>
+            </a:p>
+          </p:txBody>
+        </p:sp>
+        <p:sp>
+          <p:nvSpPr>
+            <p:cNvPr id="32" name="TextBox 31"/>
+            <p:cNvSpPr txBox="1"/>
+            <p:nvPr/>
+          </p:nvSpPr>
+          <p:spPr>
+            <a:xfrm>
+              <a:off x="484542" y="2680900"/>
+              <a:ext cx="1850315" cy="276999"/>
+            </a:xfrm>
+            <a:prstGeom prst="rect">
+              <a:avLst/>
+            </a:prstGeom>
+            <a:grpFill/>
+          </p:spPr>
+          <p:txBody>
+            <a:bodyPr wrap="none" rtlCol="0">
+              <a:spAutoFit/>
+            </a:bodyPr>
+            <a:lstStyle/>
+            <a:p>
+              <a:r>
+                <a:rPr lang="en-US" sz="1200" dirty="0" smtClean="0">
+                  <a:solidFill>
+                    <a:schemeClr val="bg1"/>
+                  </a:solidFill>
+                </a:rPr>
+                <a:t>Can be done immediately?</a:t>
+              </a:r>
+              <a:endParaRPr lang="en-US" sz="1200" dirty="0">
+                <a:solidFill>
+                  <a:schemeClr val="bg1"/>
+                </a:solidFill>
+              </a:endParaRPr>
+            </a:p>
+          </p:txBody>
+        </p:sp>
+      </p:grpSp>
+      <p:grpSp>
+        <p:nvGrpSpPr>
+          <p:cNvPr id="33" name="Group 32"/>
+          <p:cNvGrpSpPr/>
+          <p:nvPr/>
+        </p:nvGrpSpPr>
+        <p:grpSpPr>
+          <a:xfrm>
+            <a:off x="4924138" y="3581400"/>
+            <a:ext cx="1248062" cy="419100"/>
+            <a:chOff x="833006" y="3581400"/>
+            <a:chExt cx="1248062" cy="419100"/>
+          </a:xfrm>
+          <a:solidFill>
+            <a:schemeClr val="tx2">
+              <a:lumMod val="60000"/>
+              <a:lumOff val="40000"/>
+            </a:schemeClr>
+          </a:solidFill>
+        </p:grpSpPr>
+        <p:sp>
+          <p:nvSpPr>
+            <p:cNvPr id="34" name="Rounded Rectangle 33"/>
+            <p:cNvSpPr/>
+            <p:nvPr/>
+          </p:nvSpPr>
+          <p:spPr>
+            <a:xfrm>
+              <a:off x="833006" y="3581400"/>
+              <a:ext cx="1248062" cy="419100"/>
+            </a:xfrm>
+            <a:prstGeom prst="roundRect">
+              <a:avLst/>
+            </a:prstGeom>
+            <a:grpFill/>
+          </p:spPr>
+          <p:style>
+            <a:lnRef idx="2">
+              <a:schemeClr val="accent1">
+                <a:shade val="50000"/>
+              </a:schemeClr>
+            </a:lnRef>
+            <a:fillRef idx="1">
+              <a:schemeClr val="accent1"/>
+            </a:fillRef>
+            <a:effectRef idx="0">
+              <a:schemeClr val="accent1"/>
+            </a:effectRef>
+            <a:fontRef idx="minor">
+              <a:schemeClr val="lt1"/>
+            </a:fontRef>
+          </p:style>
+          <p:txBody>
+            <a:bodyPr rtlCol="0" anchor="ctr"/>
+            <a:lstStyle/>
+            <a:p>
+              <a:pPr algn="ctr"/>
+              <a:endParaRPr lang="en-US">
+                <a:solidFill>
+                  <a:schemeClr val="bg1"/>
+                </a:solidFill>
+              </a:endParaRPr>
+            </a:p>
+          </p:txBody>
+        </p:sp>
+        <p:sp>
+          <p:nvSpPr>
+            <p:cNvPr id="35" name="TextBox 34"/>
+            <p:cNvSpPr txBox="1"/>
+            <p:nvPr/>
+          </p:nvSpPr>
+          <p:spPr>
+            <a:xfrm>
+              <a:off x="874505" y="3652450"/>
+              <a:ext cx="1165063" cy="276999"/>
+            </a:xfrm>
+            <a:prstGeom prst="rect">
+              <a:avLst/>
+            </a:prstGeom>
+            <a:grpFill/>
+          </p:spPr>
+          <p:txBody>
+            <a:bodyPr wrap="none" rtlCol="0">
+              <a:spAutoFit/>
+            </a:bodyPr>
+            <a:lstStyle/>
+            <a:p>
+              <a:r>
+                <a:rPr lang="en-US" sz="1200" dirty="0" smtClean="0">
+                  <a:solidFill>
+                    <a:schemeClr val="bg1"/>
+                  </a:solidFill>
+                </a:rPr>
+                <a:t>Do it right away</a:t>
+              </a:r>
+              <a:endParaRPr lang="en-US" sz="1200" dirty="0">
+                <a:solidFill>
+                  <a:schemeClr val="bg1"/>
+                </a:solidFill>
+              </a:endParaRPr>
+            </a:p>
+          </p:txBody>
+        </p:sp>
+      </p:grpSp>
+      <p:grpSp>
+        <p:nvGrpSpPr>
+          <p:cNvPr id="36" name="Group 35"/>
+          <p:cNvGrpSpPr/>
+          <p:nvPr/>
+        </p:nvGrpSpPr>
+        <p:grpSpPr>
+          <a:xfrm>
+            <a:off x="7737787" y="3581400"/>
+            <a:ext cx="1253813" cy="419100"/>
+            <a:chOff x="3276600" y="2609849"/>
+            <a:chExt cx="1253813" cy="419100"/>
+          </a:xfrm>
+          <a:solidFill>
+            <a:schemeClr val="tx2">
+              <a:lumMod val="60000"/>
+              <a:lumOff val="40000"/>
+            </a:schemeClr>
+          </a:solidFill>
+        </p:grpSpPr>
+        <p:sp>
+          <p:nvSpPr>
+            <p:cNvPr id="37" name="Rounded Rectangle 36"/>
+            <p:cNvSpPr/>
+            <p:nvPr/>
+          </p:nvSpPr>
+          <p:spPr>
+            <a:xfrm>
+              <a:off x="3276600" y="2609849"/>
+              <a:ext cx="1253813" cy="419100"/>
+            </a:xfrm>
+            <a:prstGeom prst="roundRect">
+              <a:avLst/>
+            </a:prstGeom>
+            <a:grpFill/>
+          </p:spPr>
+          <p:style>
+            <a:lnRef idx="2">
+              <a:schemeClr val="accent1">
+                <a:shade val="50000"/>
+              </a:schemeClr>
+            </a:lnRef>
+            <a:fillRef idx="1">
+              <a:schemeClr val="accent1"/>
+            </a:fillRef>
+            <a:effectRef idx="0">
+              <a:schemeClr val="accent1"/>
+            </a:effectRef>
+            <a:fontRef idx="minor">
+              <a:schemeClr val="lt1"/>
+            </a:fontRef>
+          </p:style>
+          <p:txBody>
+            <a:bodyPr rtlCol="0" anchor="ctr"/>
+            <a:lstStyle/>
+            <a:p>
+              <a:pPr algn="ctr"/>
+              <a:endParaRPr lang="en-US">
+                <a:solidFill>
+                  <a:schemeClr val="bg1"/>
+                </a:solidFill>
+              </a:endParaRPr>
+            </a:p>
+          </p:txBody>
+        </p:sp>
+        <p:sp>
+          <p:nvSpPr>
+            <p:cNvPr id="38" name="TextBox 37"/>
+            <p:cNvSpPr txBox="1"/>
+            <p:nvPr/>
+          </p:nvSpPr>
+          <p:spPr>
+            <a:xfrm>
+              <a:off x="3306745" y="2680899"/>
+              <a:ext cx="1223668" cy="276999"/>
+            </a:xfrm>
+            <a:prstGeom prst="rect">
+              <a:avLst/>
+            </a:prstGeom>
+            <a:grpFill/>
+          </p:spPr>
+          <p:txBody>
+            <a:bodyPr wrap="none" rtlCol="0">
+              <a:spAutoFit/>
+            </a:bodyPr>
+            <a:lstStyle/>
+            <a:p>
+              <a:r>
+                <a:rPr lang="en-US" sz="1200" dirty="0" smtClean="0">
+                  <a:solidFill>
+                    <a:schemeClr val="bg1"/>
+                  </a:solidFill>
+                </a:rPr>
+                <a:t>Reschedule task </a:t>
+              </a:r>
+              <a:endParaRPr lang="en-US" sz="1200" dirty="0">
+                <a:solidFill>
+                  <a:schemeClr val="bg1"/>
+                </a:solidFill>
+              </a:endParaRPr>
+            </a:p>
+          </p:txBody>
+        </p:sp>
+      </p:grpSp>
+      <p:cxnSp>
+        <p:nvCxnSpPr>
+          <p:cNvPr id="39" name="Elbow Connector 38"/>
+          <p:cNvCxnSpPr>
+            <a:stCxn id="31" idx="3"/>
+            <a:endCxn id="37" idx="0"/>
+          </p:cNvCxnSpPr>
+          <p:nvPr/>
+        </p:nvCxnSpPr>
+        <p:spPr>
+          <a:xfrm>
+            <a:off x="8181089" y="2971800"/>
+            <a:ext cx="183605" cy="609600"/>
+          </a:xfrm>
+          <a:prstGeom prst="bentConnector2">
+            <a:avLst/>
+          </a:prstGeom>
+          <a:ln>
+            <a:tailEnd type="arrow"/>
+          </a:ln>
+        </p:spPr>
+        <p:style>
+          <a:lnRef idx="1">
+            <a:schemeClr val="accent1"/>
+          </a:lnRef>
+          <a:fillRef idx="0">
+            <a:schemeClr val="accent1"/>
+          </a:fillRef>
+          <a:effectRef idx="0">
+            <a:schemeClr val="accent1"/>
+          </a:effectRef>
+          <a:fontRef idx="minor">
+            <a:schemeClr val="tx1"/>
+          </a:fontRef>
+        </p:style>
+      </p:cxnSp>
+      <p:cxnSp>
+        <p:nvCxnSpPr>
+          <p:cNvPr id="40" name="Elbow Connector 39"/>
+          <p:cNvCxnSpPr>
+            <a:stCxn id="31" idx="1"/>
+            <a:endCxn id="34" idx="0"/>
+          </p:cNvCxnSpPr>
+          <p:nvPr/>
+        </p:nvCxnSpPr>
+        <p:spPr>
+          <a:xfrm rot="10800000" flipV="1">
+            <a:off x="5548169" y="2971800"/>
+            <a:ext cx="118320" cy="609600"/>
+          </a:xfrm>
+          <a:prstGeom prst="bentConnector2">
+            <a:avLst/>
+          </a:prstGeom>
+          <a:ln>
+            <a:tailEnd type="arrow"/>
+          </a:ln>
+        </p:spPr>
+        <p:style>
+          <a:lnRef idx="1">
+            <a:schemeClr val="accent1"/>
+          </a:lnRef>
+          <a:fillRef idx="0">
+            <a:schemeClr val="accent1"/>
+          </a:fillRef>
+          <a:effectRef idx="0">
+            <a:schemeClr val="accent1"/>
+          </a:effectRef>
+          <a:fontRef idx="minor">
+            <a:schemeClr val="tx1"/>
+          </a:fontRef>
+        </p:style>
+      </p:cxnSp>
+      <p:grpSp>
+        <p:nvGrpSpPr>
+          <p:cNvPr id="41" name="Group 40"/>
+          <p:cNvGrpSpPr/>
+          <p:nvPr/>
+        </p:nvGrpSpPr>
+        <p:grpSpPr>
+          <a:xfrm>
+            <a:off x="4924138" y="4267200"/>
+            <a:ext cx="1248062" cy="419100"/>
+            <a:chOff x="3857339" y="3810000"/>
+            <a:chExt cx="1248062" cy="419100"/>
+          </a:xfrm>
+          <a:solidFill>
+            <a:schemeClr val="tx2">
+              <a:lumMod val="60000"/>
+              <a:lumOff val="40000"/>
+            </a:schemeClr>
+          </a:solidFill>
+        </p:grpSpPr>
+        <p:sp>
+          <p:nvSpPr>
+            <p:cNvPr id="42" name="Rounded Rectangle 41"/>
+            <p:cNvSpPr/>
+            <p:nvPr/>
+          </p:nvSpPr>
+          <p:spPr>
+            <a:xfrm>
+              <a:off x="3857339" y="3810000"/>
+              <a:ext cx="1248062" cy="419100"/>
+            </a:xfrm>
+            <a:prstGeom prst="roundRect">
+              <a:avLst/>
+            </a:prstGeom>
+            <a:grpFill/>
+          </p:spPr>
+          <p:style>
+            <a:lnRef idx="2">
+              <a:schemeClr val="accent1">
+                <a:shade val="50000"/>
+              </a:schemeClr>
+            </a:lnRef>
+            <a:fillRef idx="1">
+              <a:schemeClr val="accent1"/>
+            </a:fillRef>
+            <a:effectRef idx="0">
+              <a:schemeClr val="accent1"/>
+            </a:effectRef>
+            <a:fontRef idx="minor">
+              <a:schemeClr val="lt1"/>
+            </a:fontRef>
+          </p:style>
+          <p:txBody>
+            <a:bodyPr rtlCol="0" anchor="ctr"/>
+            <a:lstStyle/>
+            <a:p>
+              <a:pPr algn="ctr"/>
+              <a:endParaRPr lang="en-US">
+                <a:solidFill>
+                  <a:schemeClr val="bg1"/>
+                </a:solidFill>
+              </a:endParaRPr>
+            </a:p>
+          </p:txBody>
+        </p:sp>
+        <p:sp>
+          <p:nvSpPr>
+            <p:cNvPr id="43" name="TextBox 42"/>
+            <p:cNvSpPr txBox="1"/>
+            <p:nvPr/>
+          </p:nvSpPr>
+          <p:spPr>
+            <a:xfrm>
+              <a:off x="3857339" y="3881050"/>
+              <a:ext cx="1155509" cy="276999"/>
+            </a:xfrm>
+            <a:prstGeom prst="rect">
+              <a:avLst/>
+            </a:prstGeom>
+            <a:grpFill/>
+          </p:spPr>
+          <p:txBody>
+            <a:bodyPr wrap="none" rtlCol="0">
+              <a:spAutoFit/>
+            </a:bodyPr>
+            <a:lstStyle/>
+            <a:p>
+              <a:r>
+                <a:rPr lang="en-US" sz="1200" dirty="0" smtClean="0">
+                  <a:solidFill>
+                    <a:schemeClr val="bg1"/>
+                  </a:solidFill>
+                </a:rPr>
+                <a:t>Mark as “done”</a:t>
+              </a:r>
+              <a:endParaRPr lang="en-US" sz="1200" dirty="0">
+                <a:solidFill>
+                  <a:schemeClr val="bg1"/>
+                </a:solidFill>
+              </a:endParaRPr>
+            </a:p>
+          </p:txBody>
+        </p:sp>
+      </p:grpSp>
+      <p:grpSp>
+        <p:nvGrpSpPr>
+          <p:cNvPr id="44" name="Group 43"/>
+          <p:cNvGrpSpPr/>
+          <p:nvPr/>
+        </p:nvGrpSpPr>
+        <p:grpSpPr>
+          <a:xfrm>
+            <a:off x="6705600" y="5715000"/>
+            <a:ext cx="228600" cy="228600"/>
+            <a:chOff x="4380136" y="4572000"/>
+            <a:chExt cx="228600" cy="228600"/>
+          </a:xfrm>
+        </p:grpSpPr>
+        <p:sp>
+          <p:nvSpPr>
+            <p:cNvPr id="45" name="Oval 44"/>
+            <p:cNvSpPr/>
+            <p:nvPr/>
+          </p:nvSpPr>
+          <p:spPr>
+            <a:xfrm>
+              <a:off x="4380136" y="4572000"/>
+              <a:ext cx="228600" cy="228600"/>
+            </a:xfrm>
+            <a:prstGeom prst="ellipse">
+              <a:avLst/>
+            </a:prstGeom>
+            <a:noFill/>
+          </p:spPr>
+          <p:style>
+            <a:lnRef idx="2">
+              <a:schemeClr val="accent1">
+                <a:shade val="50000"/>
+              </a:schemeClr>
+            </a:lnRef>
+            <a:fillRef idx="1">
+              <a:schemeClr val="accent1"/>
+            </a:fillRef>
+            <a:effectRef idx="0">
+              <a:schemeClr val="accent1"/>
+            </a:effectRef>
+            <a:fontRef idx="minor">
+              <a:schemeClr val="lt1"/>
+            </a:fontRef>
+          </p:style>
+          <p:txBody>
+            <a:bodyPr rtlCol="0" anchor="ctr"/>
+            <a:lstStyle/>
+            <a:p>
+              <a:pPr algn="ctr"/>
+              <a:endParaRPr lang="en-US"/>
+            </a:p>
+          </p:txBody>
+        </p:sp>
+        <p:sp>
+          <p:nvSpPr>
+            <p:cNvPr id="46" name="Oval 45"/>
+            <p:cNvSpPr/>
+            <p:nvPr/>
+          </p:nvSpPr>
+          <p:spPr>
+            <a:xfrm>
+              <a:off x="4439696" y="4636060"/>
+              <a:ext cx="114300" cy="114300"/>
+            </a:xfrm>
+            <a:prstGeom prst="ellipse">
+              <a:avLst/>
+            </a:prstGeom>
+            <a:solidFill>
+              <a:srgbClr val="0070C0"/>
+            </a:solidFill>
+          </p:spPr>
+          <p:style>
+            <a:lnRef idx="2">
+              <a:schemeClr val="accent1">
+                <a:shade val="50000"/>
+              </a:schemeClr>
+            </a:lnRef>
+            <a:fillRef idx="1">
+              <a:schemeClr val="accent1"/>
+            </a:fillRef>
+            <a:effectRef idx="0">
+              <a:schemeClr val="accent1"/>
+            </a:effectRef>
+            <a:fontRef idx="minor">
+              <a:schemeClr val="lt1"/>
+            </a:fontRef>
+          </p:style>
+          <p:txBody>
+            <a:bodyPr rtlCol="0" anchor="ctr"/>
+            <a:lstStyle/>
+            <a:p>
+              <a:pPr algn="ctr"/>
+              <a:endParaRPr lang="en-US"/>
+            </a:p>
+          </p:txBody>
+        </p:sp>
+      </p:grpSp>
+      <p:cxnSp>
+        <p:nvCxnSpPr>
+          <p:cNvPr id="47" name="Straight Arrow Connector 46"/>
+          <p:cNvCxnSpPr>
+            <a:stCxn id="28" idx="2"/>
+            <a:endCxn id="31" idx="0"/>
+          </p:cNvCxnSpPr>
+          <p:nvPr/>
+        </p:nvCxnSpPr>
+        <p:spPr>
+          <a:xfrm flipH="1">
+            <a:off x="6923789" y="2286419"/>
+            <a:ext cx="11227" cy="228181"/>
+          </a:xfrm>
+          <a:prstGeom prst="straightConnector1">
+            <a:avLst/>
+          </a:prstGeom>
+          <a:ln>
+            <a:tailEnd type="arrow"/>
+          </a:ln>
+        </p:spPr>
+        <p:style>
+          <a:lnRef idx="1">
+            <a:schemeClr val="accent1"/>
+          </a:lnRef>
+          <a:fillRef idx="0">
+            <a:schemeClr val="accent1"/>
+          </a:fillRef>
+          <a:effectRef idx="0">
+            <a:schemeClr val="accent1"/>
+          </a:effectRef>
+          <a:fontRef idx="minor">
+            <a:schemeClr val="tx1"/>
+          </a:fontRef>
+        </p:style>
+      </p:cxnSp>
+      <p:grpSp>
+        <p:nvGrpSpPr>
+          <p:cNvPr id="48" name="Group 47"/>
+          <p:cNvGrpSpPr/>
+          <p:nvPr/>
+        </p:nvGrpSpPr>
+        <p:grpSpPr>
+          <a:xfrm>
+            <a:off x="6096000" y="1219200"/>
+            <a:ext cx="1674769" cy="419519"/>
+            <a:chOff x="785667" y="1638300"/>
+            <a:chExt cx="1674769" cy="419519"/>
+          </a:xfrm>
+        </p:grpSpPr>
+        <p:sp>
+          <p:nvSpPr>
+            <p:cNvPr id="49" name="Rounded Rectangle 48"/>
+            <p:cNvSpPr/>
+            <p:nvPr/>
+          </p:nvSpPr>
+          <p:spPr>
+            <a:xfrm>
+              <a:off x="785667" y="1638300"/>
+              <a:ext cx="1674769" cy="419519"/>
+            </a:xfrm>
+            <a:prstGeom prst="roundRect">
+              <a:avLst/>
+            </a:prstGeom>
+            <a:solidFill>
+              <a:schemeClr val="tx2">
+                <a:lumMod val="60000"/>
+                <a:lumOff val="40000"/>
+              </a:schemeClr>
+            </a:solidFill>
+          </p:spPr>
+          <p:style>
+            <a:lnRef idx="2">
+              <a:schemeClr val="accent1">
+                <a:shade val="50000"/>
+              </a:schemeClr>
+            </a:lnRef>
+            <a:fillRef idx="1">
+              <a:schemeClr val="accent1"/>
+            </a:fillRef>
+            <a:effectRef idx="0">
+              <a:schemeClr val="accent1"/>
+            </a:effectRef>
+            <a:fontRef idx="minor">
+              <a:schemeClr val="lt1"/>
+            </a:fontRef>
+          </p:style>
+          <p:txBody>
+            <a:bodyPr rtlCol="0" anchor="ctr"/>
+            <a:lstStyle/>
+            <a:p>
+              <a:pPr algn="ctr"/>
+              <a:endParaRPr lang="en-US">
+                <a:solidFill>
+                  <a:schemeClr val="bg1"/>
+                </a:solidFill>
+              </a:endParaRPr>
+            </a:p>
+          </p:txBody>
+        </p:sp>
+        <p:sp>
+          <p:nvSpPr>
+            <p:cNvPr id="50" name="TextBox 49"/>
+            <p:cNvSpPr txBox="1"/>
+            <p:nvPr/>
+          </p:nvSpPr>
+          <p:spPr>
+            <a:xfrm>
+              <a:off x="847101" y="1709559"/>
+              <a:ext cx="1551900" cy="276999"/>
+            </a:xfrm>
+            <a:prstGeom prst="rect">
+              <a:avLst/>
+            </a:prstGeom>
+            <a:noFill/>
+          </p:spPr>
+          <p:txBody>
+            <a:bodyPr wrap="none" rtlCol="0">
+              <a:spAutoFit/>
+            </a:bodyPr>
+            <a:lstStyle/>
+            <a:p>
+              <a:r>
+                <a:rPr lang="en-US" sz="1200" dirty="0" smtClean="0">
+                  <a:solidFill>
+                    <a:schemeClr val="bg1"/>
+                  </a:solidFill>
+                </a:rPr>
+                <a:t>Free to do some work</a:t>
+              </a:r>
+              <a:endParaRPr lang="en-US" sz="1200" dirty="0">
+                <a:solidFill>
+                  <a:schemeClr val="bg1"/>
+                </a:solidFill>
+              </a:endParaRPr>
+            </a:p>
+          </p:txBody>
+        </p:sp>
+      </p:grpSp>
+      <p:cxnSp>
+        <p:nvCxnSpPr>
+          <p:cNvPr id="51" name="Straight Arrow Connector 50"/>
+          <p:cNvCxnSpPr>
+            <a:stCxn id="26" idx="4"/>
+            <a:endCxn id="49" idx="0"/>
+          </p:cNvCxnSpPr>
+          <p:nvPr/>
+        </p:nvCxnSpPr>
+        <p:spPr>
+          <a:xfrm flipH="1">
+            <a:off x="6933385" y="990600"/>
+            <a:ext cx="2867" cy="228600"/>
+          </a:xfrm>
+          <a:prstGeom prst="straightConnector1">
+            <a:avLst/>
+          </a:prstGeom>
+          <a:ln>
+            <a:tailEnd type="arrow"/>
+          </a:ln>
+        </p:spPr>
+        <p:style>
+          <a:lnRef idx="1">
+            <a:schemeClr val="accent1"/>
+          </a:lnRef>
+          <a:fillRef idx="0">
+            <a:schemeClr val="accent1"/>
+          </a:fillRef>
+          <a:effectRef idx="0">
+            <a:schemeClr val="accent1"/>
+          </a:effectRef>
+          <a:fontRef idx="minor">
+            <a:schemeClr val="tx1"/>
+          </a:fontRef>
+        </p:style>
+      </p:cxnSp>
+      <p:cxnSp>
+        <p:nvCxnSpPr>
+          <p:cNvPr id="52" name="Straight Arrow Connector 51"/>
+          <p:cNvCxnSpPr>
+            <a:stCxn id="49" idx="2"/>
+            <a:endCxn id="28" idx="0"/>
+          </p:cNvCxnSpPr>
+          <p:nvPr/>
+        </p:nvCxnSpPr>
+        <p:spPr>
+          <a:xfrm>
+            <a:off x="6933385" y="1638719"/>
+            <a:ext cx="1631" cy="228181"/>
+          </a:xfrm>
+          <a:prstGeom prst="straightConnector1">
+            <a:avLst/>
+          </a:prstGeom>
+          <a:ln>
+            <a:tailEnd type="arrow"/>
+          </a:ln>
+        </p:spPr>
+        <p:style>
+          <a:lnRef idx="1">
+            <a:schemeClr val="accent1"/>
+          </a:lnRef>
+          <a:fillRef idx="0">
+            <a:schemeClr val="accent1"/>
+          </a:fillRef>
+          <a:effectRef idx="0">
+            <a:schemeClr val="accent1"/>
+          </a:effectRef>
+          <a:fontRef idx="minor">
+            <a:schemeClr val="tx1"/>
+          </a:fontRef>
+        </p:style>
+      </p:cxnSp>
+      <p:cxnSp>
+        <p:nvCxnSpPr>
+          <p:cNvPr id="53" name="Straight Arrow Connector 52"/>
+          <p:cNvCxnSpPr>
+            <a:stCxn id="34" idx="2"/>
+            <a:endCxn id="42" idx="0"/>
+          </p:cNvCxnSpPr>
+          <p:nvPr/>
+        </p:nvCxnSpPr>
+        <p:spPr>
+          <a:xfrm>
+            <a:off x="5548169" y="4000500"/>
+            <a:ext cx="0" cy="266700"/>
+          </a:xfrm>
+          <a:prstGeom prst="straightConnector1">
+            <a:avLst/>
+          </a:prstGeom>
+          <a:ln>
+            <a:tailEnd type="arrow"/>
+          </a:ln>
+        </p:spPr>
+        <p:style>
+          <a:lnRef idx="1">
+            <a:schemeClr val="accent1"/>
+          </a:lnRef>
+          <a:fillRef idx="0">
+            <a:schemeClr val="accent1"/>
+          </a:fillRef>
+          <a:effectRef idx="0">
+            <a:schemeClr val="accent1"/>
+          </a:effectRef>
+          <a:fontRef idx="minor">
+            <a:schemeClr val="tx1"/>
+          </a:fontRef>
+        </p:style>
+      </p:cxnSp>
+      <p:grpSp>
+        <p:nvGrpSpPr>
+          <p:cNvPr id="54" name="Group 53"/>
+          <p:cNvGrpSpPr/>
+          <p:nvPr/>
+        </p:nvGrpSpPr>
+        <p:grpSpPr>
+          <a:xfrm>
+            <a:off x="6023177" y="5089073"/>
+            <a:ext cx="1596823" cy="419100"/>
+            <a:chOff x="3276600" y="2609849"/>
+            <a:chExt cx="1596823" cy="419100"/>
+          </a:xfrm>
+          <a:solidFill>
+            <a:schemeClr val="tx2">
+              <a:lumMod val="60000"/>
+              <a:lumOff val="40000"/>
+            </a:schemeClr>
+          </a:solidFill>
+        </p:grpSpPr>
+        <p:sp>
+          <p:nvSpPr>
+            <p:cNvPr id="55" name="Rounded Rectangle 54"/>
+            <p:cNvSpPr/>
+            <p:nvPr/>
+          </p:nvSpPr>
+          <p:spPr>
+            <a:xfrm>
+              <a:off x="3276600" y="2609849"/>
+              <a:ext cx="1596823" cy="419100"/>
+            </a:xfrm>
+            <a:prstGeom prst="roundRect">
+              <a:avLst/>
+            </a:prstGeom>
+            <a:grpFill/>
+          </p:spPr>
+          <p:style>
+            <a:lnRef idx="2">
+              <a:schemeClr val="accent1">
+                <a:shade val="50000"/>
+              </a:schemeClr>
+            </a:lnRef>
+            <a:fillRef idx="1">
+              <a:schemeClr val="accent1"/>
+            </a:fillRef>
+            <a:effectRef idx="0">
+              <a:schemeClr val="accent1"/>
+            </a:effectRef>
+            <a:fontRef idx="minor">
+              <a:schemeClr val="lt1"/>
+            </a:fontRef>
+          </p:style>
+          <p:txBody>
+            <a:bodyPr rtlCol="0" anchor="ctr"/>
+            <a:lstStyle/>
+            <a:p>
+              <a:pPr algn="ctr"/>
+              <a:endParaRPr lang="en-US">
+                <a:solidFill>
+                  <a:schemeClr val="bg1"/>
+                </a:solidFill>
+              </a:endParaRPr>
+            </a:p>
+          </p:txBody>
+        </p:sp>
+        <p:sp>
+          <p:nvSpPr>
+            <p:cNvPr id="56" name="TextBox 55"/>
+            <p:cNvSpPr txBox="1"/>
+            <p:nvPr/>
+          </p:nvSpPr>
+          <p:spPr>
+            <a:xfrm>
+              <a:off x="3353246" y="2680899"/>
+              <a:ext cx="1457322" cy="276999"/>
+            </a:xfrm>
+            <a:prstGeom prst="rect">
+              <a:avLst/>
+            </a:prstGeom>
+            <a:grpFill/>
+          </p:spPr>
+          <p:txBody>
+            <a:bodyPr wrap="none" rtlCol="0">
+              <a:spAutoFit/>
+            </a:bodyPr>
+            <a:lstStyle/>
+            <a:p>
+              <a:r>
+                <a:rPr lang="en-US" sz="1200" dirty="0" smtClean="0">
+                  <a:solidFill>
+                    <a:schemeClr val="bg1"/>
+                  </a:solidFill>
+                </a:rPr>
+                <a:t>Update Must Do List</a:t>
+              </a:r>
+              <a:endParaRPr lang="en-US" sz="1200" dirty="0">
+                <a:solidFill>
+                  <a:schemeClr val="bg1"/>
+                </a:solidFill>
+              </a:endParaRPr>
+            </a:p>
+          </p:txBody>
+        </p:sp>
+      </p:grpSp>
+      <p:cxnSp>
+        <p:nvCxnSpPr>
+          <p:cNvPr id="57" name="Elbow Connector 56"/>
+          <p:cNvCxnSpPr>
+            <a:stCxn id="42" idx="2"/>
+            <a:endCxn id="55" idx="1"/>
+          </p:cNvCxnSpPr>
+          <p:nvPr/>
+        </p:nvCxnSpPr>
+        <p:spPr>
+          <a:xfrm rot="16200000" flipH="1">
+            <a:off x="5479512" y="4754957"/>
+            <a:ext cx="612323" cy="475008"/>
+          </a:xfrm>
+          <a:prstGeom prst="bentConnector2">
+            <a:avLst/>
+          </a:prstGeom>
+          <a:ln>
+            <a:tailEnd type="arrow"/>
+          </a:ln>
+        </p:spPr>
+        <p:style>
+          <a:lnRef idx="1">
+            <a:schemeClr val="accent1"/>
+          </a:lnRef>
+          <a:fillRef idx="0">
+            <a:schemeClr val="accent1"/>
+          </a:fillRef>
+          <a:effectRef idx="0">
+            <a:schemeClr val="accent1"/>
+          </a:effectRef>
+          <a:fontRef idx="minor">
+            <a:schemeClr val="tx1"/>
+          </a:fontRef>
+        </p:style>
+      </p:cxnSp>
+      <p:cxnSp>
+        <p:nvCxnSpPr>
+          <p:cNvPr id="58" name="Elbow Connector 57"/>
+          <p:cNvCxnSpPr>
+            <a:stCxn id="37" idx="2"/>
+            <a:endCxn id="55" idx="3"/>
+          </p:cNvCxnSpPr>
+          <p:nvPr/>
+        </p:nvCxnSpPr>
+        <p:spPr>
+          <a:xfrm rot="5400000">
+            <a:off x="7343286" y="4277214"/>
+            <a:ext cx="1298123" cy="744694"/>
+          </a:xfrm>
+          <a:prstGeom prst="bentConnector2">
+            <a:avLst/>
+          </a:prstGeom>
+          <a:ln>
+            <a:tailEnd type="arrow"/>
+          </a:ln>
+        </p:spPr>
+        <p:style>
+          <a:lnRef idx="1">
+            <a:schemeClr val="accent1"/>
+          </a:lnRef>
+          <a:fillRef idx="0">
+            <a:schemeClr val="accent1"/>
+          </a:fillRef>
+          <a:effectRef idx="0">
+            <a:schemeClr val="accent1"/>
+          </a:effectRef>
+          <a:fontRef idx="minor">
+            <a:schemeClr val="tx1"/>
+          </a:fontRef>
+        </p:style>
+      </p:cxnSp>
+      <p:cxnSp>
+        <p:nvCxnSpPr>
+          <p:cNvPr id="59" name="Straight Arrow Connector 58"/>
+          <p:cNvCxnSpPr>
+            <a:stCxn id="55" idx="2"/>
+            <a:endCxn id="45" idx="0"/>
+          </p:cNvCxnSpPr>
+          <p:nvPr/>
+        </p:nvCxnSpPr>
+        <p:spPr>
+          <a:xfrm flipH="1">
+            <a:off x="6819900" y="5508173"/>
+            <a:ext cx="1689" cy="206827"/>
+          </a:xfrm>
+          <a:prstGeom prst="straightConnector1">
+            <a:avLst/>
+          </a:prstGeom>
+          <a:ln>
+            <a:tailEnd type="arrow"/>
+          </a:ln>
+        </p:spPr>
+        <p:style>
+          <a:lnRef idx="1">
+            <a:schemeClr val="accent1"/>
+          </a:lnRef>
+          <a:fillRef idx="0">
+            <a:schemeClr val="accent1"/>
+          </a:fillRef>
+          <a:effectRef idx="0">
+            <a:schemeClr val="accent1"/>
+          </a:effectRef>
+          <a:fontRef idx="minor">
+            <a:schemeClr val="tx1"/>
+          </a:fontRef>
+        </p:style>
+      </p:cxnSp>
+      <p:cxnSp>
+        <p:nvCxnSpPr>
+          <p:cNvPr id="60" name="Elbow Connector 59"/>
+          <p:cNvCxnSpPr>
+            <a:stCxn id="45" idx="2"/>
+            <a:endCxn id="26" idx="2"/>
+          </p:cNvCxnSpPr>
+          <p:nvPr/>
+        </p:nvCxnSpPr>
+        <p:spPr>
+          <a:xfrm rot="10800000" flipH="1">
+            <a:off x="6705600" y="876300"/>
+            <a:ext cx="116352" cy="4953000"/>
+          </a:xfrm>
+          <a:prstGeom prst="bentConnector3">
+            <a:avLst>
+              <a:gd name="adj1" fmla="val -1667928"/>
+            </a:avLst>
+          </a:prstGeom>
+          <a:ln>
+            <a:tailEnd type="arrow"/>
+          </a:ln>
+        </p:spPr>
+        <p:style>
+          <a:lnRef idx="1">
+            <a:schemeClr val="accent1"/>
+          </a:lnRef>
+          <a:fillRef idx="0">
+            <a:schemeClr val="accent1"/>
+          </a:fillRef>
+          <a:effectRef idx="0">
+            <a:schemeClr val="accent1"/>
+          </a:effectRef>
+          <a:fontRef idx="minor">
+            <a:schemeClr val="tx1"/>
+          </a:fontRef>
+        </p:style>
+      </p:cxnSp>
+      <p:sp>
+        <p:nvSpPr>
+          <p:cNvPr id="61" name="TextBox 60"/>
+          <p:cNvSpPr txBox="1"/>
+          <p:nvPr/>
+        </p:nvSpPr>
+        <p:spPr>
+          <a:xfrm>
+            <a:off x="313392" y="3109296"/>
+            <a:ext cx="386837" cy="276999"/>
+          </a:xfrm>
+          <a:prstGeom prst="rect">
+            <a:avLst/>
+          </a:prstGeom>
+          <a:noFill/>
+        </p:spPr>
+        <p:txBody>
+          <a:bodyPr wrap="none" rtlCol="0">
+            <a:spAutoFit/>
+          </a:bodyPr>
+          <a:lstStyle/>
+          <a:p>
+            <a:r>
+              <a:rPr lang="en-US" sz="1200" dirty="0" smtClean="0"/>
+              <a:t>Yes</a:t>
+            </a:r>
+            <a:endParaRPr lang="en-US" sz="1200" dirty="0"/>
+          </a:p>
+        </p:txBody>
+      </p:sp>
+      <p:sp>
+        <p:nvSpPr>
+          <p:cNvPr id="63" name="TextBox 62"/>
+          <p:cNvSpPr txBox="1"/>
+          <p:nvPr/>
+        </p:nvSpPr>
+        <p:spPr>
+          <a:xfrm>
+            <a:off x="818552" y="545068"/>
+            <a:ext cx="1722010" cy="369332"/>
+          </a:xfrm>
+          <a:prstGeom prst="rect">
+            <a:avLst/>
+          </a:prstGeom>
+          <a:noFill/>
+        </p:spPr>
+        <p:txBody>
+          <a:bodyPr wrap="none" rtlCol="0">
+            <a:spAutoFit/>
+          </a:bodyPr>
+          <a:lstStyle/>
+          <a:p>
+            <a:r>
+              <a:rPr lang="en-US" dirty="0" smtClean="0"/>
+              <a:t>Activity Diagram</a:t>
+            </a:r>
+            <a:endParaRPr lang="en-US" dirty="0"/>
+          </a:p>
+        </p:txBody>
+      </p:sp>
+      <p:sp>
+        <p:nvSpPr>
+          <p:cNvPr id="64" name="TextBox 63"/>
+          <p:cNvSpPr txBox="1"/>
+          <p:nvPr/>
+        </p:nvSpPr>
+        <p:spPr>
+          <a:xfrm>
+            <a:off x="3476311" y="3100811"/>
+            <a:ext cx="365806" cy="276999"/>
+          </a:xfrm>
+          <a:prstGeom prst="rect">
+            <a:avLst/>
+          </a:prstGeom>
+          <a:noFill/>
+        </p:spPr>
+        <p:txBody>
+          <a:bodyPr wrap="none" rtlCol="0">
+            <a:spAutoFit/>
+          </a:bodyPr>
+          <a:lstStyle/>
+          <a:p>
+            <a:r>
+              <a:rPr lang="en-US" sz="1200" dirty="0" smtClean="0"/>
+              <a:t>No</a:t>
+            </a:r>
+            <a:endParaRPr lang="en-US" sz="1200" dirty="0"/>
+          </a:p>
+        </p:txBody>
+      </p:sp>
+      <p:cxnSp>
+        <p:nvCxnSpPr>
+          <p:cNvPr id="65" name="Elbow Connector 64"/>
+          <p:cNvCxnSpPr>
+            <a:stCxn id="11" idx="2"/>
+            <a:endCxn id="19" idx="1"/>
+          </p:cNvCxnSpPr>
+          <p:nvPr/>
+        </p:nvCxnSpPr>
+        <p:spPr>
+          <a:xfrm rot="16200000" flipH="1">
+            <a:off x="839268" y="3861463"/>
+            <a:ext cx="476250" cy="754324"/>
+          </a:xfrm>
+          <a:prstGeom prst="bentConnector2">
+            <a:avLst/>
+          </a:prstGeom>
+          <a:ln>
+            <a:tailEnd type="arrow"/>
+          </a:ln>
+        </p:spPr>
+        <p:style>
+          <a:lnRef idx="1">
+            <a:schemeClr val="accent1"/>
+          </a:lnRef>
+          <a:fillRef idx="0">
+            <a:schemeClr val="accent1"/>
+          </a:fillRef>
+          <a:effectRef idx="0">
+            <a:schemeClr val="accent1"/>
+          </a:effectRef>
+          <a:fontRef idx="minor">
+            <a:schemeClr val="tx1"/>
+          </a:fontRef>
+        </p:style>
+      </p:cxnSp>
+      <p:cxnSp>
+        <p:nvCxnSpPr>
+          <p:cNvPr id="66" name="Straight Arrow Connector 65"/>
+          <p:cNvCxnSpPr>
+            <a:stCxn id="5" idx="2"/>
+            <a:endCxn id="8" idx="0"/>
+          </p:cNvCxnSpPr>
+          <p:nvPr/>
+        </p:nvCxnSpPr>
+        <p:spPr>
+          <a:xfrm flipH="1">
+            <a:off x="2085579" y="2286419"/>
+            <a:ext cx="193" cy="228181"/>
+          </a:xfrm>
+          <a:prstGeom prst="straightConnector1">
+            <a:avLst/>
+          </a:prstGeom>
+          <a:ln>
+            <a:tailEnd type="arrow"/>
+          </a:ln>
+        </p:spPr>
+        <p:style>
+          <a:lnRef idx="1">
+            <a:schemeClr val="accent1"/>
+          </a:lnRef>
+          <a:fillRef idx="0">
+            <a:schemeClr val="accent1"/>
+          </a:fillRef>
+          <a:effectRef idx="0">
+            <a:schemeClr val="accent1"/>
+          </a:effectRef>
+          <a:fontRef idx="minor">
+            <a:schemeClr val="tx1"/>
+          </a:fontRef>
+        </p:style>
+      </p:cxnSp>
+      <p:sp>
+        <p:nvSpPr>
+          <p:cNvPr id="67" name="TextBox 66"/>
+          <p:cNvSpPr txBox="1"/>
+          <p:nvPr/>
+        </p:nvSpPr>
+        <p:spPr>
+          <a:xfrm>
+            <a:off x="5161331" y="3138100"/>
+            <a:ext cx="386837" cy="276999"/>
+          </a:xfrm>
+          <a:prstGeom prst="rect">
+            <a:avLst/>
+          </a:prstGeom>
+          <a:noFill/>
+        </p:spPr>
+        <p:txBody>
+          <a:bodyPr wrap="none" rtlCol="0">
+            <a:spAutoFit/>
+          </a:bodyPr>
+          <a:lstStyle/>
+          <a:p>
+            <a:r>
+              <a:rPr lang="en-US" sz="1200" dirty="0" smtClean="0"/>
+              <a:t>Yes</a:t>
+            </a:r>
+            <a:endParaRPr lang="en-US" sz="1200" dirty="0"/>
+          </a:p>
+        </p:txBody>
+      </p:sp>
+      <p:sp>
+        <p:nvSpPr>
+          <p:cNvPr id="68" name="TextBox 67"/>
+          <p:cNvSpPr txBox="1"/>
+          <p:nvPr/>
+        </p:nvSpPr>
+        <p:spPr>
+          <a:xfrm>
+            <a:off x="8379766" y="3109295"/>
+            <a:ext cx="365806" cy="276999"/>
+          </a:xfrm>
+          <a:prstGeom prst="rect">
+            <a:avLst/>
+          </a:prstGeom>
+          <a:noFill/>
+        </p:spPr>
+        <p:txBody>
+          <a:bodyPr wrap="none" rtlCol="0">
+            <a:spAutoFit/>
+          </a:bodyPr>
+          <a:lstStyle/>
+          <a:p>
+            <a:r>
+              <a:rPr lang="en-US" sz="1200" dirty="0" smtClean="0"/>
+              <a:t>No</a:t>
+            </a:r>
+            <a:endParaRPr lang="en-US" sz="1200" dirty="0"/>
+          </a:p>
+        </p:txBody>
+      </p:sp>
+    </p:spTree>
+    <p:extLst>
+      <p:ext uri="{BB962C8B-B14F-4D97-AF65-F5344CB8AC3E}">
+        <p14:creationId xmlns:p14="http://schemas.microsoft.com/office/powerpoint/2010/main" val="466412221"/>
+      </p:ext>
+    </p:extLst>
+  </p:cSld>
+  <p:clrMapOvr>
+    <a:masterClrMapping/>
+  </p:clrMapOvr>
 </p:sld>
 </file>
 
@@ -27170,6 +29553,14 @@
               </a:rPr>
               <a:t>TaskScheduler</a:t>
             </a:r>
+            <a:r>
+              <a:rPr lang="en-US" sz="1050" dirty="0">
+                <a:solidFill>
+                  <a:schemeClr val="bg1"/>
+                </a:solidFill>
+              </a:rPr>
+              <a:t/>
+            </a:r>
             <a:br>
               <a:rPr lang="en-US" sz="1050" dirty="0">
                 <a:solidFill>
@@ -27758,6 +30149,16 @@
               </a:rPr>
               <a:t>XmlTaskScheduler</a:t>
             </a:r>
+            <a:r>
+              <a:rPr lang="en-US" sz="1050" b="1" dirty="0">
+                <a:solidFill>
+                  <a:schemeClr val="accent6">
+                    <a:lumMod val="75000"/>
+                  </a:schemeClr>
+                </a:solidFill>
+              </a:rPr>
+              <a:t/>
+            </a:r>
             <a:br>
               <a:rPr lang="en-US" sz="1050" b="1" dirty="0">
                 <a:solidFill>
@@ -28115,6 +30516,14 @@
               </a:rPr>
               <a:t>JsonUserPrefs</a:t>
             </a:r>
+            <a:r>
+              <a:rPr lang="en-US" sz="1050" dirty="0">
+                <a:solidFill>
+                  <a:schemeClr val="bg1"/>
+                </a:solidFill>
+              </a:rPr>
+              <a:t/>
+            </a:r>
             <a:br>
               <a:rPr lang="en-US" sz="1050" dirty="0">
                 <a:solidFill>
@@ -28183,6 +30592,16 @@
                 </a:solidFill>
               </a:rPr>
               <a:t>XmlSerializable</a:t>
+            </a:r>
+            <a:r>
+              <a:rPr lang="en-US" sz="1050" b="1" dirty="0">
+                <a:solidFill>
+                  <a:schemeClr val="accent6">
+                    <a:lumMod val="75000"/>
+                  </a:schemeClr>
+                </a:solidFill>
+              </a:rPr>
+              <a:t/>
             </a:r>
             <a:br>
               <a:rPr lang="en-US" sz="1050" b="1" dirty="0">

--- a/docs/diagrams/Diagrams.pptx
+++ b/docs/diagrams/Diagrams.pptx
@@ -5,7 +5,7 @@
     <p:sldMasterId id="2147483648" r:id="rId1"/>
   </p:sldMasterIdLst>
   <p:notesMasterIdLst>
-    <p:notesMasterId r:id="rId26"/>
+    <p:notesMasterId r:id="rId27"/>
   </p:notesMasterIdLst>
   <p:sldIdLst>
     <p:sldId id="256" r:id="rId2"/>
@@ -32,6 +32,7 @@
     <p:sldId id="276" r:id="rId23"/>
     <p:sldId id="275" r:id="rId24"/>
     <p:sldId id="284" r:id="rId25"/>
+    <p:sldId id="285" r:id="rId26"/>
   </p:sldIdLst>
   <p:sldSz cx="9144000" cy="6858000" type="screen4x3"/>
   <p:notesSz cx="6858000" cy="9144000"/>
@@ -132,7 +133,7 @@
   </p:defaultTextStyle>
   <p:extLst>
     <p:ext uri="{EFAFB233-063F-42B5-8137-9DF3F51BA10A}">
-      <p15:sldGuideLst xmlns:p15="http://schemas.microsoft.com/office/powerpoint/2012/main" xmlns="">
+      <p15:sldGuideLst xmlns="" xmlns:p15="http://schemas.microsoft.com/office/powerpoint/2012/main">
         <p15:guide id="1" orient="horz" pos="1488">
           <p15:clr>
             <a:srgbClr val="A4A3A4"/>
@@ -17082,11 +17083,11 @@
   <p:clrMapOvr>
     <a:masterClrMapping/>
   </p:clrMapOvr>
-  <mc:AlternateContent xmlns:mc="http://schemas.openxmlformats.org/markup-compatibility/2006">
-    <mc:Choice xmlns:p14="http://schemas.microsoft.com/office/powerpoint/2010/main" Requires="p14">
+  <mc:AlternateContent xmlns:mc="http://schemas.openxmlformats.org/markup-compatibility/2006" xmlns:p14="http://schemas.microsoft.com/office/powerpoint/2010/main">
+    <mc:Choice Requires="p14">
       <p:transition spd="slow" p14:dur="2000"/>
     </mc:Choice>
-    <mc:Fallback>
+    <mc:Fallback xmlns="">
       <p:transition spd="slow"/>
     </mc:Fallback>
   </mc:AlternateContent>
@@ -19446,6 +19447,2262 @@
     <p:extLst>
       <p:ext uri="{BB962C8B-B14F-4D97-AF65-F5344CB8AC3E}">
         <p14:creationId xmlns:p14="http://schemas.microsoft.com/office/powerpoint/2010/main" val="466412221"/>
+      </p:ext>
+    </p:extLst>
+  </p:cSld>
+  <p:clrMapOvr>
+    <a:masterClrMapping/>
+  </p:clrMapOvr>
+</p:sld>
+</file>
+
+<file path=ppt/slides/slide25.xml><?xml version="1.0" encoding="utf-8"?>
+<p:sld xmlns:a="http://schemas.openxmlformats.org/drawingml/2006/main" xmlns:r="http://schemas.openxmlformats.org/officeDocument/2006/relationships" xmlns:p="http://schemas.openxmlformats.org/presentationml/2006/main">
+  <p:cSld>
+    <p:spTree>
+      <p:nvGrpSpPr>
+        <p:cNvPr id="1" name=""/>
+        <p:cNvGrpSpPr/>
+        <p:nvPr/>
+      </p:nvGrpSpPr>
+      <p:grpSpPr>
+        <a:xfrm>
+          <a:off x="0" y="0"/>
+          <a:ext cx="0" cy="0"/>
+          <a:chOff x="0" y="0"/>
+          <a:chExt cx="0" cy="0"/>
+        </a:xfrm>
+      </p:grpSpPr>
+      <p:sp>
+        <p:nvSpPr>
+          <p:cNvPr id="2" name="Rectangle 1"/>
+          <p:cNvSpPr/>
+          <p:nvPr/>
+        </p:nvSpPr>
+        <p:spPr>
+          <a:xfrm>
+            <a:off x="208229" y="3131288"/>
+            <a:ext cx="1594884" cy="595424"/>
+          </a:xfrm>
+          <a:prstGeom prst="rect">
+            <a:avLst/>
+          </a:prstGeom>
+        </p:spPr>
+        <p:style>
+          <a:lnRef idx="2">
+            <a:schemeClr val="accent1">
+              <a:shade val="50000"/>
+            </a:schemeClr>
+          </a:lnRef>
+          <a:fillRef idx="1">
+            <a:schemeClr val="accent1"/>
+          </a:fillRef>
+          <a:effectRef idx="0">
+            <a:schemeClr val="accent1"/>
+          </a:effectRef>
+          <a:fontRef idx="minor">
+            <a:schemeClr val="lt1"/>
+          </a:fontRef>
+        </p:style>
+        <p:txBody>
+          <a:bodyPr rtlCol="0" anchor="ctr"/>
+          <a:lstStyle>
+            <a:defPPr>
+              <a:defRPr lang="en-US"/>
+            </a:defPPr>
+            <a:lvl1pPr marL="0" algn="l" defTabSz="914400" rtl="0" eaLnBrk="1" latinLnBrk="0" hangingPunct="1">
+              <a:defRPr sz="1800" kern="1200">
+                <a:solidFill>
+                  <a:schemeClr val="lt1"/>
+                </a:solidFill>
+                <a:latin typeface="+mn-lt"/>
+                <a:ea typeface="+mn-ea"/>
+                <a:cs typeface="+mn-cs"/>
+              </a:defRPr>
+            </a:lvl1pPr>
+            <a:lvl2pPr marL="457200" algn="l" defTabSz="914400" rtl="0" eaLnBrk="1" latinLnBrk="0" hangingPunct="1">
+              <a:defRPr sz="1800" kern="1200">
+                <a:solidFill>
+                  <a:schemeClr val="lt1"/>
+                </a:solidFill>
+                <a:latin typeface="+mn-lt"/>
+                <a:ea typeface="+mn-ea"/>
+                <a:cs typeface="+mn-cs"/>
+              </a:defRPr>
+            </a:lvl2pPr>
+            <a:lvl3pPr marL="914400" algn="l" defTabSz="914400" rtl="0" eaLnBrk="1" latinLnBrk="0" hangingPunct="1">
+              <a:defRPr sz="1800" kern="1200">
+                <a:solidFill>
+                  <a:schemeClr val="lt1"/>
+                </a:solidFill>
+                <a:latin typeface="+mn-lt"/>
+                <a:ea typeface="+mn-ea"/>
+                <a:cs typeface="+mn-cs"/>
+              </a:defRPr>
+            </a:lvl3pPr>
+            <a:lvl4pPr marL="1371600" algn="l" defTabSz="914400" rtl="0" eaLnBrk="1" latinLnBrk="0" hangingPunct="1">
+              <a:defRPr sz="1800" kern="1200">
+                <a:solidFill>
+                  <a:schemeClr val="lt1"/>
+                </a:solidFill>
+                <a:latin typeface="+mn-lt"/>
+                <a:ea typeface="+mn-ea"/>
+                <a:cs typeface="+mn-cs"/>
+              </a:defRPr>
+            </a:lvl4pPr>
+            <a:lvl5pPr marL="1828800" algn="l" defTabSz="914400" rtl="0" eaLnBrk="1" latinLnBrk="0" hangingPunct="1">
+              <a:defRPr sz="1800" kern="1200">
+                <a:solidFill>
+                  <a:schemeClr val="lt1"/>
+                </a:solidFill>
+                <a:latin typeface="+mn-lt"/>
+                <a:ea typeface="+mn-ea"/>
+                <a:cs typeface="+mn-cs"/>
+              </a:defRPr>
+            </a:lvl5pPr>
+            <a:lvl6pPr marL="2286000" algn="l" defTabSz="914400" rtl="0" eaLnBrk="1" latinLnBrk="0" hangingPunct="1">
+              <a:defRPr sz="1800" kern="1200">
+                <a:solidFill>
+                  <a:schemeClr val="lt1"/>
+                </a:solidFill>
+                <a:latin typeface="+mn-lt"/>
+                <a:ea typeface="+mn-ea"/>
+                <a:cs typeface="+mn-cs"/>
+              </a:defRPr>
+            </a:lvl6pPr>
+            <a:lvl7pPr marL="2743200" algn="l" defTabSz="914400" rtl="0" eaLnBrk="1" latinLnBrk="0" hangingPunct="1">
+              <a:defRPr sz="1800" kern="1200">
+                <a:solidFill>
+                  <a:schemeClr val="lt1"/>
+                </a:solidFill>
+                <a:latin typeface="+mn-lt"/>
+                <a:ea typeface="+mn-ea"/>
+                <a:cs typeface="+mn-cs"/>
+              </a:defRPr>
+            </a:lvl7pPr>
+            <a:lvl8pPr marL="3200400" algn="l" defTabSz="914400" rtl="0" eaLnBrk="1" latinLnBrk="0" hangingPunct="1">
+              <a:defRPr sz="1800" kern="1200">
+                <a:solidFill>
+                  <a:schemeClr val="lt1"/>
+                </a:solidFill>
+                <a:latin typeface="+mn-lt"/>
+                <a:ea typeface="+mn-ea"/>
+                <a:cs typeface="+mn-cs"/>
+              </a:defRPr>
+            </a:lvl8pPr>
+            <a:lvl9pPr marL="3657600" algn="l" defTabSz="914400" rtl="0" eaLnBrk="1" latinLnBrk="0" hangingPunct="1">
+              <a:defRPr sz="1800" kern="1200">
+                <a:solidFill>
+                  <a:schemeClr val="lt1"/>
+                </a:solidFill>
+                <a:latin typeface="+mn-lt"/>
+                <a:ea typeface="+mn-ea"/>
+                <a:cs typeface="+mn-cs"/>
+              </a:defRPr>
+            </a:lvl9pPr>
+          </a:lstStyle>
+          <a:p>
+            <a:pPr algn="ctr"/>
+            <a:r>
+              <a:rPr lang="en-SG" dirty="0"/>
+              <a:t>User</a:t>
+            </a:r>
+          </a:p>
+        </p:txBody>
+      </p:sp>
+      <p:sp>
+        <p:nvSpPr>
+          <p:cNvPr id="3" name="Rectangle 2"/>
+          <p:cNvSpPr/>
+          <p:nvPr/>
+        </p:nvSpPr>
+        <p:spPr>
+          <a:xfrm>
+            <a:off x="2213158" y="3131288"/>
+            <a:ext cx="1761012" cy="595424"/>
+          </a:xfrm>
+          <a:prstGeom prst="rect">
+            <a:avLst/>
+          </a:prstGeom>
+          <a:solidFill>
+            <a:srgbClr val="5B9BD5"/>
+          </a:solidFill>
+        </p:spPr>
+        <p:style>
+          <a:lnRef idx="2">
+            <a:schemeClr val="accent1">
+              <a:shade val="50000"/>
+            </a:schemeClr>
+          </a:lnRef>
+          <a:fillRef idx="1">
+            <a:schemeClr val="accent1"/>
+          </a:fillRef>
+          <a:effectRef idx="0">
+            <a:schemeClr val="accent1"/>
+          </a:effectRef>
+          <a:fontRef idx="minor">
+            <a:schemeClr val="lt1"/>
+          </a:fontRef>
+        </p:style>
+        <p:txBody>
+          <a:bodyPr rtlCol="0" anchor="ctr"/>
+          <a:lstStyle>
+            <a:defPPr>
+              <a:defRPr lang="en-US"/>
+            </a:defPPr>
+            <a:lvl1pPr marL="0" algn="l" defTabSz="914400" rtl="0" eaLnBrk="1" latinLnBrk="0" hangingPunct="1">
+              <a:defRPr sz="1800" kern="1200">
+                <a:solidFill>
+                  <a:schemeClr val="lt1"/>
+                </a:solidFill>
+                <a:latin typeface="+mn-lt"/>
+                <a:ea typeface="+mn-ea"/>
+                <a:cs typeface="+mn-cs"/>
+              </a:defRPr>
+            </a:lvl1pPr>
+            <a:lvl2pPr marL="457200" algn="l" defTabSz="914400" rtl="0" eaLnBrk="1" latinLnBrk="0" hangingPunct="1">
+              <a:defRPr sz="1800" kern="1200">
+                <a:solidFill>
+                  <a:schemeClr val="lt1"/>
+                </a:solidFill>
+                <a:latin typeface="+mn-lt"/>
+                <a:ea typeface="+mn-ea"/>
+                <a:cs typeface="+mn-cs"/>
+              </a:defRPr>
+            </a:lvl2pPr>
+            <a:lvl3pPr marL="914400" algn="l" defTabSz="914400" rtl="0" eaLnBrk="1" latinLnBrk="0" hangingPunct="1">
+              <a:defRPr sz="1800" kern="1200">
+                <a:solidFill>
+                  <a:schemeClr val="lt1"/>
+                </a:solidFill>
+                <a:latin typeface="+mn-lt"/>
+                <a:ea typeface="+mn-ea"/>
+                <a:cs typeface="+mn-cs"/>
+              </a:defRPr>
+            </a:lvl3pPr>
+            <a:lvl4pPr marL="1371600" algn="l" defTabSz="914400" rtl="0" eaLnBrk="1" latinLnBrk="0" hangingPunct="1">
+              <a:defRPr sz="1800" kern="1200">
+                <a:solidFill>
+                  <a:schemeClr val="lt1"/>
+                </a:solidFill>
+                <a:latin typeface="+mn-lt"/>
+                <a:ea typeface="+mn-ea"/>
+                <a:cs typeface="+mn-cs"/>
+              </a:defRPr>
+            </a:lvl4pPr>
+            <a:lvl5pPr marL="1828800" algn="l" defTabSz="914400" rtl="0" eaLnBrk="1" latinLnBrk="0" hangingPunct="1">
+              <a:defRPr sz="1800" kern="1200">
+                <a:solidFill>
+                  <a:schemeClr val="lt1"/>
+                </a:solidFill>
+                <a:latin typeface="+mn-lt"/>
+                <a:ea typeface="+mn-ea"/>
+                <a:cs typeface="+mn-cs"/>
+              </a:defRPr>
+            </a:lvl5pPr>
+            <a:lvl6pPr marL="2286000" algn="l" defTabSz="914400" rtl="0" eaLnBrk="1" latinLnBrk="0" hangingPunct="1">
+              <a:defRPr sz="1800" kern="1200">
+                <a:solidFill>
+                  <a:schemeClr val="lt1"/>
+                </a:solidFill>
+                <a:latin typeface="+mn-lt"/>
+                <a:ea typeface="+mn-ea"/>
+                <a:cs typeface="+mn-cs"/>
+              </a:defRPr>
+            </a:lvl6pPr>
+            <a:lvl7pPr marL="2743200" algn="l" defTabSz="914400" rtl="0" eaLnBrk="1" latinLnBrk="0" hangingPunct="1">
+              <a:defRPr sz="1800" kern="1200">
+                <a:solidFill>
+                  <a:schemeClr val="lt1"/>
+                </a:solidFill>
+                <a:latin typeface="+mn-lt"/>
+                <a:ea typeface="+mn-ea"/>
+                <a:cs typeface="+mn-cs"/>
+              </a:defRPr>
+            </a:lvl7pPr>
+            <a:lvl8pPr marL="3200400" algn="l" defTabSz="914400" rtl="0" eaLnBrk="1" latinLnBrk="0" hangingPunct="1">
+              <a:defRPr sz="1800" kern="1200">
+                <a:solidFill>
+                  <a:schemeClr val="lt1"/>
+                </a:solidFill>
+                <a:latin typeface="+mn-lt"/>
+                <a:ea typeface="+mn-ea"/>
+                <a:cs typeface="+mn-cs"/>
+              </a:defRPr>
+            </a:lvl8pPr>
+            <a:lvl9pPr marL="3657600" algn="l" defTabSz="914400" rtl="0" eaLnBrk="1" latinLnBrk="0" hangingPunct="1">
+              <a:defRPr sz="1800" kern="1200">
+                <a:solidFill>
+                  <a:schemeClr val="lt1"/>
+                </a:solidFill>
+                <a:latin typeface="+mn-lt"/>
+                <a:ea typeface="+mn-ea"/>
+                <a:cs typeface="+mn-cs"/>
+              </a:defRPr>
+            </a:lvl9pPr>
+          </a:lstStyle>
+          <a:p>
+            <a:pPr algn="ctr"/>
+            <a:r>
+              <a:rPr lang="en-SG" dirty="0"/>
+              <a:t>Task</a:t>
+            </a:r>
+          </a:p>
+        </p:txBody>
+      </p:sp>
+      <p:sp>
+        <p:nvSpPr>
+          <p:cNvPr id="4" name="Rectangle 3"/>
+          <p:cNvSpPr/>
+          <p:nvPr/>
+        </p:nvSpPr>
+        <p:spPr>
+          <a:xfrm>
+            <a:off x="4459728" y="1781028"/>
+            <a:ext cx="1594884" cy="595424"/>
+          </a:xfrm>
+          <a:prstGeom prst="rect">
+            <a:avLst/>
+          </a:prstGeom>
+          <a:solidFill>
+            <a:srgbClr val="FF00FF"/>
+          </a:solidFill>
+        </p:spPr>
+        <p:style>
+          <a:lnRef idx="2">
+            <a:schemeClr val="accent1">
+              <a:shade val="50000"/>
+            </a:schemeClr>
+          </a:lnRef>
+          <a:fillRef idx="1">
+            <a:schemeClr val="accent1"/>
+          </a:fillRef>
+          <a:effectRef idx="0">
+            <a:schemeClr val="accent1"/>
+          </a:effectRef>
+          <a:fontRef idx="minor">
+            <a:schemeClr val="lt1"/>
+          </a:fontRef>
+        </p:style>
+        <p:txBody>
+          <a:bodyPr rtlCol="0" anchor="ctr"/>
+          <a:lstStyle>
+            <a:defPPr>
+              <a:defRPr lang="en-US"/>
+            </a:defPPr>
+            <a:lvl1pPr marL="0" algn="l" defTabSz="914400" rtl="0" eaLnBrk="1" latinLnBrk="0" hangingPunct="1">
+              <a:defRPr sz="1800" kern="1200">
+                <a:solidFill>
+                  <a:schemeClr val="lt1"/>
+                </a:solidFill>
+                <a:latin typeface="+mn-lt"/>
+                <a:ea typeface="+mn-ea"/>
+                <a:cs typeface="+mn-cs"/>
+              </a:defRPr>
+            </a:lvl1pPr>
+            <a:lvl2pPr marL="457200" algn="l" defTabSz="914400" rtl="0" eaLnBrk="1" latinLnBrk="0" hangingPunct="1">
+              <a:defRPr sz="1800" kern="1200">
+                <a:solidFill>
+                  <a:schemeClr val="lt1"/>
+                </a:solidFill>
+                <a:latin typeface="+mn-lt"/>
+                <a:ea typeface="+mn-ea"/>
+                <a:cs typeface="+mn-cs"/>
+              </a:defRPr>
+            </a:lvl2pPr>
+            <a:lvl3pPr marL="914400" algn="l" defTabSz="914400" rtl="0" eaLnBrk="1" latinLnBrk="0" hangingPunct="1">
+              <a:defRPr sz="1800" kern="1200">
+                <a:solidFill>
+                  <a:schemeClr val="lt1"/>
+                </a:solidFill>
+                <a:latin typeface="+mn-lt"/>
+                <a:ea typeface="+mn-ea"/>
+                <a:cs typeface="+mn-cs"/>
+              </a:defRPr>
+            </a:lvl3pPr>
+            <a:lvl4pPr marL="1371600" algn="l" defTabSz="914400" rtl="0" eaLnBrk="1" latinLnBrk="0" hangingPunct="1">
+              <a:defRPr sz="1800" kern="1200">
+                <a:solidFill>
+                  <a:schemeClr val="lt1"/>
+                </a:solidFill>
+                <a:latin typeface="+mn-lt"/>
+                <a:ea typeface="+mn-ea"/>
+                <a:cs typeface="+mn-cs"/>
+              </a:defRPr>
+            </a:lvl4pPr>
+            <a:lvl5pPr marL="1828800" algn="l" defTabSz="914400" rtl="0" eaLnBrk="1" latinLnBrk="0" hangingPunct="1">
+              <a:defRPr sz="1800" kern="1200">
+                <a:solidFill>
+                  <a:schemeClr val="lt1"/>
+                </a:solidFill>
+                <a:latin typeface="+mn-lt"/>
+                <a:ea typeface="+mn-ea"/>
+                <a:cs typeface="+mn-cs"/>
+              </a:defRPr>
+            </a:lvl5pPr>
+            <a:lvl6pPr marL="2286000" algn="l" defTabSz="914400" rtl="0" eaLnBrk="1" latinLnBrk="0" hangingPunct="1">
+              <a:defRPr sz="1800" kern="1200">
+                <a:solidFill>
+                  <a:schemeClr val="lt1"/>
+                </a:solidFill>
+                <a:latin typeface="+mn-lt"/>
+                <a:ea typeface="+mn-ea"/>
+                <a:cs typeface="+mn-cs"/>
+              </a:defRPr>
+            </a:lvl6pPr>
+            <a:lvl7pPr marL="2743200" algn="l" defTabSz="914400" rtl="0" eaLnBrk="1" latinLnBrk="0" hangingPunct="1">
+              <a:defRPr sz="1800" kern="1200">
+                <a:solidFill>
+                  <a:schemeClr val="lt1"/>
+                </a:solidFill>
+                <a:latin typeface="+mn-lt"/>
+                <a:ea typeface="+mn-ea"/>
+                <a:cs typeface="+mn-cs"/>
+              </a:defRPr>
+            </a:lvl7pPr>
+            <a:lvl8pPr marL="3200400" algn="l" defTabSz="914400" rtl="0" eaLnBrk="1" latinLnBrk="0" hangingPunct="1">
+              <a:defRPr sz="1800" kern="1200">
+                <a:solidFill>
+                  <a:schemeClr val="lt1"/>
+                </a:solidFill>
+                <a:latin typeface="+mn-lt"/>
+                <a:ea typeface="+mn-ea"/>
+                <a:cs typeface="+mn-cs"/>
+              </a:defRPr>
+            </a:lvl8pPr>
+            <a:lvl9pPr marL="3657600" algn="l" defTabSz="914400" rtl="0" eaLnBrk="1" latinLnBrk="0" hangingPunct="1">
+              <a:defRPr sz="1800" kern="1200">
+                <a:solidFill>
+                  <a:schemeClr val="lt1"/>
+                </a:solidFill>
+                <a:latin typeface="+mn-lt"/>
+                <a:ea typeface="+mn-ea"/>
+                <a:cs typeface="+mn-cs"/>
+              </a:defRPr>
+            </a:lvl9pPr>
+          </a:lstStyle>
+          <a:p>
+            <a:pPr algn="ctr"/>
+            <a:r>
+              <a:rPr lang="en-SG" dirty="0"/>
+              <a:t>Floating</a:t>
+            </a:r>
+          </a:p>
+          <a:p>
+            <a:pPr algn="ctr"/>
+            <a:r>
+              <a:rPr lang="en-SG" dirty="0"/>
+              <a:t>Task</a:t>
+            </a:r>
+          </a:p>
+        </p:txBody>
+      </p:sp>
+      <p:sp>
+        <p:nvSpPr>
+          <p:cNvPr id="5" name="Rectangle 4"/>
+          <p:cNvSpPr/>
+          <p:nvPr/>
+        </p:nvSpPr>
+        <p:spPr>
+          <a:xfrm>
+            <a:off x="4452713" y="3131288"/>
+            <a:ext cx="1594884" cy="595424"/>
+          </a:xfrm>
+          <a:prstGeom prst="rect">
+            <a:avLst/>
+          </a:prstGeom>
+          <a:solidFill>
+            <a:srgbClr val="FF0000"/>
+          </a:solidFill>
+        </p:spPr>
+        <p:style>
+          <a:lnRef idx="2">
+            <a:schemeClr val="accent1">
+              <a:shade val="50000"/>
+            </a:schemeClr>
+          </a:lnRef>
+          <a:fillRef idx="1">
+            <a:schemeClr val="accent1"/>
+          </a:fillRef>
+          <a:effectRef idx="0">
+            <a:schemeClr val="accent1"/>
+          </a:effectRef>
+          <a:fontRef idx="minor">
+            <a:schemeClr val="lt1"/>
+          </a:fontRef>
+        </p:style>
+        <p:txBody>
+          <a:bodyPr rtlCol="0" anchor="ctr"/>
+          <a:lstStyle>
+            <a:defPPr>
+              <a:defRPr lang="en-US"/>
+            </a:defPPr>
+            <a:lvl1pPr marL="0" algn="l" defTabSz="914400" rtl="0" eaLnBrk="1" latinLnBrk="0" hangingPunct="1">
+              <a:defRPr sz="1800" kern="1200">
+                <a:solidFill>
+                  <a:schemeClr val="lt1"/>
+                </a:solidFill>
+                <a:latin typeface="+mn-lt"/>
+                <a:ea typeface="+mn-ea"/>
+                <a:cs typeface="+mn-cs"/>
+              </a:defRPr>
+            </a:lvl1pPr>
+            <a:lvl2pPr marL="457200" algn="l" defTabSz="914400" rtl="0" eaLnBrk="1" latinLnBrk="0" hangingPunct="1">
+              <a:defRPr sz="1800" kern="1200">
+                <a:solidFill>
+                  <a:schemeClr val="lt1"/>
+                </a:solidFill>
+                <a:latin typeface="+mn-lt"/>
+                <a:ea typeface="+mn-ea"/>
+                <a:cs typeface="+mn-cs"/>
+              </a:defRPr>
+            </a:lvl2pPr>
+            <a:lvl3pPr marL="914400" algn="l" defTabSz="914400" rtl="0" eaLnBrk="1" latinLnBrk="0" hangingPunct="1">
+              <a:defRPr sz="1800" kern="1200">
+                <a:solidFill>
+                  <a:schemeClr val="lt1"/>
+                </a:solidFill>
+                <a:latin typeface="+mn-lt"/>
+                <a:ea typeface="+mn-ea"/>
+                <a:cs typeface="+mn-cs"/>
+              </a:defRPr>
+            </a:lvl3pPr>
+            <a:lvl4pPr marL="1371600" algn="l" defTabSz="914400" rtl="0" eaLnBrk="1" latinLnBrk="0" hangingPunct="1">
+              <a:defRPr sz="1800" kern="1200">
+                <a:solidFill>
+                  <a:schemeClr val="lt1"/>
+                </a:solidFill>
+                <a:latin typeface="+mn-lt"/>
+                <a:ea typeface="+mn-ea"/>
+                <a:cs typeface="+mn-cs"/>
+              </a:defRPr>
+            </a:lvl4pPr>
+            <a:lvl5pPr marL="1828800" algn="l" defTabSz="914400" rtl="0" eaLnBrk="1" latinLnBrk="0" hangingPunct="1">
+              <a:defRPr sz="1800" kern="1200">
+                <a:solidFill>
+                  <a:schemeClr val="lt1"/>
+                </a:solidFill>
+                <a:latin typeface="+mn-lt"/>
+                <a:ea typeface="+mn-ea"/>
+                <a:cs typeface="+mn-cs"/>
+              </a:defRPr>
+            </a:lvl5pPr>
+            <a:lvl6pPr marL="2286000" algn="l" defTabSz="914400" rtl="0" eaLnBrk="1" latinLnBrk="0" hangingPunct="1">
+              <a:defRPr sz="1800" kern="1200">
+                <a:solidFill>
+                  <a:schemeClr val="lt1"/>
+                </a:solidFill>
+                <a:latin typeface="+mn-lt"/>
+                <a:ea typeface="+mn-ea"/>
+                <a:cs typeface="+mn-cs"/>
+              </a:defRPr>
+            </a:lvl6pPr>
+            <a:lvl7pPr marL="2743200" algn="l" defTabSz="914400" rtl="0" eaLnBrk="1" latinLnBrk="0" hangingPunct="1">
+              <a:defRPr sz="1800" kern="1200">
+                <a:solidFill>
+                  <a:schemeClr val="lt1"/>
+                </a:solidFill>
+                <a:latin typeface="+mn-lt"/>
+                <a:ea typeface="+mn-ea"/>
+                <a:cs typeface="+mn-cs"/>
+              </a:defRPr>
+            </a:lvl7pPr>
+            <a:lvl8pPr marL="3200400" algn="l" defTabSz="914400" rtl="0" eaLnBrk="1" latinLnBrk="0" hangingPunct="1">
+              <a:defRPr sz="1800" kern="1200">
+                <a:solidFill>
+                  <a:schemeClr val="lt1"/>
+                </a:solidFill>
+                <a:latin typeface="+mn-lt"/>
+                <a:ea typeface="+mn-ea"/>
+                <a:cs typeface="+mn-cs"/>
+              </a:defRPr>
+            </a:lvl8pPr>
+            <a:lvl9pPr marL="3657600" algn="l" defTabSz="914400" rtl="0" eaLnBrk="1" latinLnBrk="0" hangingPunct="1">
+              <a:defRPr sz="1800" kern="1200">
+                <a:solidFill>
+                  <a:schemeClr val="lt1"/>
+                </a:solidFill>
+                <a:latin typeface="+mn-lt"/>
+                <a:ea typeface="+mn-ea"/>
+                <a:cs typeface="+mn-cs"/>
+              </a:defRPr>
+            </a:lvl9pPr>
+          </a:lstStyle>
+          <a:p>
+            <a:pPr algn="ctr"/>
+            <a:r>
+              <a:rPr lang="en-SG" dirty="0"/>
+              <a:t>Deadline</a:t>
+            </a:r>
+          </a:p>
+          <a:p>
+            <a:pPr algn="ctr"/>
+            <a:r>
+              <a:rPr lang="en-SG" dirty="0"/>
+              <a:t>Task</a:t>
+            </a:r>
+          </a:p>
+        </p:txBody>
+      </p:sp>
+      <p:sp>
+        <p:nvSpPr>
+          <p:cNvPr id="6" name="Rectangle 5"/>
+          <p:cNvSpPr/>
+          <p:nvPr/>
+        </p:nvSpPr>
+        <p:spPr>
+          <a:xfrm>
+            <a:off x="4459728" y="4481548"/>
+            <a:ext cx="1594884" cy="595424"/>
+          </a:xfrm>
+          <a:prstGeom prst="rect">
+            <a:avLst/>
+          </a:prstGeom>
+          <a:solidFill>
+            <a:srgbClr val="FA6906"/>
+          </a:solidFill>
+        </p:spPr>
+        <p:style>
+          <a:lnRef idx="2">
+            <a:schemeClr val="accent1">
+              <a:shade val="50000"/>
+            </a:schemeClr>
+          </a:lnRef>
+          <a:fillRef idx="1">
+            <a:schemeClr val="accent1"/>
+          </a:fillRef>
+          <a:effectRef idx="0">
+            <a:schemeClr val="accent1"/>
+          </a:effectRef>
+          <a:fontRef idx="minor">
+            <a:schemeClr val="lt1"/>
+          </a:fontRef>
+        </p:style>
+        <p:txBody>
+          <a:bodyPr rtlCol="0" anchor="ctr"/>
+          <a:lstStyle>
+            <a:defPPr>
+              <a:defRPr lang="en-US"/>
+            </a:defPPr>
+            <a:lvl1pPr marL="0" algn="l" defTabSz="914400" rtl="0" eaLnBrk="1" latinLnBrk="0" hangingPunct="1">
+              <a:defRPr sz="1800" kern="1200">
+                <a:solidFill>
+                  <a:schemeClr val="lt1"/>
+                </a:solidFill>
+                <a:latin typeface="+mn-lt"/>
+                <a:ea typeface="+mn-ea"/>
+                <a:cs typeface="+mn-cs"/>
+              </a:defRPr>
+            </a:lvl1pPr>
+            <a:lvl2pPr marL="457200" algn="l" defTabSz="914400" rtl="0" eaLnBrk="1" latinLnBrk="0" hangingPunct="1">
+              <a:defRPr sz="1800" kern="1200">
+                <a:solidFill>
+                  <a:schemeClr val="lt1"/>
+                </a:solidFill>
+                <a:latin typeface="+mn-lt"/>
+                <a:ea typeface="+mn-ea"/>
+                <a:cs typeface="+mn-cs"/>
+              </a:defRPr>
+            </a:lvl2pPr>
+            <a:lvl3pPr marL="914400" algn="l" defTabSz="914400" rtl="0" eaLnBrk="1" latinLnBrk="0" hangingPunct="1">
+              <a:defRPr sz="1800" kern="1200">
+                <a:solidFill>
+                  <a:schemeClr val="lt1"/>
+                </a:solidFill>
+                <a:latin typeface="+mn-lt"/>
+                <a:ea typeface="+mn-ea"/>
+                <a:cs typeface="+mn-cs"/>
+              </a:defRPr>
+            </a:lvl3pPr>
+            <a:lvl4pPr marL="1371600" algn="l" defTabSz="914400" rtl="0" eaLnBrk="1" latinLnBrk="0" hangingPunct="1">
+              <a:defRPr sz="1800" kern="1200">
+                <a:solidFill>
+                  <a:schemeClr val="lt1"/>
+                </a:solidFill>
+                <a:latin typeface="+mn-lt"/>
+                <a:ea typeface="+mn-ea"/>
+                <a:cs typeface="+mn-cs"/>
+              </a:defRPr>
+            </a:lvl4pPr>
+            <a:lvl5pPr marL="1828800" algn="l" defTabSz="914400" rtl="0" eaLnBrk="1" latinLnBrk="0" hangingPunct="1">
+              <a:defRPr sz="1800" kern="1200">
+                <a:solidFill>
+                  <a:schemeClr val="lt1"/>
+                </a:solidFill>
+                <a:latin typeface="+mn-lt"/>
+                <a:ea typeface="+mn-ea"/>
+                <a:cs typeface="+mn-cs"/>
+              </a:defRPr>
+            </a:lvl5pPr>
+            <a:lvl6pPr marL="2286000" algn="l" defTabSz="914400" rtl="0" eaLnBrk="1" latinLnBrk="0" hangingPunct="1">
+              <a:defRPr sz="1800" kern="1200">
+                <a:solidFill>
+                  <a:schemeClr val="lt1"/>
+                </a:solidFill>
+                <a:latin typeface="+mn-lt"/>
+                <a:ea typeface="+mn-ea"/>
+                <a:cs typeface="+mn-cs"/>
+              </a:defRPr>
+            </a:lvl6pPr>
+            <a:lvl7pPr marL="2743200" algn="l" defTabSz="914400" rtl="0" eaLnBrk="1" latinLnBrk="0" hangingPunct="1">
+              <a:defRPr sz="1800" kern="1200">
+                <a:solidFill>
+                  <a:schemeClr val="lt1"/>
+                </a:solidFill>
+                <a:latin typeface="+mn-lt"/>
+                <a:ea typeface="+mn-ea"/>
+                <a:cs typeface="+mn-cs"/>
+              </a:defRPr>
+            </a:lvl7pPr>
+            <a:lvl8pPr marL="3200400" algn="l" defTabSz="914400" rtl="0" eaLnBrk="1" latinLnBrk="0" hangingPunct="1">
+              <a:defRPr sz="1800" kern="1200">
+                <a:solidFill>
+                  <a:schemeClr val="lt1"/>
+                </a:solidFill>
+                <a:latin typeface="+mn-lt"/>
+                <a:ea typeface="+mn-ea"/>
+                <a:cs typeface="+mn-cs"/>
+              </a:defRPr>
+            </a:lvl8pPr>
+            <a:lvl9pPr marL="3657600" algn="l" defTabSz="914400" rtl="0" eaLnBrk="1" latinLnBrk="0" hangingPunct="1">
+              <a:defRPr sz="1800" kern="1200">
+                <a:solidFill>
+                  <a:schemeClr val="lt1"/>
+                </a:solidFill>
+                <a:latin typeface="+mn-lt"/>
+                <a:ea typeface="+mn-ea"/>
+                <a:cs typeface="+mn-cs"/>
+              </a:defRPr>
+            </a:lvl9pPr>
+          </a:lstStyle>
+          <a:p>
+            <a:pPr algn="ctr"/>
+            <a:r>
+              <a:rPr lang="en-SG" dirty="0"/>
+              <a:t>Event</a:t>
+            </a:r>
+          </a:p>
+        </p:txBody>
+      </p:sp>
+      <p:sp>
+        <p:nvSpPr>
+          <p:cNvPr id="7" name="TextBox 147"/>
+          <p:cNvSpPr txBox="1"/>
+          <p:nvPr/>
+        </p:nvSpPr>
+        <p:spPr>
+          <a:xfrm>
+            <a:off x="1974040" y="3175562"/>
+            <a:ext cx="260350" cy="369332"/>
+          </a:xfrm>
+          <a:prstGeom prst="rect">
+            <a:avLst/>
+          </a:prstGeom>
+          <a:noFill/>
+        </p:spPr>
+        <p:txBody>
+          <a:bodyPr wrap="square" rtlCol="0">
+            <a:spAutoFit/>
+          </a:bodyPr>
+          <a:lstStyle>
+            <a:defPPr>
+              <a:defRPr lang="en-US"/>
+            </a:defPPr>
+            <a:lvl1pPr marL="0" algn="l" defTabSz="914400" rtl="0" eaLnBrk="1" latinLnBrk="0" hangingPunct="1">
+              <a:defRPr sz="1800" kern="1200">
+                <a:solidFill>
+                  <a:schemeClr val="tx1"/>
+                </a:solidFill>
+                <a:latin typeface="+mn-lt"/>
+                <a:ea typeface="+mn-ea"/>
+                <a:cs typeface="+mn-cs"/>
+              </a:defRPr>
+            </a:lvl1pPr>
+            <a:lvl2pPr marL="457200" algn="l" defTabSz="914400" rtl="0" eaLnBrk="1" latinLnBrk="0" hangingPunct="1">
+              <a:defRPr sz="1800" kern="1200">
+                <a:solidFill>
+                  <a:schemeClr val="tx1"/>
+                </a:solidFill>
+                <a:latin typeface="+mn-lt"/>
+                <a:ea typeface="+mn-ea"/>
+                <a:cs typeface="+mn-cs"/>
+              </a:defRPr>
+            </a:lvl2pPr>
+            <a:lvl3pPr marL="914400" algn="l" defTabSz="914400" rtl="0" eaLnBrk="1" latinLnBrk="0" hangingPunct="1">
+              <a:defRPr sz="1800" kern="1200">
+                <a:solidFill>
+                  <a:schemeClr val="tx1"/>
+                </a:solidFill>
+                <a:latin typeface="+mn-lt"/>
+                <a:ea typeface="+mn-ea"/>
+                <a:cs typeface="+mn-cs"/>
+              </a:defRPr>
+            </a:lvl3pPr>
+            <a:lvl4pPr marL="1371600" algn="l" defTabSz="914400" rtl="0" eaLnBrk="1" latinLnBrk="0" hangingPunct="1">
+              <a:defRPr sz="1800" kern="1200">
+                <a:solidFill>
+                  <a:schemeClr val="tx1"/>
+                </a:solidFill>
+                <a:latin typeface="+mn-lt"/>
+                <a:ea typeface="+mn-ea"/>
+                <a:cs typeface="+mn-cs"/>
+              </a:defRPr>
+            </a:lvl4pPr>
+            <a:lvl5pPr marL="1828800" algn="l" defTabSz="914400" rtl="0" eaLnBrk="1" latinLnBrk="0" hangingPunct="1">
+              <a:defRPr sz="1800" kern="1200">
+                <a:solidFill>
+                  <a:schemeClr val="tx1"/>
+                </a:solidFill>
+                <a:latin typeface="+mn-lt"/>
+                <a:ea typeface="+mn-ea"/>
+                <a:cs typeface="+mn-cs"/>
+              </a:defRPr>
+            </a:lvl5pPr>
+            <a:lvl6pPr marL="2286000" algn="l" defTabSz="914400" rtl="0" eaLnBrk="1" latinLnBrk="0" hangingPunct="1">
+              <a:defRPr sz="1800" kern="1200">
+                <a:solidFill>
+                  <a:schemeClr val="tx1"/>
+                </a:solidFill>
+                <a:latin typeface="+mn-lt"/>
+                <a:ea typeface="+mn-ea"/>
+                <a:cs typeface="+mn-cs"/>
+              </a:defRPr>
+            </a:lvl6pPr>
+            <a:lvl7pPr marL="2743200" algn="l" defTabSz="914400" rtl="0" eaLnBrk="1" latinLnBrk="0" hangingPunct="1">
+              <a:defRPr sz="1800" kern="1200">
+                <a:solidFill>
+                  <a:schemeClr val="tx1"/>
+                </a:solidFill>
+                <a:latin typeface="+mn-lt"/>
+                <a:ea typeface="+mn-ea"/>
+                <a:cs typeface="+mn-cs"/>
+              </a:defRPr>
+            </a:lvl7pPr>
+            <a:lvl8pPr marL="3200400" algn="l" defTabSz="914400" rtl="0" eaLnBrk="1" latinLnBrk="0" hangingPunct="1">
+              <a:defRPr sz="1800" kern="1200">
+                <a:solidFill>
+                  <a:schemeClr val="tx1"/>
+                </a:solidFill>
+                <a:latin typeface="+mn-lt"/>
+                <a:ea typeface="+mn-ea"/>
+                <a:cs typeface="+mn-cs"/>
+              </a:defRPr>
+            </a:lvl8pPr>
+            <a:lvl9pPr marL="3657600" algn="l" defTabSz="914400" rtl="0" eaLnBrk="1" latinLnBrk="0" hangingPunct="1">
+              <a:defRPr sz="1800" kern="1200">
+                <a:solidFill>
+                  <a:schemeClr val="tx1"/>
+                </a:solidFill>
+                <a:latin typeface="+mn-lt"/>
+                <a:ea typeface="+mn-ea"/>
+                <a:cs typeface="+mn-cs"/>
+              </a:defRPr>
+            </a:lvl9pPr>
+          </a:lstStyle>
+          <a:p>
+            <a:r>
+              <a:rPr lang="en-SG" dirty="0"/>
+              <a:t>*</a:t>
+            </a:r>
+          </a:p>
+        </p:txBody>
+      </p:sp>
+      <p:sp>
+        <p:nvSpPr>
+          <p:cNvPr id="8" name="Rectangle 7"/>
+          <p:cNvSpPr/>
+          <p:nvPr/>
+        </p:nvSpPr>
+        <p:spPr>
+          <a:xfrm>
+            <a:off x="7266393" y="3131288"/>
+            <a:ext cx="1594884" cy="595424"/>
+          </a:xfrm>
+          <a:prstGeom prst="rect">
+            <a:avLst/>
+          </a:prstGeom>
+          <a:solidFill>
+            <a:srgbClr val="92D050"/>
+          </a:solidFill>
+        </p:spPr>
+        <p:style>
+          <a:lnRef idx="2">
+            <a:schemeClr val="accent1">
+              <a:shade val="50000"/>
+            </a:schemeClr>
+          </a:lnRef>
+          <a:fillRef idx="1">
+            <a:schemeClr val="accent1"/>
+          </a:fillRef>
+          <a:effectRef idx="0">
+            <a:schemeClr val="accent1"/>
+          </a:effectRef>
+          <a:fontRef idx="minor">
+            <a:schemeClr val="lt1"/>
+          </a:fontRef>
+        </p:style>
+        <p:txBody>
+          <a:bodyPr rtlCol="0" anchor="ctr"/>
+          <a:lstStyle>
+            <a:defPPr>
+              <a:defRPr lang="en-US"/>
+            </a:defPPr>
+            <a:lvl1pPr marL="0" algn="l" defTabSz="914400" rtl="0" eaLnBrk="1" latinLnBrk="0" hangingPunct="1">
+              <a:defRPr sz="1800" kern="1200">
+                <a:solidFill>
+                  <a:schemeClr val="lt1"/>
+                </a:solidFill>
+                <a:latin typeface="+mn-lt"/>
+                <a:ea typeface="+mn-ea"/>
+                <a:cs typeface="+mn-cs"/>
+              </a:defRPr>
+            </a:lvl1pPr>
+            <a:lvl2pPr marL="457200" algn="l" defTabSz="914400" rtl="0" eaLnBrk="1" latinLnBrk="0" hangingPunct="1">
+              <a:defRPr sz="1800" kern="1200">
+                <a:solidFill>
+                  <a:schemeClr val="lt1"/>
+                </a:solidFill>
+                <a:latin typeface="+mn-lt"/>
+                <a:ea typeface="+mn-ea"/>
+                <a:cs typeface="+mn-cs"/>
+              </a:defRPr>
+            </a:lvl2pPr>
+            <a:lvl3pPr marL="914400" algn="l" defTabSz="914400" rtl="0" eaLnBrk="1" latinLnBrk="0" hangingPunct="1">
+              <a:defRPr sz="1800" kern="1200">
+                <a:solidFill>
+                  <a:schemeClr val="lt1"/>
+                </a:solidFill>
+                <a:latin typeface="+mn-lt"/>
+                <a:ea typeface="+mn-ea"/>
+                <a:cs typeface="+mn-cs"/>
+              </a:defRPr>
+            </a:lvl3pPr>
+            <a:lvl4pPr marL="1371600" algn="l" defTabSz="914400" rtl="0" eaLnBrk="1" latinLnBrk="0" hangingPunct="1">
+              <a:defRPr sz="1800" kern="1200">
+                <a:solidFill>
+                  <a:schemeClr val="lt1"/>
+                </a:solidFill>
+                <a:latin typeface="+mn-lt"/>
+                <a:ea typeface="+mn-ea"/>
+                <a:cs typeface="+mn-cs"/>
+              </a:defRPr>
+            </a:lvl4pPr>
+            <a:lvl5pPr marL="1828800" algn="l" defTabSz="914400" rtl="0" eaLnBrk="1" latinLnBrk="0" hangingPunct="1">
+              <a:defRPr sz="1800" kern="1200">
+                <a:solidFill>
+                  <a:schemeClr val="lt1"/>
+                </a:solidFill>
+                <a:latin typeface="+mn-lt"/>
+                <a:ea typeface="+mn-ea"/>
+                <a:cs typeface="+mn-cs"/>
+              </a:defRPr>
+            </a:lvl5pPr>
+            <a:lvl6pPr marL="2286000" algn="l" defTabSz="914400" rtl="0" eaLnBrk="1" latinLnBrk="0" hangingPunct="1">
+              <a:defRPr sz="1800" kern="1200">
+                <a:solidFill>
+                  <a:schemeClr val="lt1"/>
+                </a:solidFill>
+                <a:latin typeface="+mn-lt"/>
+                <a:ea typeface="+mn-ea"/>
+                <a:cs typeface="+mn-cs"/>
+              </a:defRPr>
+            </a:lvl6pPr>
+            <a:lvl7pPr marL="2743200" algn="l" defTabSz="914400" rtl="0" eaLnBrk="1" latinLnBrk="0" hangingPunct="1">
+              <a:defRPr sz="1800" kern="1200">
+                <a:solidFill>
+                  <a:schemeClr val="lt1"/>
+                </a:solidFill>
+                <a:latin typeface="+mn-lt"/>
+                <a:ea typeface="+mn-ea"/>
+                <a:cs typeface="+mn-cs"/>
+              </a:defRPr>
+            </a:lvl7pPr>
+            <a:lvl8pPr marL="3200400" algn="l" defTabSz="914400" rtl="0" eaLnBrk="1" latinLnBrk="0" hangingPunct="1">
+              <a:defRPr sz="1800" kern="1200">
+                <a:solidFill>
+                  <a:schemeClr val="lt1"/>
+                </a:solidFill>
+                <a:latin typeface="+mn-lt"/>
+                <a:ea typeface="+mn-ea"/>
+                <a:cs typeface="+mn-cs"/>
+              </a:defRPr>
+            </a:lvl8pPr>
+            <a:lvl9pPr marL="3657600" algn="l" defTabSz="914400" rtl="0" eaLnBrk="1" latinLnBrk="0" hangingPunct="1">
+              <a:defRPr sz="1800" kern="1200">
+                <a:solidFill>
+                  <a:schemeClr val="lt1"/>
+                </a:solidFill>
+                <a:latin typeface="+mn-lt"/>
+                <a:ea typeface="+mn-ea"/>
+                <a:cs typeface="+mn-cs"/>
+              </a:defRPr>
+            </a:lvl9pPr>
+          </a:lstStyle>
+          <a:p>
+            <a:pPr algn="ctr"/>
+            <a:r>
+              <a:rPr lang="en-SG" dirty="0" err="1" smtClean="0"/>
+              <a:t>DateTime</a:t>
+            </a:r>
+            <a:endParaRPr lang="en-SG" dirty="0"/>
+          </a:p>
+        </p:txBody>
+      </p:sp>
+      <p:sp>
+        <p:nvSpPr>
+          <p:cNvPr id="9" name="Rectangle 8"/>
+          <p:cNvSpPr/>
+          <p:nvPr/>
+        </p:nvSpPr>
+        <p:spPr>
+          <a:xfrm>
+            <a:off x="2211934" y="4122738"/>
+            <a:ext cx="1760892" cy="479043"/>
+          </a:xfrm>
+          <a:prstGeom prst="rect">
+            <a:avLst/>
+          </a:prstGeom>
+          <a:solidFill>
+            <a:srgbClr val="9EC4E6"/>
+          </a:solidFill>
+        </p:spPr>
+        <p:style>
+          <a:lnRef idx="2">
+            <a:schemeClr val="accent1">
+              <a:shade val="50000"/>
+            </a:schemeClr>
+          </a:lnRef>
+          <a:fillRef idx="1">
+            <a:schemeClr val="accent1"/>
+          </a:fillRef>
+          <a:effectRef idx="0">
+            <a:schemeClr val="accent1"/>
+          </a:effectRef>
+          <a:fontRef idx="minor">
+            <a:schemeClr val="lt1"/>
+          </a:fontRef>
+        </p:style>
+        <p:txBody>
+          <a:bodyPr rtlCol="0" anchor="ctr"/>
+          <a:lstStyle>
+            <a:defPPr>
+              <a:defRPr lang="en-US"/>
+            </a:defPPr>
+            <a:lvl1pPr marL="0" algn="l" defTabSz="914400" rtl="0" eaLnBrk="1" latinLnBrk="0" hangingPunct="1">
+              <a:defRPr sz="1800" kern="1200">
+                <a:solidFill>
+                  <a:schemeClr val="lt1"/>
+                </a:solidFill>
+                <a:latin typeface="+mn-lt"/>
+                <a:ea typeface="+mn-ea"/>
+                <a:cs typeface="+mn-cs"/>
+              </a:defRPr>
+            </a:lvl1pPr>
+            <a:lvl2pPr marL="457200" algn="l" defTabSz="914400" rtl="0" eaLnBrk="1" latinLnBrk="0" hangingPunct="1">
+              <a:defRPr sz="1800" kern="1200">
+                <a:solidFill>
+                  <a:schemeClr val="lt1"/>
+                </a:solidFill>
+                <a:latin typeface="+mn-lt"/>
+                <a:ea typeface="+mn-ea"/>
+                <a:cs typeface="+mn-cs"/>
+              </a:defRPr>
+            </a:lvl2pPr>
+            <a:lvl3pPr marL="914400" algn="l" defTabSz="914400" rtl="0" eaLnBrk="1" latinLnBrk="0" hangingPunct="1">
+              <a:defRPr sz="1800" kern="1200">
+                <a:solidFill>
+                  <a:schemeClr val="lt1"/>
+                </a:solidFill>
+                <a:latin typeface="+mn-lt"/>
+                <a:ea typeface="+mn-ea"/>
+                <a:cs typeface="+mn-cs"/>
+              </a:defRPr>
+            </a:lvl3pPr>
+            <a:lvl4pPr marL="1371600" algn="l" defTabSz="914400" rtl="0" eaLnBrk="1" latinLnBrk="0" hangingPunct="1">
+              <a:defRPr sz="1800" kern="1200">
+                <a:solidFill>
+                  <a:schemeClr val="lt1"/>
+                </a:solidFill>
+                <a:latin typeface="+mn-lt"/>
+                <a:ea typeface="+mn-ea"/>
+                <a:cs typeface="+mn-cs"/>
+              </a:defRPr>
+            </a:lvl4pPr>
+            <a:lvl5pPr marL="1828800" algn="l" defTabSz="914400" rtl="0" eaLnBrk="1" latinLnBrk="0" hangingPunct="1">
+              <a:defRPr sz="1800" kern="1200">
+                <a:solidFill>
+                  <a:schemeClr val="lt1"/>
+                </a:solidFill>
+                <a:latin typeface="+mn-lt"/>
+                <a:ea typeface="+mn-ea"/>
+                <a:cs typeface="+mn-cs"/>
+              </a:defRPr>
+            </a:lvl5pPr>
+            <a:lvl6pPr marL="2286000" algn="l" defTabSz="914400" rtl="0" eaLnBrk="1" latinLnBrk="0" hangingPunct="1">
+              <a:defRPr sz="1800" kern="1200">
+                <a:solidFill>
+                  <a:schemeClr val="lt1"/>
+                </a:solidFill>
+                <a:latin typeface="+mn-lt"/>
+                <a:ea typeface="+mn-ea"/>
+                <a:cs typeface="+mn-cs"/>
+              </a:defRPr>
+            </a:lvl6pPr>
+            <a:lvl7pPr marL="2743200" algn="l" defTabSz="914400" rtl="0" eaLnBrk="1" latinLnBrk="0" hangingPunct="1">
+              <a:defRPr sz="1800" kern="1200">
+                <a:solidFill>
+                  <a:schemeClr val="lt1"/>
+                </a:solidFill>
+                <a:latin typeface="+mn-lt"/>
+                <a:ea typeface="+mn-ea"/>
+                <a:cs typeface="+mn-cs"/>
+              </a:defRPr>
+            </a:lvl7pPr>
+            <a:lvl8pPr marL="3200400" algn="l" defTabSz="914400" rtl="0" eaLnBrk="1" latinLnBrk="0" hangingPunct="1">
+              <a:defRPr sz="1800" kern="1200">
+                <a:solidFill>
+                  <a:schemeClr val="lt1"/>
+                </a:solidFill>
+                <a:latin typeface="+mn-lt"/>
+                <a:ea typeface="+mn-ea"/>
+                <a:cs typeface="+mn-cs"/>
+              </a:defRPr>
+            </a:lvl8pPr>
+            <a:lvl9pPr marL="3657600" algn="l" defTabSz="914400" rtl="0" eaLnBrk="1" latinLnBrk="0" hangingPunct="1">
+              <a:defRPr sz="1800" kern="1200">
+                <a:solidFill>
+                  <a:schemeClr val="lt1"/>
+                </a:solidFill>
+                <a:latin typeface="+mn-lt"/>
+                <a:ea typeface="+mn-ea"/>
+                <a:cs typeface="+mn-cs"/>
+              </a:defRPr>
+            </a:lvl9pPr>
+          </a:lstStyle>
+          <a:p>
+            <a:r>
+              <a:rPr lang="en-SG" sz="1400" dirty="0" err="1"/>
+              <a:t>hasCompleted</a:t>
+            </a:r>
+            <a:r>
+              <a:rPr lang="en-SG" sz="1400" dirty="0"/>
+              <a:t>()</a:t>
+            </a:r>
+          </a:p>
+          <a:p>
+            <a:r>
+              <a:rPr lang="en-SG" sz="1400" dirty="0" err="1"/>
+              <a:t>isOverdue</a:t>
+            </a:r>
+            <a:r>
+              <a:rPr lang="en-SG" sz="1400" dirty="0"/>
+              <a:t>()</a:t>
+            </a:r>
+          </a:p>
+        </p:txBody>
+      </p:sp>
+      <p:cxnSp>
+        <p:nvCxnSpPr>
+          <p:cNvPr id="10" name="Straight Arrow Connector 9"/>
+          <p:cNvCxnSpPr>
+            <a:stCxn id="5" idx="1"/>
+            <a:endCxn id="3" idx="3"/>
+          </p:cNvCxnSpPr>
+          <p:nvPr/>
+        </p:nvCxnSpPr>
+        <p:spPr>
+          <a:xfrm flipH="1">
+            <a:off x="3974170" y="3429000"/>
+            <a:ext cx="478543" cy="0"/>
+          </a:xfrm>
+          <a:prstGeom prst="straightConnector1">
+            <a:avLst/>
+          </a:prstGeom>
+          <a:ln w="38100">
+            <a:solidFill>
+              <a:schemeClr val="tx1"/>
+            </a:solidFill>
+            <a:tailEnd type="triangle"/>
+          </a:ln>
+        </p:spPr>
+        <p:style>
+          <a:lnRef idx="1">
+            <a:schemeClr val="accent1"/>
+          </a:lnRef>
+          <a:fillRef idx="0">
+            <a:schemeClr val="accent1"/>
+          </a:fillRef>
+          <a:effectRef idx="0">
+            <a:schemeClr val="accent1"/>
+          </a:effectRef>
+          <a:fontRef idx="minor">
+            <a:schemeClr val="tx1"/>
+          </a:fontRef>
+        </p:style>
+      </p:cxnSp>
+      <p:cxnSp>
+        <p:nvCxnSpPr>
+          <p:cNvPr id="11" name="Straight Connector 10"/>
+          <p:cNvCxnSpPr>
+            <a:stCxn id="5" idx="3"/>
+            <a:endCxn id="8" idx="1"/>
+          </p:cNvCxnSpPr>
+          <p:nvPr/>
+        </p:nvCxnSpPr>
+        <p:spPr>
+          <a:xfrm>
+            <a:off x="6047597" y="3429000"/>
+            <a:ext cx="1218796" cy="0"/>
+          </a:xfrm>
+          <a:prstGeom prst="line">
+            <a:avLst/>
+          </a:prstGeom>
+          <a:ln w="38100">
+            <a:solidFill>
+              <a:schemeClr val="tx1"/>
+            </a:solidFill>
+          </a:ln>
+        </p:spPr>
+        <p:style>
+          <a:lnRef idx="1">
+            <a:schemeClr val="accent1"/>
+          </a:lnRef>
+          <a:fillRef idx="0">
+            <a:schemeClr val="accent1"/>
+          </a:fillRef>
+          <a:effectRef idx="0">
+            <a:schemeClr val="accent1"/>
+          </a:effectRef>
+          <a:fontRef idx="minor">
+            <a:schemeClr val="tx1"/>
+          </a:fontRef>
+        </p:style>
+      </p:cxnSp>
+      <p:cxnSp>
+        <p:nvCxnSpPr>
+          <p:cNvPr id="12" name="Connector: Elbow 170"/>
+          <p:cNvCxnSpPr>
+            <a:stCxn id="4" idx="1"/>
+            <a:endCxn id="3" idx="3"/>
+          </p:cNvCxnSpPr>
+          <p:nvPr/>
+        </p:nvCxnSpPr>
+        <p:spPr>
+          <a:xfrm rot="10800000" flipV="1">
+            <a:off x="3974170" y="2078740"/>
+            <a:ext cx="485558" cy="1350260"/>
+          </a:xfrm>
+          <a:prstGeom prst="bentConnector3">
+            <a:avLst/>
+          </a:prstGeom>
+          <a:ln w="38100">
+            <a:solidFill>
+              <a:schemeClr val="tx1"/>
+            </a:solidFill>
+            <a:tailEnd type="triangle"/>
+          </a:ln>
+        </p:spPr>
+        <p:style>
+          <a:lnRef idx="1">
+            <a:schemeClr val="accent1"/>
+          </a:lnRef>
+          <a:fillRef idx="0">
+            <a:schemeClr val="accent1"/>
+          </a:fillRef>
+          <a:effectRef idx="0">
+            <a:schemeClr val="accent1"/>
+          </a:effectRef>
+          <a:fontRef idx="minor">
+            <a:schemeClr val="tx1"/>
+          </a:fontRef>
+        </p:style>
+      </p:cxnSp>
+      <p:cxnSp>
+        <p:nvCxnSpPr>
+          <p:cNvPr id="13" name="Connector: Elbow 172"/>
+          <p:cNvCxnSpPr>
+            <a:stCxn id="6" idx="1"/>
+            <a:endCxn id="3" idx="3"/>
+          </p:cNvCxnSpPr>
+          <p:nvPr/>
+        </p:nvCxnSpPr>
+        <p:spPr>
+          <a:xfrm rot="10800000">
+            <a:off x="3974170" y="3429000"/>
+            <a:ext cx="485558" cy="1350260"/>
+          </a:xfrm>
+          <a:prstGeom prst="bentConnector3">
+            <a:avLst/>
+          </a:prstGeom>
+          <a:ln w="38100">
+            <a:solidFill>
+              <a:schemeClr val="tx1"/>
+            </a:solidFill>
+            <a:tailEnd type="triangle"/>
+          </a:ln>
+        </p:spPr>
+        <p:style>
+          <a:lnRef idx="1">
+            <a:schemeClr val="accent1"/>
+          </a:lnRef>
+          <a:fillRef idx="0">
+            <a:schemeClr val="accent1"/>
+          </a:fillRef>
+          <a:effectRef idx="0">
+            <a:schemeClr val="accent1"/>
+          </a:effectRef>
+          <a:fontRef idx="minor">
+            <a:schemeClr val="tx1"/>
+          </a:fontRef>
+        </p:style>
+      </p:cxnSp>
+      <p:sp>
+        <p:nvSpPr>
+          <p:cNvPr id="14" name="Rectangle 13"/>
+          <p:cNvSpPr/>
+          <p:nvPr/>
+        </p:nvSpPr>
+        <p:spPr>
+          <a:xfrm>
+            <a:off x="2213158" y="3728666"/>
+            <a:ext cx="1759668" cy="394072"/>
+          </a:xfrm>
+          <a:prstGeom prst="rect">
+            <a:avLst/>
+          </a:prstGeom>
+          <a:solidFill>
+            <a:srgbClr val="9EC4E6"/>
+          </a:solidFill>
+        </p:spPr>
+        <p:style>
+          <a:lnRef idx="2">
+            <a:schemeClr val="accent1">
+              <a:shade val="50000"/>
+            </a:schemeClr>
+          </a:lnRef>
+          <a:fillRef idx="1">
+            <a:schemeClr val="accent1"/>
+          </a:fillRef>
+          <a:effectRef idx="0">
+            <a:schemeClr val="accent1"/>
+          </a:effectRef>
+          <a:fontRef idx="minor">
+            <a:schemeClr val="lt1"/>
+          </a:fontRef>
+        </p:style>
+        <p:txBody>
+          <a:bodyPr rtlCol="0" anchor="ctr"/>
+          <a:lstStyle>
+            <a:defPPr>
+              <a:defRPr lang="en-US"/>
+            </a:defPPr>
+            <a:lvl1pPr marL="0" algn="l" defTabSz="914400" rtl="0" eaLnBrk="1" latinLnBrk="0" hangingPunct="1">
+              <a:defRPr sz="1800" kern="1200">
+                <a:solidFill>
+                  <a:schemeClr val="lt1"/>
+                </a:solidFill>
+                <a:latin typeface="+mn-lt"/>
+                <a:ea typeface="+mn-ea"/>
+                <a:cs typeface="+mn-cs"/>
+              </a:defRPr>
+            </a:lvl1pPr>
+            <a:lvl2pPr marL="457200" algn="l" defTabSz="914400" rtl="0" eaLnBrk="1" latinLnBrk="0" hangingPunct="1">
+              <a:defRPr sz="1800" kern="1200">
+                <a:solidFill>
+                  <a:schemeClr val="lt1"/>
+                </a:solidFill>
+                <a:latin typeface="+mn-lt"/>
+                <a:ea typeface="+mn-ea"/>
+                <a:cs typeface="+mn-cs"/>
+              </a:defRPr>
+            </a:lvl2pPr>
+            <a:lvl3pPr marL="914400" algn="l" defTabSz="914400" rtl="0" eaLnBrk="1" latinLnBrk="0" hangingPunct="1">
+              <a:defRPr sz="1800" kern="1200">
+                <a:solidFill>
+                  <a:schemeClr val="lt1"/>
+                </a:solidFill>
+                <a:latin typeface="+mn-lt"/>
+                <a:ea typeface="+mn-ea"/>
+                <a:cs typeface="+mn-cs"/>
+              </a:defRPr>
+            </a:lvl3pPr>
+            <a:lvl4pPr marL="1371600" algn="l" defTabSz="914400" rtl="0" eaLnBrk="1" latinLnBrk="0" hangingPunct="1">
+              <a:defRPr sz="1800" kern="1200">
+                <a:solidFill>
+                  <a:schemeClr val="lt1"/>
+                </a:solidFill>
+                <a:latin typeface="+mn-lt"/>
+                <a:ea typeface="+mn-ea"/>
+                <a:cs typeface="+mn-cs"/>
+              </a:defRPr>
+            </a:lvl4pPr>
+            <a:lvl5pPr marL="1828800" algn="l" defTabSz="914400" rtl="0" eaLnBrk="1" latinLnBrk="0" hangingPunct="1">
+              <a:defRPr sz="1800" kern="1200">
+                <a:solidFill>
+                  <a:schemeClr val="lt1"/>
+                </a:solidFill>
+                <a:latin typeface="+mn-lt"/>
+                <a:ea typeface="+mn-ea"/>
+                <a:cs typeface="+mn-cs"/>
+              </a:defRPr>
+            </a:lvl5pPr>
+            <a:lvl6pPr marL="2286000" algn="l" defTabSz="914400" rtl="0" eaLnBrk="1" latinLnBrk="0" hangingPunct="1">
+              <a:defRPr sz="1800" kern="1200">
+                <a:solidFill>
+                  <a:schemeClr val="lt1"/>
+                </a:solidFill>
+                <a:latin typeface="+mn-lt"/>
+                <a:ea typeface="+mn-ea"/>
+                <a:cs typeface="+mn-cs"/>
+              </a:defRPr>
+            </a:lvl6pPr>
+            <a:lvl7pPr marL="2743200" algn="l" defTabSz="914400" rtl="0" eaLnBrk="1" latinLnBrk="0" hangingPunct="1">
+              <a:defRPr sz="1800" kern="1200">
+                <a:solidFill>
+                  <a:schemeClr val="lt1"/>
+                </a:solidFill>
+                <a:latin typeface="+mn-lt"/>
+                <a:ea typeface="+mn-ea"/>
+                <a:cs typeface="+mn-cs"/>
+              </a:defRPr>
+            </a:lvl7pPr>
+            <a:lvl8pPr marL="3200400" algn="l" defTabSz="914400" rtl="0" eaLnBrk="1" latinLnBrk="0" hangingPunct="1">
+              <a:defRPr sz="1800" kern="1200">
+                <a:solidFill>
+                  <a:schemeClr val="lt1"/>
+                </a:solidFill>
+                <a:latin typeface="+mn-lt"/>
+                <a:ea typeface="+mn-ea"/>
+                <a:cs typeface="+mn-cs"/>
+              </a:defRPr>
+            </a:lvl8pPr>
+            <a:lvl9pPr marL="3657600" algn="l" defTabSz="914400" rtl="0" eaLnBrk="1" latinLnBrk="0" hangingPunct="1">
+              <a:defRPr sz="1800" kern="1200">
+                <a:solidFill>
+                  <a:schemeClr val="lt1"/>
+                </a:solidFill>
+                <a:latin typeface="+mn-lt"/>
+                <a:ea typeface="+mn-ea"/>
+                <a:cs typeface="+mn-cs"/>
+              </a:defRPr>
+            </a:lvl9pPr>
+          </a:lstStyle>
+          <a:p>
+            <a:r>
+              <a:rPr lang="en-SG" sz="1400" dirty="0"/>
+              <a:t>Name</a:t>
+            </a:r>
+          </a:p>
+        </p:txBody>
+      </p:sp>
+      <p:sp>
+        <p:nvSpPr>
+          <p:cNvPr id="15" name="TextBox 182"/>
+          <p:cNvSpPr txBox="1"/>
+          <p:nvPr/>
+        </p:nvSpPr>
+        <p:spPr>
+          <a:xfrm>
+            <a:off x="6269004" y="3059668"/>
+            <a:ext cx="997389" cy="369332"/>
+          </a:xfrm>
+          <a:prstGeom prst="rect">
+            <a:avLst/>
+          </a:prstGeom>
+          <a:noFill/>
+        </p:spPr>
+        <p:txBody>
+          <a:bodyPr wrap="none" rtlCol="0">
+            <a:spAutoFit/>
+          </a:bodyPr>
+          <a:lstStyle>
+            <a:defPPr>
+              <a:defRPr lang="en-US"/>
+            </a:defPPr>
+            <a:lvl1pPr marL="0" algn="l" defTabSz="914400" rtl="0" eaLnBrk="1" latinLnBrk="0" hangingPunct="1">
+              <a:defRPr sz="1800" kern="1200">
+                <a:solidFill>
+                  <a:schemeClr val="tx1"/>
+                </a:solidFill>
+                <a:latin typeface="+mn-lt"/>
+                <a:ea typeface="+mn-ea"/>
+                <a:cs typeface="+mn-cs"/>
+              </a:defRPr>
+            </a:lvl1pPr>
+            <a:lvl2pPr marL="457200" algn="l" defTabSz="914400" rtl="0" eaLnBrk="1" latinLnBrk="0" hangingPunct="1">
+              <a:defRPr sz="1800" kern="1200">
+                <a:solidFill>
+                  <a:schemeClr val="tx1"/>
+                </a:solidFill>
+                <a:latin typeface="+mn-lt"/>
+                <a:ea typeface="+mn-ea"/>
+                <a:cs typeface="+mn-cs"/>
+              </a:defRPr>
+            </a:lvl2pPr>
+            <a:lvl3pPr marL="914400" algn="l" defTabSz="914400" rtl="0" eaLnBrk="1" latinLnBrk="0" hangingPunct="1">
+              <a:defRPr sz="1800" kern="1200">
+                <a:solidFill>
+                  <a:schemeClr val="tx1"/>
+                </a:solidFill>
+                <a:latin typeface="+mn-lt"/>
+                <a:ea typeface="+mn-ea"/>
+                <a:cs typeface="+mn-cs"/>
+              </a:defRPr>
+            </a:lvl3pPr>
+            <a:lvl4pPr marL="1371600" algn="l" defTabSz="914400" rtl="0" eaLnBrk="1" latinLnBrk="0" hangingPunct="1">
+              <a:defRPr sz="1800" kern="1200">
+                <a:solidFill>
+                  <a:schemeClr val="tx1"/>
+                </a:solidFill>
+                <a:latin typeface="+mn-lt"/>
+                <a:ea typeface="+mn-ea"/>
+                <a:cs typeface="+mn-cs"/>
+              </a:defRPr>
+            </a:lvl4pPr>
+            <a:lvl5pPr marL="1828800" algn="l" defTabSz="914400" rtl="0" eaLnBrk="1" latinLnBrk="0" hangingPunct="1">
+              <a:defRPr sz="1800" kern="1200">
+                <a:solidFill>
+                  <a:schemeClr val="tx1"/>
+                </a:solidFill>
+                <a:latin typeface="+mn-lt"/>
+                <a:ea typeface="+mn-ea"/>
+                <a:cs typeface="+mn-cs"/>
+              </a:defRPr>
+            </a:lvl5pPr>
+            <a:lvl6pPr marL="2286000" algn="l" defTabSz="914400" rtl="0" eaLnBrk="1" latinLnBrk="0" hangingPunct="1">
+              <a:defRPr sz="1800" kern="1200">
+                <a:solidFill>
+                  <a:schemeClr val="tx1"/>
+                </a:solidFill>
+                <a:latin typeface="+mn-lt"/>
+                <a:ea typeface="+mn-ea"/>
+                <a:cs typeface="+mn-cs"/>
+              </a:defRPr>
+            </a:lvl6pPr>
+            <a:lvl7pPr marL="2743200" algn="l" defTabSz="914400" rtl="0" eaLnBrk="1" latinLnBrk="0" hangingPunct="1">
+              <a:defRPr sz="1800" kern="1200">
+                <a:solidFill>
+                  <a:schemeClr val="tx1"/>
+                </a:solidFill>
+                <a:latin typeface="+mn-lt"/>
+                <a:ea typeface="+mn-ea"/>
+                <a:cs typeface="+mn-cs"/>
+              </a:defRPr>
+            </a:lvl7pPr>
+            <a:lvl8pPr marL="3200400" algn="l" defTabSz="914400" rtl="0" eaLnBrk="1" latinLnBrk="0" hangingPunct="1">
+              <a:defRPr sz="1800" kern="1200">
+                <a:solidFill>
+                  <a:schemeClr val="tx1"/>
+                </a:solidFill>
+                <a:latin typeface="+mn-lt"/>
+                <a:ea typeface="+mn-ea"/>
+                <a:cs typeface="+mn-cs"/>
+              </a:defRPr>
+            </a:lvl8pPr>
+            <a:lvl9pPr marL="3657600" algn="l" defTabSz="914400" rtl="0" eaLnBrk="1" latinLnBrk="0" hangingPunct="1">
+              <a:defRPr sz="1800" kern="1200">
+                <a:solidFill>
+                  <a:schemeClr val="tx1"/>
+                </a:solidFill>
+                <a:latin typeface="+mn-lt"/>
+                <a:ea typeface="+mn-ea"/>
+                <a:cs typeface="+mn-cs"/>
+              </a:defRPr>
+            </a:lvl9pPr>
+          </a:lstStyle>
+          <a:p>
+            <a:r>
+              <a:rPr lang="en-SG" dirty="0">
+                <a:solidFill>
+                  <a:srgbClr val="FF0000"/>
+                </a:solidFill>
+              </a:rPr>
+              <a:t>deadline</a:t>
+            </a:r>
+          </a:p>
+        </p:txBody>
+      </p:sp>
+      <p:cxnSp>
+        <p:nvCxnSpPr>
+          <p:cNvPr id="16" name="Straight Connector 15"/>
+          <p:cNvCxnSpPr>
+            <a:stCxn id="3" idx="1"/>
+            <a:endCxn id="2" idx="3"/>
+          </p:cNvCxnSpPr>
+          <p:nvPr/>
+        </p:nvCxnSpPr>
+        <p:spPr>
+          <a:xfrm flipH="1">
+            <a:off x="1803113" y="3429000"/>
+            <a:ext cx="410045" cy="0"/>
+          </a:xfrm>
+          <a:prstGeom prst="line">
+            <a:avLst/>
+          </a:prstGeom>
+          <a:ln w="38100">
+            <a:solidFill>
+              <a:schemeClr val="tx1"/>
+            </a:solidFill>
+          </a:ln>
+        </p:spPr>
+        <p:style>
+          <a:lnRef idx="1">
+            <a:schemeClr val="accent1"/>
+          </a:lnRef>
+          <a:fillRef idx="0">
+            <a:schemeClr val="accent1"/>
+          </a:fillRef>
+          <a:effectRef idx="0">
+            <a:schemeClr val="accent1"/>
+          </a:effectRef>
+          <a:fontRef idx="minor">
+            <a:schemeClr val="tx1"/>
+          </a:fontRef>
+        </p:style>
+      </p:cxnSp>
+      <p:cxnSp>
+        <p:nvCxnSpPr>
+          <p:cNvPr id="17" name="Connector: Elbow 196"/>
+          <p:cNvCxnSpPr>
+            <a:stCxn id="6" idx="3"/>
+          </p:cNvCxnSpPr>
+          <p:nvPr/>
+        </p:nvCxnSpPr>
+        <p:spPr>
+          <a:xfrm flipV="1">
+            <a:off x="6054612" y="3726709"/>
+            <a:ext cx="1431241" cy="1052551"/>
+          </a:xfrm>
+          <a:prstGeom prst="bentConnector3">
+            <a:avLst>
+              <a:gd name="adj1" fmla="val 101377"/>
+            </a:avLst>
+          </a:prstGeom>
+          <a:ln w="38100">
+            <a:solidFill>
+              <a:schemeClr val="tx1"/>
+            </a:solidFill>
+          </a:ln>
+        </p:spPr>
+        <p:style>
+          <a:lnRef idx="1">
+            <a:schemeClr val="accent1"/>
+          </a:lnRef>
+          <a:fillRef idx="0">
+            <a:schemeClr val="accent1"/>
+          </a:fillRef>
+          <a:effectRef idx="0">
+            <a:schemeClr val="accent1"/>
+          </a:effectRef>
+          <a:fontRef idx="minor">
+            <a:schemeClr val="tx1"/>
+          </a:fontRef>
+        </p:style>
+      </p:cxnSp>
+      <p:cxnSp>
+        <p:nvCxnSpPr>
+          <p:cNvPr id="18" name="Connector: Elbow 199"/>
+          <p:cNvCxnSpPr/>
+          <p:nvPr/>
+        </p:nvCxnSpPr>
+        <p:spPr>
+          <a:xfrm flipV="1">
+            <a:off x="6054612" y="3726708"/>
+            <a:ext cx="2579473" cy="1201408"/>
+          </a:xfrm>
+          <a:prstGeom prst="bentConnector3">
+            <a:avLst>
+              <a:gd name="adj1" fmla="val 99186"/>
+            </a:avLst>
+          </a:prstGeom>
+          <a:ln w="38100">
+            <a:solidFill>
+              <a:schemeClr val="tx1"/>
+            </a:solidFill>
+          </a:ln>
+        </p:spPr>
+        <p:style>
+          <a:lnRef idx="1">
+            <a:schemeClr val="accent1"/>
+          </a:lnRef>
+          <a:fillRef idx="0">
+            <a:schemeClr val="accent1"/>
+          </a:fillRef>
+          <a:effectRef idx="0">
+            <a:schemeClr val="accent1"/>
+          </a:effectRef>
+          <a:fontRef idx="minor">
+            <a:schemeClr val="tx1"/>
+          </a:fontRef>
+        </p:style>
+      </p:cxnSp>
+      <p:sp>
+        <p:nvSpPr>
+          <p:cNvPr id="19" name="TextBox 202"/>
+          <p:cNvSpPr txBox="1"/>
+          <p:nvPr/>
+        </p:nvSpPr>
+        <p:spPr>
+          <a:xfrm>
+            <a:off x="6875754" y="3661466"/>
+            <a:ext cx="632289" cy="369332"/>
+          </a:xfrm>
+          <a:prstGeom prst="rect">
+            <a:avLst/>
+          </a:prstGeom>
+          <a:noFill/>
+        </p:spPr>
+        <p:txBody>
+          <a:bodyPr wrap="none" rtlCol="0">
+            <a:spAutoFit/>
+          </a:bodyPr>
+          <a:lstStyle>
+            <a:defPPr>
+              <a:defRPr lang="en-US"/>
+            </a:defPPr>
+            <a:lvl1pPr marL="0" algn="l" defTabSz="914400" rtl="0" eaLnBrk="1" latinLnBrk="0" hangingPunct="1">
+              <a:defRPr sz="1800" kern="1200">
+                <a:solidFill>
+                  <a:schemeClr val="tx1"/>
+                </a:solidFill>
+                <a:latin typeface="+mn-lt"/>
+                <a:ea typeface="+mn-ea"/>
+                <a:cs typeface="+mn-cs"/>
+              </a:defRPr>
+            </a:lvl1pPr>
+            <a:lvl2pPr marL="457200" algn="l" defTabSz="914400" rtl="0" eaLnBrk="1" latinLnBrk="0" hangingPunct="1">
+              <a:defRPr sz="1800" kern="1200">
+                <a:solidFill>
+                  <a:schemeClr val="tx1"/>
+                </a:solidFill>
+                <a:latin typeface="+mn-lt"/>
+                <a:ea typeface="+mn-ea"/>
+                <a:cs typeface="+mn-cs"/>
+              </a:defRPr>
+            </a:lvl2pPr>
+            <a:lvl3pPr marL="914400" algn="l" defTabSz="914400" rtl="0" eaLnBrk="1" latinLnBrk="0" hangingPunct="1">
+              <a:defRPr sz="1800" kern="1200">
+                <a:solidFill>
+                  <a:schemeClr val="tx1"/>
+                </a:solidFill>
+                <a:latin typeface="+mn-lt"/>
+                <a:ea typeface="+mn-ea"/>
+                <a:cs typeface="+mn-cs"/>
+              </a:defRPr>
+            </a:lvl3pPr>
+            <a:lvl4pPr marL="1371600" algn="l" defTabSz="914400" rtl="0" eaLnBrk="1" latinLnBrk="0" hangingPunct="1">
+              <a:defRPr sz="1800" kern="1200">
+                <a:solidFill>
+                  <a:schemeClr val="tx1"/>
+                </a:solidFill>
+                <a:latin typeface="+mn-lt"/>
+                <a:ea typeface="+mn-ea"/>
+                <a:cs typeface="+mn-cs"/>
+              </a:defRPr>
+            </a:lvl4pPr>
+            <a:lvl5pPr marL="1828800" algn="l" defTabSz="914400" rtl="0" eaLnBrk="1" latinLnBrk="0" hangingPunct="1">
+              <a:defRPr sz="1800" kern="1200">
+                <a:solidFill>
+                  <a:schemeClr val="tx1"/>
+                </a:solidFill>
+                <a:latin typeface="+mn-lt"/>
+                <a:ea typeface="+mn-ea"/>
+                <a:cs typeface="+mn-cs"/>
+              </a:defRPr>
+            </a:lvl5pPr>
+            <a:lvl6pPr marL="2286000" algn="l" defTabSz="914400" rtl="0" eaLnBrk="1" latinLnBrk="0" hangingPunct="1">
+              <a:defRPr sz="1800" kern="1200">
+                <a:solidFill>
+                  <a:schemeClr val="tx1"/>
+                </a:solidFill>
+                <a:latin typeface="+mn-lt"/>
+                <a:ea typeface="+mn-ea"/>
+                <a:cs typeface="+mn-cs"/>
+              </a:defRPr>
+            </a:lvl6pPr>
+            <a:lvl7pPr marL="2743200" algn="l" defTabSz="914400" rtl="0" eaLnBrk="1" latinLnBrk="0" hangingPunct="1">
+              <a:defRPr sz="1800" kern="1200">
+                <a:solidFill>
+                  <a:schemeClr val="tx1"/>
+                </a:solidFill>
+                <a:latin typeface="+mn-lt"/>
+                <a:ea typeface="+mn-ea"/>
+                <a:cs typeface="+mn-cs"/>
+              </a:defRPr>
+            </a:lvl7pPr>
+            <a:lvl8pPr marL="3200400" algn="l" defTabSz="914400" rtl="0" eaLnBrk="1" latinLnBrk="0" hangingPunct="1">
+              <a:defRPr sz="1800" kern="1200">
+                <a:solidFill>
+                  <a:schemeClr val="tx1"/>
+                </a:solidFill>
+                <a:latin typeface="+mn-lt"/>
+                <a:ea typeface="+mn-ea"/>
+                <a:cs typeface="+mn-cs"/>
+              </a:defRPr>
+            </a:lvl8pPr>
+            <a:lvl9pPr marL="3657600" algn="l" defTabSz="914400" rtl="0" eaLnBrk="1" latinLnBrk="0" hangingPunct="1">
+              <a:defRPr sz="1800" kern="1200">
+                <a:solidFill>
+                  <a:schemeClr val="tx1"/>
+                </a:solidFill>
+                <a:latin typeface="+mn-lt"/>
+                <a:ea typeface="+mn-ea"/>
+                <a:cs typeface="+mn-cs"/>
+              </a:defRPr>
+            </a:lvl9pPr>
+          </a:lstStyle>
+          <a:p>
+            <a:r>
+              <a:rPr lang="en-SG" dirty="0"/>
+              <a:t>start</a:t>
+            </a:r>
+          </a:p>
+        </p:txBody>
+      </p:sp>
+      <p:sp>
+        <p:nvSpPr>
+          <p:cNvPr id="20" name="TextBox 203"/>
+          <p:cNvSpPr txBox="1"/>
+          <p:nvPr/>
+        </p:nvSpPr>
+        <p:spPr>
+          <a:xfrm>
+            <a:off x="8082916" y="3655091"/>
+            <a:ext cx="543739" cy="369332"/>
+          </a:xfrm>
+          <a:prstGeom prst="rect">
+            <a:avLst/>
+          </a:prstGeom>
+          <a:noFill/>
+        </p:spPr>
+        <p:txBody>
+          <a:bodyPr wrap="none" rtlCol="0">
+            <a:spAutoFit/>
+          </a:bodyPr>
+          <a:lstStyle>
+            <a:defPPr>
+              <a:defRPr lang="en-US"/>
+            </a:defPPr>
+            <a:lvl1pPr marL="0" algn="l" defTabSz="914400" rtl="0" eaLnBrk="1" latinLnBrk="0" hangingPunct="1">
+              <a:defRPr sz="1800" kern="1200">
+                <a:solidFill>
+                  <a:schemeClr val="tx1"/>
+                </a:solidFill>
+                <a:latin typeface="+mn-lt"/>
+                <a:ea typeface="+mn-ea"/>
+                <a:cs typeface="+mn-cs"/>
+              </a:defRPr>
+            </a:lvl1pPr>
+            <a:lvl2pPr marL="457200" algn="l" defTabSz="914400" rtl="0" eaLnBrk="1" latinLnBrk="0" hangingPunct="1">
+              <a:defRPr sz="1800" kern="1200">
+                <a:solidFill>
+                  <a:schemeClr val="tx1"/>
+                </a:solidFill>
+                <a:latin typeface="+mn-lt"/>
+                <a:ea typeface="+mn-ea"/>
+                <a:cs typeface="+mn-cs"/>
+              </a:defRPr>
+            </a:lvl2pPr>
+            <a:lvl3pPr marL="914400" algn="l" defTabSz="914400" rtl="0" eaLnBrk="1" latinLnBrk="0" hangingPunct="1">
+              <a:defRPr sz="1800" kern="1200">
+                <a:solidFill>
+                  <a:schemeClr val="tx1"/>
+                </a:solidFill>
+                <a:latin typeface="+mn-lt"/>
+                <a:ea typeface="+mn-ea"/>
+                <a:cs typeface="+mn-cs"/>
+              </a:defRPr>
+            </a:lvl3pPr>
+            <a:lvl4pPr marL="1371600" algn="l" defTabSz="914400" rtl="0" eaLnBrk="1" latinLnBrk="0" hangingPunct="1">
+              <a:defRPr sz="1800" kern="1200">
+                <a:solidFill>
+                  <a:schemeClr val="tx1"/>
+                </a:solidFill>
+                <a:latin typeface="+mn-lt"/>
+                <a:ea typeface="+mn-ea"/>
+                <a:cs typeface="+mn-cs"/>
+              </a:defRPr>
+            </a:lvl4pPr>
+            <a:lvl5pPr marL="1828800" algn="l" defTabSz="914400" rtl="0" eaLnBrk="1" latinLnBrk="0" hangingPunct="1">
+              <a:defRPr sz="1800" kern="1200">
+                <a:solidFill>
+                  <a:schemeClr val="tx1"/>
+                </a:solidFill>
+                <a:latin typeface="+mn-lt"/>
+                <a:ea typeface="+mn-ea"/>
+                <a:cs typeface="+mn-cs"/>
+              </a:defRPr>
+            </a:lvl5pPr>
+            <a:lvl6pPr marL="2286000" algn="l" defTabSz="914400" rtl="0" eaLnBrk="1" latinLnBrk="0" hangingPunct="1">
+              <a:defRPr sz="1800" kern="1200">
+                <a:solidFill>
+                  <a:schemeClr val="tx1"/>
+                </a:solidFill>
+                <a:latin typeface="+mn-lt"/>
+                <a:ea typeface="+mn-ea"/>
+                <a:cs typeface="+mn-cs"/>
+              </a:defRPr>
+            </a:lvl6pPr>
+            <a:lvl7pPr marL="2743200" algn="l" defTabSz="914400" rtl="0" eaLnBrk="1" latinLnBrk="0" hangingPunct="1">
+              <a:defRPr sz="1800" kern="1200">
+                <a:solidFill>
+                  <a:schemeClr val="tx1"/>
+                </a:solidFill>
+                <a:latin typeface="+mn-lt"/>
+                <a:ea typeface="+mn-ea"/>
+                <a:cs typeface="+mn-cs"/>
+              </a:defRPr>
+            </a:lvl7pPr>
+            <a:lvl8pPr marL="3200400" algn="l" defTabSz="914400" rtl="0" eaLnBrk="1" latinLnBrk="0" hangingPunct="1">
+              <a:defRPr sz="1800" kern="1200">
+                <a:solidFill>
+                  <a:schemeClr val="tx1"/>
+                </a:solidFill>
+                <a:latin typeface="+mn-lt"/>
+                <a:ea typeface="+mn-ea"/>
+                <a:cs typeface="+mn-cs"/>
+              </a:defRPr>
+            </a:lvl8pPr>
+            <a:lvl9pPr marL="3657600" algn="l" defTabSz="914400" rtl="0" eaLnBrk="1" latinLnBrk="0" hangingPunct="1">
+              <a:defRPr sz="1800" kern="1200">
+                <a:solidFill>
+                  <a:schemeClr val="tx1"/>
+                </a:solidFill>
+                <a:latin typeface="+mn-lt"/>
+                <a:ea typeface="+mn-ea"/>
+                <a:cs typeface="+mn-cs"/>
+              </a:defRPr>
+            </a:lvl9pPr>
+          </a:lstStyle>
+          <a:p>
+            <a:r>
+              <a:rPr lang="en-SG" dirty="0"/>
+              <a:t>end</a:t>
+            </a:r>
+          </a:p>
+        </p:txBody>
+      </p:sp>
+      <p:sp>
+        <p:nvSpPr>
+          <p:cNvPr id="21" name="TextBox 204"/>
+          <p:cNvSpPr txBox="1"/>
+          <p:nvPr/>
+        </p:nvSpPr>
+        <p:spPr>
+          <a:xfrm>
+            <a:off x="7485853" y="3655091"/>
+            <a:ext cx="301686" cy="369332"/>
+          </a:xfrm>
+          <a:prstGeom prst="rect">
+            <a:avLst/>
+          </a:prstGeom>
+          <a:noFill/>
+        </p:spPr>
+        <p:txBody>
+          <a:bodyPr wrap="none" rtlCol="0">
+            <a:spAutoFit/>
+          </a:bodyPr>
+          <a:lstStyle>
+            <a:defPPr>
+              <a:defRPr lang="en-US"/>
+            </a:defPPr>
+            <a:lvl1pPr marL="0" algn="l" defTabSz="914400" rtl="0" eaLnBrk="1" latinLnBrk="0" hangingPunct="1">
+              <a:defRPr sz="1800" kern="1200">
+                <a:solidFill>
+                  <a:schemeClr val="tx1"/>
+                </a:solidFill>
+                <a:latin typeface="+mn-lt"/>
+                <a:ea typeface="+mn-ea"/>
+                <a:cs typeface="+mn-cs"/>
+              </a:defRPr>
+            </a:lvl1pPr>
+            <a:lvl2pPr marL="457200" algn="l" defTabSz="914400" rtl="0" eaLnBrk="1" latinLnBrk="0" hangingPunct="1">
+              <a:defRPr sz="1800" kern="1200">
+                <a:solidFill>
+                  <a:schemeClr val="tx1"/>
+                </a:solidFill>
+                <a:latin typeface="+mn-lt"/>
+                <a:ea typeface="+mn-ea"/>
+                <a:cs typeface="+mn-cs"/>
+              </a:defRPr>
+            </a:lvl2pPr>
+            <a:lvl3pPr marL="914400" algn="l" defTabSz="914400" rtl="0" eaLnBrk="1" latinLnBrk="0" hangingPunct="1">
+              <a:defRPr sz="1800" kern="1200">
+                <a:solidFill>
+                  <a:schemeClr val="tx1"/>
+                </a:solidFill>
+                <a:latin typeface="+mn-lt"/>
+                <a:ea typeface="+mn-ea"/>
+                <a:cs typeface="+mn-cs"/>
+              </a:defRPr>
+            </a:lvl3pPr>
+            <a:lvl4pPr marL="1371600" algn="l" defTabSz="914400" rtl="0" eaLnBrk="1" latinLnBrk="0" hangingPunct="1">
+              <a:defRPr sz="1800" kern="1200">
+                <a:solidFill>
+                  <a:schemeClr val="tx1"/>
+                </a:solidFill>
+                <a:latin typeface="+mn-lt"/>
+                <a:ea typeface="+mn-ea"/>
+                <a:cs typeface="+mn-cs"/>
+              </a:defRPr>
+            </a:lvl4pPr>
+            <a:lvl5pPr marL="1828800" algn="l" defTabSz="914400" rtl="0" eaLnBrk="1" latinLnBrk="0" hangingPunct="1">
+              <a:defRPr sz="1800" kern="1200">
+                <a:solidFill>
+                  <a:schemeClr val="tx1"/>
+                </a:solidFill>
+                <a:latin typeface="+mn-lt"/>
+                <a:ea typeface="+mn-ea"/>
+                <a:cs typeface="+mn-cs"/>
+              </a:defRPr>
+            </a:lvl5pPr>
+            <a:lvl6pPr marL="2286000" algn="l" defTabSz="914400" rtl="0" eaLnBrk="1" latinLnBrk="0" hangingPunct="1">
+              <a:defRPr sz="1800" kern="1200">
+                <a:solidFill>
+                  <a:schemeClr val="tx1"/>
+                </a:solidFill>
+                <a:latin typeface="+mn-lt"/>
+                <a:ea typeface="+mn-ea"/>
+                <a:cs typeface="+mn-cs"/>
+              </a:defRPr>
+            </a:lvl6pPr>
+            <a:lvl7pPr marL="2743200" algn="l" defTabSz="914400" rtl="0" eaLnBrk="1" latinLnBrk="0" hangingPunct="1">
+              <a:defRPr sz="1800" kern="1200">
+                <a:solidFill>
+                  <a:schemeClr val="tx1"/>
+                </a:solidFill>
+                <a:latin typeface="+mn-lt"/>
+                <a:ea typeface="+mn-ea"/>
+                <a:cs typeface="+mn-cs"/>
+              </a:defRPr>
+            </a:lvl7pPr>
+            <a:lvl8pPr marL="3200400" algn="l" defTabSz="914400" rtl="0" eaLnBrk="1" latinLnBrk="0" hangingPunct="1">
+              <a:defRPr sz="1800" kern="1200">
+                <a:solidFill>
+                  <a:schemeClr val="tx1"/>
+                </a:solidFill>
+                <a:latin typeface="+mn-lt"/>
+                <a:ea typeface="+mn-ea"/>
+                <a:cs typeface="+mn-cs"/>
+              </a:defRPr>
+            </a:lvl8pPr>
+            <a:lvl9pPr marL="3657600" algn="l" defTabSz="914400" rtl="0" eaLnBrk="1" latinLnBrk="0" hangingPunct="1">
+              <a:defRPr sz="1800" kern="1200">
+                <a:solidFill>
+                  <a:schemeClr val="tx1"/>
+                </a:solidFill>
+                <a:latin typeface="+mn-lt"/>
+                <a:ea typeface="+mn-ea"/>
+                <a:cs typeface="+mn-cs"/>
+              </a:defRPr>
+            </a:lvl9pPr>
+          </a:lstStyle>
+          <a:p>
+            <a:r>
+              <a:rPr lang="en-SG" dirty="0"/>
+              <a:t>1</a:t>
+            </a:r>
+          </a:p>
+        </p:txBody>
+      </p:sp>
+      <p:sp>
+        <p:nvSpPr>
+          <p:cNvPr id="22" name="TextBox 205"/>
+          <p:cNvSpPr txBox="1"/>
+          <p:nvPr/>
+        </p:nvSpPr>
+        <p:spPr>
+          <a:xfrm>
+            <a:off x="8634085" y="3655091"/>
+            <a:ext cx="301686" cy="369332"/>
+          </a:xfrm>
+          <a:prstGeom prst="rect">
+            <a:avLst/>
+          </a:prstGeom>
+          <a:noFill/>
+        </p:spPr>
+        <p:txBody>
+          <a:bodyPr wrap="none" rtlCol="0">
+            <a:spAutoFit/>
+          </a:bodyPr>
+          <a:lstStyle>
+            <a:defPPr>
+              <a:defRPr lang="en-US"/>
+            </a:defPPr>
+            <a:lvl1pPr marL="0" algn="l" defTabSz="914400" rtl="0" eaLnBrk="1" latinLnBrk="0" hangingPunct="1">
+              <a:defRPr sz="1800" kern="1200">
+                <a:solidFill>
+                  <a:schemeClr val="tx1"/>
+                </a:solidFill>
+                <a:latin typeface="+mn-lt"/>
+                <a:ea typeface="+mn-ea"/>
+                <a:cs typeface="+mn-cs"/>
+              </a:defRPr>
+            </a:lvl1pPr>
+            <a:lvl2pPr marL="457200" algn="l" defTabSz="914400" rtl="0" eaLnBrk="1" latinLnBrk="0" hangingPunct="1">
+              <a:defRPr sz="1800" kern="1200">
+                <a:solidFill>
+                  <a:schemeClr val="tx1"/>
+                </a:solidFill>
+                <a:latin typeface="+mn-lt"/>
+                <a:ea typeface="+mn-ea"/>
+                <a:cs typeface="+mn-cs"/>
+              </a:defRPr>
+            </a:lvl2pPr>
+            <a:lvl3pPr marL="914400" algn="l" defTabSz="914400" rtl="0" eaLnBrk="1" latinLnBrk="0" hangingPunct="1">
+              <a:defRPr sz="1800" kern="1200">
+                <a:solidFill>
+                  <a:schemeClr val="tx1"/>
+                </a:solidFill>
+                <a:latin typeface="+mn-lt"/>
+                <a:ea typeface="+mn-ea"/>
+                <a:cs typeface="+mn-cs"/>
+              </a:defRPr>
+            </a:lvl3pPr>
+            <a:lvl4pPr marL="1371600" algn="l" defTabSz="914400" rtl="0" eaLnBrk="1" latinLnBrk="0" hangingPunct="1">
+              <a:defRPr sz="1800" kern="1200">
+                <a:solidFill>
+                  <a:schemeClr val="tx1"/>
+                </a:solidFill>
+                <a:latin typeface="+mn-lt"/>
+                <a:ea typeface="+mn-ea"/>
+                <a:cs typeface="+mn-cs"/>
+              </a:defRPr>
+            </a:lvl4pPr>
+            <a:lvl5pPr marL="1828800" algn="l" defTabSz="914400" rtl="0" eaLnBrk="1" latinLnBrk="0" hangingPunct="1">
+              <a:defRPr sz="1800" kern="1200">
+                <a:solidFill>
+                  <a:schemeClr val="tx1"/>
+                </a:solidFill>
+                <a:latin typeface="+mn-lt"/>
+                <a:ea typeface="+mn-ea"/>
+                <a:cs typeface="+mn-cs"/>
+              </a:defRPr>
+            </a:lvl5pPr>
+            <a:lvl6pPr marL="2286000" algn="l" defTabSz="914400" rtl="0" eaLnBrk="1" latinLnBrk="0" hangingPunct="1">
+              <a:defRPr sz="1800" kern="1200">
+                <a:solidFill>
+                  <a:schemeClr val="tx1"/>
+                </a:solidFill>
+                <a:latin typeface="+mn-lt"/>
+                <a:ea typeface="+mn-ea"/>
+                <a:cs typeface="+mn-cs"/>
+              </a:defRPr>
+            </a:lvl6pPr>
+            <a:lvl7pPr marL="2743200" algn="l" defTabSz="914400" rtl="0" eaLnBrk="1" latinLnBrk="0" hangingPunct="1">
+              <a:defRPr sz="1800" kern="1200">
+                <a:solidFill>
+                  <a:schemeClr val="tx1"/>
+                </a:solidFill>
+                <a:latin typeface="+mn-lt"/>
+                <a:ea typeface="+mn-ea"/>
+                <a:cs typeface="+mn-cs"/>
+              </a:defRPr>
+            </a:lvl7pPr>
+            <a:lvl8pPr marL="3200400" algn="l" defTabSz="914400" rtl="0" eaLnBrk="1" latinLnBrk="0" hangingPunct="1">
+              <a:defRPr sz="1800" kern="1200">
+                <a:solidFill>
+                  <a:schemeClr val="tx1"/>
+                </a:solidFill>
+                <a:latin typeface="+mn-lt"/>
+                <a:ea typeface="+mn-ea"/>
+                <a:cs typeface="+mn-cs"/>
+              </a:defRPr>
+            </a:lvl8pPr>
+            <a:lvl9pPr marL="3657600" algn="l" defTabSz="914400" rtl="0" eaLnBrk="1" latinLnBrk="0" hangingPunct="1">
+              <a:defRPr sz="1800" kern="1200">
+                <a:solidFill>
+                  <a:schemeClr val="tx1"/>
+                </a:solidFill>
+                <a:latin typeface="+mn-lt"/>
+                <a:ea typeface="+mn-ea"/>
+                <a:cs typeface="+mn-cs"/>
+              </a:defRPr>
+            </a:lvl9pPr>
+          </a:lstStyle>
+          <a:p>
+            <a:r>
+              <a:rPr lang="en-SG" dirty="0"/>
+              <a:t>1</a:t>
+            </a:r>
+          </a:p>
+        </p:txBody>
+      </p:sp>
+      <p:sp>
+        <p:nvSpPr>
+          <p:cNvPr id="23" name="Rounded Rectangle 22"/>
+          <p:cNvSpPr/>
+          <p:nvPr/>
+        </p:nvSpPr>
+        <p:spPr>
+          <a:xfrm>
+            <a:off x="76200" y="990600"/>
+            <a:ext cx="9067800" cy="4572000"/>
+          </a:xfrm>
+          <a:prstGeom prst="roundRect">
+            <a:avLst/>
+          </a:prstGeom>
+          <a:noFill/>
+        </p:spPr>
+        <p:style>
+          <a:lnRef idx="2">
+            <a:schemeClr val="accent1">
+              <a:shade val="50000"/>
+            </a:schemeClr>
+          </a:lnRef>
+          <a:fillRef idx="1">
+            <a:schemeClr val="accent1"/>
+          </a:fillRef>
+          <a:effectRef idx="0">
+            <a:schemeClr val="accent1"/>
+          </a:effectRef>
+          <a:fontRef idx="minor">
+            <a:schemeClr val="lt1"/>
+          </a:fontRef>
+        </p:style>
+        <p:txBody>
+          <a:bodyPr rtlCol="0" anchor="ctr"/>
+          <a:lstStyle/>
+          <a:p>
+            <a:pPr algn="ctr"/>
+            <a:endParaRPr lang="en-US"/>
+          </a:p>
+        </p:txBody>
+      </p:sp>
+      <p:sp>
+        <p:nvSpPr>
+          <p:cNvPr id="24" name="TextBox 23"/>
+          <p:cNvSpPr txBox="1"/>
+          <p:nvPr/>
+        </p:nvSpPr>
+        <p:spPr>
+          <a:xfrm>
+            <a:off x="748610" y="1143000"/>
+            <a:ext cx="3137590" cy="369332"/>
+          </a:xfrm>
+          <a:prstGeom prst="rect">
+            <a:avLst/>
+          </a:prstGeom>
+          <a:noFill/>
+        </p:spPr>
+        <p:txBody>
+          <a:bodyPr wrap="none" rtlCol="0">
+            <a:spAutoFit/>
+          </a:bodyPr>
+          <a:lstStyle/>
+          <a:p>
+            <a:r>
+              <a:rPr lang="en-US" dirty="0" smtClean="0"/>
+              <a:t>Object Oriented Domain Model</a:t>
+            </a:r>
+            <a:endParaRPr lang="en-US" dirty="0"/>
+          </a:p>
+        </p:txBody>
+      </p:sp>
+    </p:spTree>
+    <p:extLst>
+      <p:ext uri="{BB962C8B-B14F-4D97-AF65-F5344CB8AC3E}">
+        <p14:creationId xmlns:p14="http://schemas.microsoft.com/office/powerpoint/2010/main" val="3596346036"/>
       </p:ext>
     </p:extLst>
   </p:cSld>

--- a/docs/diagrams/Diagrams.pptx
+++ b/docs/diagrams/Diagrams.pptx
@@ -133,7 +133,7 @@
   </p:defaultTextStyle>
   <p:extLst>
     <p:ext uri="{EFAFB233-063F-42B5-8137-9DF3F51BA10A}">
-      <p15:sldGuideLst xmlns="" xmlns:p15="http://schemas.microsoft.com/office/powerpoint/2012/main">
+      <p15:sldGuideLst xmlns:p15="http://schemas.microsoft.com/office/powerpoint/2012/main">
         <p15:guide id="1" orient="horz" pos="1488">
           <p15:clr>
             <a:srgbClr val="A4A3A4"/>
@@ -4494,14 +4494,6 @@
               </a:rPr>
               <a:t>performUndo</a:t>
             </a:r>
-            <a:r>
-              <a:rPr lang="en-US" sz="1400" dirty="0">
-                <a:solidFill>
-                  <a:srgbClr val="7030A0"/>
-                </a:solidFill>
-              </a:rPr>
-              <a:t/>
-            </a:r>
             <a:br>
               <a:rPr lang="en-US" sz="1400" dirty="0">
                 <a:solidFill>
@@ -10734,14 +10726,6 @@
                 </a:solidFill>
               </a:rPr>
               <a:t>addMutateCmd</a:t>
-            </a:r>
-            <a:r>
-              <a:rPr lang="en-US" sz="1400" dirty="0">
-                <a:solidFill>
-                  <a:srgbClr val="0070C0"/>
-                </a:solidFill>
-              </a:rPr>
-              <a:t/>
             </a:r>
             <a:br>
               <a:rPr lang="en-US" sz="1400" dirty="0">
@@ -15392,7 +15376,7 @@
         </p:nvCxnSpPr>
         <p:spPr>
           <a:xfrm>
-            <a:off x="3962400" y="2743200"/>
+            <a:off x="4038600" y="2743200"/>
             <a:ext cx="0" cy="381000"/>
           </a:xfrm>
           <a:prstGeom prst="straightConnector1">
@@ -16158,42 +16142,6 @@
                 <a:lumMod val="75000"/>
               </a:schemeClr>
             </a:solidFill>
-          </a:ln>
-        </p:spPr>
-        <p:style>
-          <a:lnRef idx="1">
-            <a:schemeClr val="accent1"/>
-          </a:lnRef>
-          <a:fillRef idx="0">
-            <a:schemeClr val="accent1"/>
-          </a:fillRef>
-          <a:effectRef idx="0">
-            <a:schemeClr val="accent1"/>
-          </a:effectRef>
-          <a:fontRef idx="minor">
-            <a:schemeClr val="tx1"/>
-          </a:fontRef>
-        </p:style>
-      </p:cxnSp>
-      <p:cxnSp>
-        <p:nvCxnSpPr>
-          <p:cNvPr id="41" name="Straight Arrow Connector 40"/>
-          <p:cNvCxnSpPr/>
-          <p:nvPr/>
-        </p:nvCxnSpPr>
-        <p:spPr>
-          <a:xfrm flipV="1">
-            <a:off x="4169831" y="2743200"/>
-            <a:ext cx="0" cy="381000"/>
-          </a:xfrm>
-          <a:prstGeom prst="straightConnector1">
-            <a:avLst/>
-          </a:prstGeom>
-          <a:ln w="28575">
-            <a:solidFill>
-              <a:srgbClr val="7030A0"/>
-            </a:solidFill>
-            <a:tailEnd type="arrow"/>
           </a:ln>
         </p:spPr>
         <p:style>
@@ -17083,14 +17031,6 @@
   <p:clrMapOvr>
     <a:masterClrMapping/>
   </p:clrMapOvr>
-  <mc:AlternateContent xmlns:mc="http://schemas.openxmlformats.org/markup-compatibility/2006" xmlns:p14="http://schemas.microsoft.com/office/powerpoint/2010/main">
-    <mc:Choice Requires="p14">
-      <p:transition spd="slow" p14:dur="2000"/>
-    </mc:Choice>
-    <mc:Fallback xmlns="">
-      <p:transition spd="slow"/>
-    </mc:Fallback>
-  </mc:AlternateContent>
 </p:sld>
 </file>
 
@@ -17310,18 +17250,13 @@
             <a:lstStyle/>
             <a:p>
               <a:r>
-                <a:rPr lang="en-US" sz="1200" dirty="0" smtClean="0">
+                <a:rPr lang="en-US" sz="1200" dirty="0">
                   <a:solidFill>
                     <a:schemeClr val="bg1"/>
                   </a:solidFill>
                 </a:rPr>
                 <a:t>Task assigned to user</a:t>
               </a:r>
-              <a:endParaRPr lang="en-US" sz="1200" dirty="0">
-                <a:solidFill>
-                  <a:schemeClr val="bg1"/>
-                </a:solidFill>
-              </a:endParaRPr>
             </a:p>
           </p:txBody>
         </p:sp>
@@ -17414,18 +17349,13 @@
             <a:lstStyle/>
             <a:p>
               <a:r>
-                <a:rPr lang="en-US" sz="1200" dirty="0" smtClean="0">
+                <a:rPr lang="en-US" sz="1200" dirty="0">
                   <a:solidFill>
                     <a:schemeClr val="bg1"/>
                   </a:solidFill>
                 </a:rPr>
                 <a:t>Can be done immediately?</a:t>
               </a:r>
-              <a:endParaRPr lang="en-US" sz="1200" dirty="0">
-                <a:solidFill>
-                  <a:schemeClr val="bg1"/>
-                </a:solidFill>
-              </a:endParaRPr>
             </a:p>
           </p:txBody>
         </p:sp>
@@ -17518,18 +17448,13 @@
             <a:lstStyle/>
             <a:p>
               <a:r>
-                <a:rPr lang="en-US" sz="1200" dirty="0" smtClean="0">
+                <a:rPr lang="en-US" sz="1200" dirty="0">
                   <a:solidFill>
                     <a:schemeClr val="bg1"/>
                   </a:solidFill>
                 </a:rPr>
                 <a:t>Do it right away</a:t>
               </a:r>
-              <a:endParaRPr lang="en-US" sz="1200" dirty="0">
-                <a:solidFill>
-                  <a:schemeClr val="bg1"/>
-                </a:solidFill>
-              </a:endParaRPr>
             </a:p>
           </p:txBody>
         </p:sp>
@@ -17622,18 +17547,13 @@
             <a:lstStyle/>
             <a:p>
               <a:r>
-                <a:rPr lang="en-US" sz="1200" dirty="0" smtClean="0">
+                <a:rPr lang="en-US" sz="1200" dirty="0">
                   <a:solidFill>
                     <a:schemeClr val="bg1"/>
                   </a:solidFill>
                 </a:rPr>
                 <a:t>Add task into Must Do List</a:t>
               </a:r>
-              <a:endParaRPr lang="en-US" sz="1200" dirty="0">
-                <a:solidFill>
-                  <a:schemeClr val="bg1"/>
-                </a:solidFill>
-              </a:endParaRPr>
             </a:p>
           </p:txBody>
         </p:sp>
@@ -17806,18 +17726,13 @@
             <a:lstStyle/>
             <a:p>
               <a:r>
-                <a:rPr lang="en-US" sz="1200" dirty="0" smtClean="0">
+                <a:rPr lang="en-US" sz="1200" dirty="0">
                   <a:solidFill>
                     <a:schemeClr val="bg1"/>
                   </a:solidFill>
                 </a:rPr>
                 <a:t>Archive the task</a:t>
               </a:r>
-              <a:endParaRPr lang="en-US" sz="1200" dirty="0">
-                <a:solidFill>
-                  <a:schemeClr val="bg1"/>
-                </a:solidFill>
-              </a:endParaRPr>
             </a:p>
           </p:txBody>
         </p:sp>
@@ -18121,18 +18036,13 @@
             <a:lstStyle/>
             <a:p>
               <a:r>
-                <a:rPr lang="en-US" sz="1200" dirty="0" smtClean="0">
+                <a:rPr lang="en-US" sz="1200" dirty="0">
                   <a:solidFill>
                     <a:schemeClr val="bg1"/>
                   </a:solidFill>
                 </a:rPr>
                 <a:t>Pick something to do</a:t>
               </a:r>
-              <a:endParaRPr lang="en-US" sz="1200" dirty="0">
-                <a:solidFill>
-                  <a:schemeClr val="bg1"/>
-                </a:solidFill>
-              </a:endParaRPr>
             </a:p>
           </p:txBody>
         </p:sp>
@@ -18225,18 +18135,13 @@
             <a:lstStyle/>
             <a:p>
               <a:r>
-                <a:rPr lang="en-US" sz="1200" dirty="0" smtClean="0">
+                <a:rPr lang="en-US" sz="1200" dirty="0">
                   <a:solidFill>
                     <a:schemeClr val="bg1"/>
                   </a:solidFill>
                 </a:rPr>
                 <a:t>Can be done immediately?</a:t>
               </a:r>
-              <a:endParaRPr lang="en-US" sz="1200" dirty="0">
-                <a:solidFill>
-                  <a:schemeClr val="bg1"/>
-                </a:solidFill>
-              </a:endParaRPr>
             </a:p>
           </p:txBody>
         </p:sp>
@@ -18329,18 +18234,13 @@
             <a:lstStyle/>
             <a:p>
               <a:r>
-                <a:rPr lang="en-US" sz="1200" dirty="0" smtClean="0">
+                <a:rPr lang="en-US" sz="1200" dirty="0">
                   <a:solidFill>
                     <a:schemeClr val="bg1"/>
                   </a:solidFill>
                 </a:rPr>
                 <a:t>Do it right away</a:t>
               </a:r>
-              <a:endParaRPr lang="en-US" sz="1200" dirty="0">
-                <a:solidFill>
-                  <a:schemeClr val="bg1"/>
-                </a:solidFill>
-              </a:endParaRPr>
             </a:p>
           </p:txBody>
         </p:sp>
@@ -18433,18 +18333,13 @@
             <a:lstStyle/>
             <a:p>
               <a:r>
-                <a:rPr lang="en-US" sz="1200" dirty="0" smtClean="0">
+                <a:rPr lang="en-US" sz="1200" dirty="0">
                   <a:solidFill>
                     <a:schemeClr val="bg1"/>
                   </a:solidFill>
                 </a:rPr>
                 <a:t>Reschedule task </a:t>
               </a:r>
-              <a:endParaRPr lang="en-US" sz="1200" dirty="0">
-                <a:solidFill>
-                  <a:schemeClr val="bg1"/>
-                </a:solidFill>
-              </a:endParaRPr>
             </a:p>
           </p:txBody>
         </p:sp>
@@ -18609,18 +18504,13 @@
             <a:lstStyle/>
             <a:p>
               <a:r>
-                <a:rPr lang="en-US" sz="1200" dirty="0" smtClean="0">
+                <a:rPr lang="en-US" sz="1200" dirty="0">
                   <a:solidFill>
                     <a:schemeClr val="bg1"/>
                   </a:solidFill>
                 </a:rPr>
                 <a:t>Mark as “done”</a:t>
               </a:r>
-              <a:endParaRPr lang="en-US" sz="1200" dirty="0">
-                <a:solidFill>
-                  <a:schemeClr val="bg1"/>
-                </a:solidFill>
-              </a:endParaRPr>
             </a:p>
           </p:txBody>
         </p:sp>
@@ -18847,18 +18737,13 @@
             <a:lstStyle/>
             <a:p>
               <a:r>
-                <a:rPr lang="en-US" sz="1200" dirty="0" smtClean="0">
+                <a:rPr lang="en-US" sz="1200" dirty="0">
                   <a:solidFill>
                     <a:schemeClr val="bg1"/>
                   </a:solidFill>
                 </a:rPr>
                 <a:t>Free to do some work</a:t>
               </a:r>
-              <a:endParaRPr lang="en-US" sz="1200" dirty="0">
-                <a:solidFill>
-                  <a:schemeClr val="bg1"/>
-                </a:solidFill>
-              </a:endParaRPr>
             </a:p>
           </p:txBody>
         </p:sp>
@@ -19059,18 +18944,13 @@
             <a:lstStyle/>
             <a:p>
               <a:r>
-                <a:rPr lang="en-US" sz="1200" dirty="0" smtClean="0">
+                <a:rPr lang="en-US" sz="1200" dirty="0">
                   <a:solidFill>
                     <a:schemeClr val="bg1"/>
                   </a:solidFill>
                 </a:rPr>
                 <a:t>Update Must Do List</a:t>
               </a:r>
-              <a:endParaRPr lang="en-US" sz="1200" dirty="0">
-                <a:solidFill>
-                  <a:schemeClr val="bg1"/>
-                </a:solidFill>
-              </a:endParaRPr>
             </a:p>
           </p:txBody>
         </p:sp>
@@ -19244,10 +19124,9 @@
           <a:lstStyle/>
           <a:p>
             <a:r>
-              <a:rPr lang="en-US" sz="1200" dirty="0" smtClean="0"/>
+              <a:rPr lang="en-US" sz="1200" dirty="0"/>
               <a:t>Yes</a:t>
             </a:r>
-            <a:endParaRPr lang="en-US" sz="1200" dirty="0"/>
           </a:p>
         </p:txBody>
       </p:sp>
@@ -19274,10 +19153,9 @@
           <a:lstStyle/>
           <a:p>
             <a:r>
-              <a:rPr lang="en-US" dirty="0" smtClean="0"/>
+              <a:rPr lang="en-US" dirty="0"/>
               <a:t>Activity Diagram</a:t>
             </a:r>
-            <a:endParaRPr lang="en-US" dirty="0"/>
           </a:p>
         </p:txBody>
       </p:sp>
@@ -19304,10 +19182,9 @@
           <a:lstStyle/>
           <a:p>
             <a:r>
-              <a:rPr lang="en-US" sz="1200" dirty="0" smtClean="0"/>
+              <a:rPr lang="en-US" sz="1200" dirty="0"/>
               <a:t>No</a:t>
             </a:r>
-            <a:endParaRPr lang="en-US" sz="1200" dirty="0"/>
           </a:p>
         </p:txBody>
       </p:sp>
@@ -19406,10 +19283,9 @@
           <a:lstStyle/>
           <a:p>
             <a:r>
-              <a:rPr lang="en-US" sz="1200" dirty="0" smtClean="0"/>
+              <a:rPr lang="en-US" sz="1200" dirty="0"/>
               <a:t>Yes</a:t>
             </a:r>
-            <a:endParaRPr lang="en-US" sz="1200" dirty="0"/>
           </a:p>
         </p:txBody>
       </p:sp>
@@ -19436,10 +19312,9 @@
           <a:lstStyle/>
           <a:p>
             <a:r>
-              <a:rPr lang="en-US" sz="1200" dirty="0" smtClean="0"/>
+              <a:rPr lang="en-US" sz="1200" dirty="0"/>
               <a:t>No</a:t>
             </a:r>
-            <a:endParaRPr lang="en-US" sz="1200" dirty="0"/>
           </a:p>
         </p:txBody>
       </p:sp>
@@ -20441,7 +20316,7 @@
           <a:p>
             <a:pPr algn="ctr"/>
             <a:r>
-              <a:rPr lang="en-SG" dirty="0" err="1" smtClean="0"/>
+              <a:rPr lang="en-SG" dirty="0" err="1"/>
               <a:t>DateTime</a:t>
             </a:r>
             <a:endParaRPr lang="en-SG" dirty="0"/>
@@ -21692,10 +21567,9 @@
           <a:lstStyle/>
           <a:p>
             <a:r>
-              <a:rPr lang="en-US" dirty="0" smtClean="0"/>
+              <a:rPr lang="en-US" dirty="0"/>
               <a:t>Object Oriented Domain Model</a:t>
             </a:r>
-            <a:endParaRPr lang="en-US" dirty="0"/>
           </a:p>
         </p:txBody>
       </p:sp>
@@ -24336,7 +24210,7 @@
         <p:spPr>
           <a:xfrm>
             <a:off x="1217465" y="1447800"/>
-            <a:ext cx="4917083" cy="3962400"/>
+            <a:ext cx="4917083" cy="5181600"/>
           </a:xfrm>
           <a:prstGeom prst="roundRect">
             <a:avLst>
@@ -24770,8 +24644,8 @@
         </p:nvSpPr>
         <p:spPr>
           <a:xfrm>
-            <a:off x="2592528" y="3649359"/>
-            <a:ext cx="1093635" cy="236841"/>
+            <a:off x="2592527" y="4161518"/>
+            <a:ext cx="1130400" cy="236841"/>
           </a:xfrm>
           <a:prstGeom prst="rect">
             <a:avLst/>
@@ -24810,7 +24684,7 @@
                   </a:schemeClr>
                 </a:solidFill>
               </a:rPr>
-              <a:t>BrowserPanel</a:t>
+              <a:t>PriorityListPanel</a:t>
             </a:r>
             <a:endParaRPr lang="en-SG" sz="1050" b="1" dirty="0">
               <a:solidFill>
@@ -24830,7 +24704,7 @@
         </p:nvSpPr>
         <p:spPr>
           <a:xfrm>
-            <a:off x="2592527" y="4563759"/>
+            <a:off x="2592527" y="5075918"/>
             <a:ext cx="1093635" cy="236841"/>
           </a:xfrm>
           <a:prstGeom prst="rect">
@@ -24890,7 +24764,7 @@
         </p:nvSpPr>
         <p:spPr>
           <a:xfrm>
-            <a:off x="2592526" y="3991960"/>
+            <a:off x="2592526" y="4610477"/>
             <a:ext cx="1093635" cy="236841"/>
           </a:xfrm>
           <a:prstGeom prst="rect">
@@ -24950,7 +24824,7 @@
         </p:nvSpPr>
         <p:spPr>
           <a:xfrm>
-            <a:off x="3839323" y="4228801"/>
+            <a:off x="3839323" y="4839077"/>
             <a:ext cx="1040906" cy="236841"/>
           </a:xfrm>
           <a:prstGeom prst="rect">
@@ -24983,7 +24857,7 @@
           <a:p>
             <a:pPr algn="ctr"/>
             <a:r>
-              <a:rPr lang="en-US" sz="1050" b="1">
+              <a:rPr lang="en-US" sz="1050" b="1" dirty="0" err="1">
                 <a:solidFill>
                   <a:schemeClr val="accent3">
                     <a:lumMod val="75000"/>
@@ -25010,7 +24884,7 @@
         </p:nvSpPr>
         <p:spPr>
           <a:xfrm>
-            <a:off x="2592528" y="4966000"/>
+            <a:off x="2592528" y="5478159"/>
             <a:ext cx="1093635" cy="236841"/>
           </a:xfrm>
           <a:prstGeom prst="rect">
@@ -25159,7 +25033,7 @@
         </p:nvSpPr>
         <p:spPr>
           <a:xfrm>
-            <a:off x="3759694" y="3416961"/>
+            <a:off x="3835894" y="3416961"/>
             <a:ext cx="1040906" cy="236841"/>
           </a:xfrm>
           <a:prstGeom prst="rect">
@@ -25222,8 +25096,8 @@
         </p:nvCxnSpPr>
         <p:spPr>
           <a:xfrm rot="16200000" flipH="1">
-            <a:off x="2054450" y="3229701"/>
-            <a:ext cx="899755" cy="176402"/>
+            <a:off x="1798369" y="3485781"/>
+            <a:ext cx="1411914" cy="176401"/>
           </a:xfrm>
           <a:prstGeom prst="bentConnector2">
             <a:avLst/>
@@ -25263,8 +25137,8 @@
         </p:nvCxnSpPr>
         <p:spPr>
           <a:xfrm rot="16200000" flipH="1">
-            <a:off x="1883148" y="3401003"/>
-            <a:ext cx="1242356" cy="176400"/>
+            <a:off x="1573890" y="3710261"/>
+            <a:ext cx="1860873" cy="176400"/>
           </a:xfrm>
           <a:prstGeom prst="bentConnector2">
             <a:avLst/>
@@ -25304,8 +25178,8 @@
         </p:nvCxnSpPr>
         <p:spPr>
           <a:xfrm rot="16200000" flipH="1">
-            <a:off x="1597249" y="3686901"/>
-            <a:ext cx="1814155" cy="176401"/>
+            <a:off x="1341169" y="3942981"/>
+            <a:ext cx="2326314" cy="176401"/>
           </a:xfrm>
           <a:prstGeom prst="bentConnector2">
             <a:avLst/>
@@ -25338,17 +25212,20 @@
         <p:nvCxnSpPr>
           <p:cNvPr id="53" name="Elbow Connector 63"/>
           <p:cNvCxnSpPr>
+            <a:stCxn id="2" idx="1"/>
             <a:endCxn id="38" idx="1"/>
           </p:cNvCxnSpPr>
           <p:nvPr/>
         </p:nvCxnSpPr>
         <p:spPr>
-          <a:xfrm rot="16200000" flipH="1">
-            <a:off x="1184119" y="3676012"/>
-            <a:ext cx="2396440" cy="420377"/>
-          </a:xfrm>
-          <a:prstGeom prst="bentConnector2">
-            <a:avLst/>
+          <a:xfrm rot="10800000" flipH="1" flipV="1">
+            <a:off x="2095948" y="2514600"/>
+            <a:ext cx="496580" cy="3081980"/>
+          </a:xfrm>
+          <a:prstGeom prst="bentConnector3">
+            <a:avLst>
+              <a:gd name="adj1" fmla="val -46035"/>
+            </a:avLst>
           </a:prstGeom>
           <a:ln w="19050">
             <a:solidFill>
@@ -25464,8 +25341,8 @@
         </p:nvCxnSpPr>
         <p:spPr>
           <a:xfrm flipV="1">
-            <a:off x="4800600" y="2286000"/>
-            <a:ext cx="729369" cy="1249382"/>
+            <a:off x="4876800" y="2286000"/>
+            <a:ext cx="653169" cy="1249382"/>
           </a:xfrm>
           <a:prstGeom prst="bentConnector2">
             <a:avLst/>
@@ -25505,8 +25382,8 @@
         </p:nvCxnSpPr>
         <p:spPr>
           <a:xfrm rot="5400000">
-            <a:off x="4174488" y="2991741"/>
-            <a:ext cx="2061222" cy="649740"/>
+            <a:off x="3869350" y="3296879"/>
+            <a:ext cx="2671498" cy="649740"/>
           </a:xfrm>
           <a:prstGeom prst="bentConnector2">
             <a:avLst/>
@@ -25546,8 +25423,8 @@
         </p:nvCxnSpPr>
         <p:spPr>
           <a:xfrm rot="5400000">
-            <a:off x="3867176" y="2104987"/>
-            <a:ext cx="1481780" cy="1843806"/>
+            <a:off x="3629479" y="2379448"/>
+            <a:ext cx="1993939" cy="1807042"/>
           </a:xfrm>
           <a:prstGeom prst="bentConnector2">
             <a:avLst/>
@@ -25628,8 +25505,8 @@
         </p:nvCxnSpPr>
         <p:spPr>
           <a:xfrm rot="5400000">
-            <a:off x="3409976" y="2562187"/>
-            <a:ext cx="2396180" cy="1843807"/>
+            <a:off x="3153897" y="2818266"/>
+            <a:ext cx="2908339" cy="1843807"/>
           </a:xfrm>
           <a:prstGeom prst="bentConnector2">
             <a:avLst/>
@@ -25669,8 +25546,8 @@
         </p:nvCxnSpPr>
         <p:spPr>
           <a:xfrm rot="5400000">
-            <a:off x="3208856" y="2763307"/>
-            <a:ext cx="2798421" cy="1843806"/>
+            <a:off x="2952776" y="3019387"/>
+            <a:ext cx="3310580" cy="1843806"/>
           </a:xfrm>
           <a:prstGeom prst="bentConnector2">
             <a:avLst/>
@@ -25886,8 +25763,8 @@
         </p:nvSpPr>
         <p:spPr>
           <a:xfrm rot="16200000">
-            <a:off x="6213739" y="4560376"/>
-            <a:ext cx="1371599" cy="328045"/>
+            <a:off x="5932429" y="4827074"/>
+            <a:ext cx="1905001" cy="328047"/>
           </a:xfrm>
           <a:prstGeom prst="roundRect">
             <a:avLst/>
@@ -26109,8 +25986,8 @@
         </p:nvCxnSpPr>
         <p:spPr>
           <a:xfrm rot="16200000" flipH="1">
-            <a:off x="3389830" y="3165517"/>
-            <a:ext cx="119381" cy="620348"/>
+            <a:off x="3427930" y="3127417"/>
+            <a:ext cx="119381" cy="696548"/>
           </a:xfrm>
           <a:prstGeom prst="bentConnector2">
             <a:avLst/>
@@ -26191,8 +26068,8 @@
         </p:nvCxnSpPr>
         <p:spPr>
           <a:xfrm rot="16200000" flipH="1">
-            <a:off x="3430123" y="3938021"/>
-            <a:ext cx="118421" cy="699979"/>
+            <a:off x="3434243" y="4552418"/>
+            <a:ext cx="110180" cy="699979"/>
           </a:xfrm>
           <a:prstGeom prst="bentConnector2">
             <a:avLst/>
@@ -26232,8 +26109,8 @@
         </p:nvCxnSpPr>
         <p:spPr>
           <a:xfrm rot="5400000">
-            <a:off x="3695875" y="2276286"/>
-            <a:ext cx="1824381" cy="1843808"/>
+            <a:off x="3386616" y="2585545"/>
+            <a:ext cx="2442898" cy="1843808"/>
           </a:xfrm>
           <a:prstGeom prst="bentConnector2">
             <a:avLst/>
@@ -26405,7 +26282,7 @@
         </p:nvSpPr>
         <p:spPr>
           <a:xfrm>
-            <a:off x="5431573" y="4488138"/>
+            <a:off x="5409475" y="5291665"/>
             <a:ext cx="229325" cy="160062"/>
           </a:xfrm>
           <a:prstGeom prst="rect">
@@ -26450,16 +26327,494 @@
           </a:p>
         </p:txBody>
       </p:sp>
+      <p:cxnSp>
+        <p:nvCxnSpPr>
+          <p:cNvPr id="49" name="Elbow Connector 136"/>
+          <p:cNvCxnSpPr>
+            <a:stCxn id="34" idx="2"/>
+            <a:endCxn id="37" idx="0"/>
+          </p:cNvCxnSpPr>
+          <p:nvPr/>
+        </p:nvCxnSpPr>
+        <p:spPr>
+          <a:xfrm rot="16200000" flipH="1">
+            <a:off x="3538392" y="4017693"/>
+            <a:ext cx="440718" cy="1202049"/>
+          </a:xfrm>
+          <a:prstGeom prst="bentConnector3">
+            <a:avLst>
+              <a:gd name="adj1" fmla="val 28868"/>
+            </a:avLst>
+          </a:prstGeom>
+          <a:ln w="19050">
+            <a:solidFill>
+              <a:schemeClr val="accent3"/>
+            </a:solidFill>
+            <a:headEnd type="none" w="med" len="med"/>
+            <a:tailEnd type="arrow" w="med" len="med"/>
+          </a:ln>
+          <a:effectLst/>
+        </p:spPr>
+        <p:style>
+          <a:lnRef idx="1">
+            <a:schemeClr val="accent2"/>
+          </a:lnRef>
+          <a:fillRef idx="2">
+            <a:schemeClr val="accent2"/>
+          </a:fillRef>
+          <a:effectRef idx="1">
+            <a:schemeClr val="accent2"/>
+          </a:effectRef>
+          <a:fontRef idx="minor">
+            <a:schemeClr val="dk1"/>
+          </a:fontRef>
+        </p:style>
+      </p:cxnSp>
       <p:sp>
         <p:nvSpPr>
-          <p:cNvPr id="118" name="Freeform 117"/>
+          <p:cNvPr id="57" name="Rectangle 11"/>
           <p:cNvSpPr/>
           <p:nvPr/>
         </p:nvSpPr>
         <p:spPr>
+          <a:xfrm>
+            <a:off x="2592527" y="3738105"/>
+            <a:ext cx="1090530" cy="220843"/>
+          </a:xfrm>
+          <a:prstGeom prst="rect">
+            <a:avLst/>
+          </a:prstGeom>
+          <a:ln w="19050">
+            <a:solidFill>
+              <a:schemeClr val="accent3"/>
+            </a:solidFill>
+          </a:ln>
+          <a:effectLst/>
+        </p:spPr>
+        <p:style>
+          <a:lnRef idx="1">
+            <a:schemeClr val="accent3"/>
+          </a:lnRef>
+          <a:fillRef idx="2">
+            <a:schemeClr val="accent3"/>
+          </a:fillRef>
+          <a:effectRef idx="1">
+            <a:schemeClr val="accent3"/>
+          </a:effectRef>
+          <a:fontRef idx="minor">
+            <a:schemeClr val="dk1"/>
+          </a:fontRef>
+        </p:style>
+        <p:txBody>
+          <a:bodyPr rtlCol="0" anchor="ctr"/>
+          <a:lstStyle/>
+          <a:p>
+            <a:pPr algn="ctr"/>
+            <a:r>
+              <a:rPr lang="en-US" sz="1050" b="1" dirty="0" err="1">
+                <a:solidFill>
+                  <a:schemeClr val="accent3">
+                    <a:lumMod val="75000"/>
+                  </a:schemeClr>
+                </a:solidFill>
+              </a:rPr>
+              <a:t>TagListPanel</a:t>
+            </a:r>
+            <a:endParaRPr lang="en-SG" sz="1050" b="1" dirty="0">
+              <a:solidFill>
+                <a:schemeClr val="accent3">
+                  <a:lumMod val="75000"/>
+                </a:schemeClr>
+              </a:solidFill>
+            </a:endParaRPr>
+          </a:p>
+        </p:txBody>
+      </p:sp>
+      <p:cxnSp>
+        <p:nvCxnSpPr>
+          <p:cNvPr id="58" name="Elbow Connector 63"/>
+          <p:cNvCxnSpPr>
+            <a:stCxn id="39" idx="2"/>
+            <a:endCxn id="57" idx="1"/>
+          </p:cNvCxnSpPr>
+          <p:nvPr/>
+        </p:nvCxnSpPr>
+        <p:spPr>
+          <a:xfrm rot="16200000" flipH="1">
+            <a:off x="2014075" y="3270075"/>
+            <a:ext cx="980502" cy="176401"/>
+          </a:xfrm>
+          <a:prstGeom prst="bentConnector2">
+            <a:avLst/>
+          </a:prstGeom>
+          <a:ln w="19050">
+            <a:solidFill>
+              <a:schemeClr val="accent3"/>
+            </a:solidFill>
+            <a:headEnd type="none" w="med" len="med"/>
+            <a:tailEnd type="arrow" w="med" len="med"/>
+          </a:ln>
+          <a:effectLst/>
+        </p:spPr>
+        <p:style>
+          <a:lnRef idx="1">
+            <a:schemeClr val="accent2"/>
+          </a:lnRef>
+          <a:fillRef idx="2">
+            <a:schemeClr val="accent2"/>
+          </a:fillRef>
+          <a:effectRef idx="1">
+            <a:schemeClr val="accent2"/>
+          </a:effectRef>
+          <a:fontRef idx="minor">
+            <a:schemeClr val="dk1"/>
+          </a:fontRef>
+        </p:style>
+      </p:cxnSp>
+      <p:cxnSp>
+        <p:nvCxnSpPr>
+          <p:cNvPr id="61" name="Elbow Connector 136"/>
+          <p:cNvCxnSpPr>
+            <a:stCxn id="57" idx="3"/>
+            <a:endCxn id="64" idx="0"/>
+          </p:cNvCxnSpPr>
+          <p:nvPr/>
+        </p:nvCxnSpPr>
+        <p:spPr>
+          <a:xfrm>
+            <a:off x="3683057" y="3848527"/>
+            <a:ext cx="676719" cy="147590"/>
+          </a:xfrm>
+          <a:prstGeom prst="bentConnector2">
+            <a:avLst/>
+          </a:prstGeom>
+          <a:ln w="19050">
+            <a:solidFill>
+              <a:schemeClr val="accent3"/>
+            </a:solidFill>
+            <a:headEnd type="none" w="med" len="med"/>
+            <a:tailEnd type="arrow" w="med" len="med"/>
+          </a:ln>
+          <a:effectLst/>
+        </p:spPr>
+        <p:style>
+          <a:lnRef idx="1">
+            <a:schemeClr val="accent2"/>
+          </a:lnRef>
+          <a:fillRef idx="2">
+            <a:schemeClr val="accent2"/>
+          </a:fillRef>
+          <a:effectRef idx="1">
+            <a:schemeClr val="accent2"/>
+          </a:effectRef>
+          <a:fontRef idx="minor">
+            <a:schemeClr val="dk1"/>
+          </a:fontRef>
+        </p:style>
+      </p:cxnSp>
+      <p:sp>
+        <p:nvSpPr>
+          <p:cNvPr id="64" name="Rectangle 11"/>
+          <p:cNvSpPr/>
+          <p:nvPr/>
+        </p:nvSpPr>
+        <p:spPr>
+          <a:xfrm>
+            <a:off x="3839323" y="3996117"/>
+            <a:ext cx="1040906" cy="236841"/>
+          </a:xfrm>
+          <a:prstGeom prst="rect">
+            <a:avLst/>
+          </a:prstGeom>
+          <a:ln w="19050">
+            <a:solidFill>
+              <a:schemeClr val="accent3"/>
+            </a:solidFill>
+          </a:ln>
+          <a:effectLst/>
+        </p:spPr>
+        <p:style>
+          <a:lnRef idx="1">
+            <a:schemeClr val="accent3"/>
+          </a:lnRef>
+          <a:fillRef idx="2">
+            <a:schemeClr val="accent3"/>
+          </a:fillRef>
+          <a:effectRef idx="1">
+            <a:schemeClr val="accent3"/>
+          </a:effectRef>
+          <a:fontRef idx="minor">
+            <a:schemeClr val="dk1"/>
+          </a:fontRef>
+        </p:style>
+        <p:txBody>
+          <a:bodyPr rtlCol="0" anchor="ctr"/>
+          <a:lstStyle/>
+          <a:p>
+            <a:pPr algn="ctr"/>
+            <a:r>
+              <a:rPr lang="en-SG" sz="1050" b="1" dirty="0" err="1">
+                <a:solidFill>
+                  <a:schemeClr val="accent3">
+                    <a:lumMod val="75000"/>
+                  </a:schemeClr>
+                </a:solidFill>
+              </a:rPr>
+              <a:t>TagCard</a:t>
+            </a:r>
+            <a:endParaRPr lang="en-SG" sz="1050" b="1" dirty="0">
+              <a:solidFill>
+                <a:schemeClr val="accent3">
+                  <a:lumMod val="75000"/>
+                </a:schemeClr>
+              </a:solidFill>
+            </a:endParaRPr>
+          </a:p>
+        </p:txBody>
+      </p:sp>
+      <p:sp>
+        <p:nvSpPr>
+          <p:cNvPr id="68" name="Rectangle 11"/>
+          <p:cNvSpPr/>
+          <p:nvPr/>
+        </p:nvSpPr>
+        <p:spPr>
+          <a:xfrm>
+            <a:off x="2592526" y="5799948"/>
+            <a:ext cx="1093635" cy="236841"/>
+          </a:xfrm>
+          <a:prstGeom prst="rect">
+            <a:avLst/>
+          </a:prstGeom>
+          <a:ln w="19050">
+            <a:solidFill>
+              <a:schemeClr val="accent3"/>
+            </a:solidFill>
+          </a:ln>
+          <a:effectLst/>
+        </p:spPr>
+        <p:style>
+          <a:lnRef idx="1">
+            <a:schemeClr val="accent3"/>
+          </a:lnRef>
+          <a:fillRef idx="2">
+            <a:schemeClr val="accent3"/>
+          </a:fillRef>
+          <a:effectRef idx="1">
+            <a:schemeClr val="accent3"/>
+          </a:effectRef>
+          <a:fontRef idx="minor">
+            <a:schemeClr val="dk1"/>
+          </a:fontRef>
+        </p:style>
+        <p:txBody>
+          <a:bodyPr rtlCol="0" anchor="ctr"/>
+          <a:lstStyle/>
+          <a:p>
+            <a:pPr algn="ctr"/>
+            <a:r>
+              <a:rPr lang="en-US" sz="1050" b="1" dirty="0" err="1">
+                <a:solidFill>
+                  <a:schemeClr val="accent3">
+                    <a:lumMod val="75000"/>
+                  </a:schemeClr>
+                </a:solidFill>
+              </a:rPr>
+              <a:t>LabelCompleted</a:t>
+            </a:r>
+            <a:endParaRPr lang="en-SG" sz="1050" b="1" dirty="0">
+              <a:solidFill>
+                <a:schemeClr val="accent3">
+                  <a:lumMod val="75000"/>
+                </a:schemeClr>
+              </a:solidFill>
+            </a:endParaRPr>
+          </a:p>
+        </p:txBody>
+      </p:sp>
+      <p:sp>
+        <p:nvSpPr>
+          <p:cNvPr id="69" name="Rectangle 11"/>
+          <p:cNvSpPr/>
+          <p:nvPr/>
+        </p:nvSpPr>
+        <p:spPr>
+          <a:xfrm>
+            <a:off x="3758751" y="6022664"/>
+            <a:ext cx="1093635" cy="236841"/>
+          </a:xfrm>
+          <a:prstGeom prst="rect">
+            <a:avLst/>
+          </a:prstGeom>
+          <a:ln w="19050">
+            <a:solidFill>
+              <a:schemeClr val="accent3"/>
+            </a:solidFill>
+          </a:ln>
+          <a:effectLst/>
+        </p:spPr>
+        <p:style>
+          <a:lnRef idx="1">
+            <a:schemeClr val="accent3"/>
+          </a:lnRef>
+          <a:fillRef idx="2">
+            <a:schemeClr val="accent3"/>
+          </a:fillRef>
+          <a:effectRef idx="1">
+            <a:schemeClr val="accent3"/>
+          </a:effectRef>
+          <a:fontRef idx="minor">
+            <a:schemeClr val="dk1"/>
+          </a:fontRef>
+        </p:style>
+        <p:txBody>
+          <a:bodyPr rtlCol="0" anchor="ctr"/>
+          <a:lstStyle/>
+          <a:p>
+            <a:pPr algn="ctr"/>
+            <a:r>
+              <a:rPr lang="en-US" sz="1050" b="1" dirty="0" err="1">
+                <a:solidFill>
+                  <a:schemeClr val="accent3">
+                    <a:lumMod val="75000"/>
+                  </a:schemeClr>
+                </a:solidFill>
+              </a:rPr>
+              <a:t>LabelPending</a:t>
+            </a:r>
+            <a:endParaRPr lang="en-SG" sz="1050" b="1" dirty="0">
+              <a:solidFill>
+                <a:schemeClr val="accent3">
+                  <a:lumMod val="75000"/>
+                </a:schemeClr>
+              </a:solidFill>
+            </a:endParaRPr>
+          </a:p>
+        </p:txBody>
+      </p:sp>
+      <p:sp>
+        <p:nvSpPr>
+          <p:cNvPr id="70" name="Rectangle 11"/>
+          <p:cNvSpPr/>
+          <p:nvPr/>
+        </p:nvSpPr>
+        <p:spPr>
+          <a:xfrm>
+            <a:off x="4898099" y="6240159"/>
+            <a:ext cx="1093635" cy="236841"/>
+          </a:xfrm>
+          <a:prstGeom prst="rect">
+            <a:avLst/>
+          </a:prstGeom>
+          <a:ln w="19050">
+            <a:solidFill>
+              <a:schemeClr val="accent3"/>
+            </a:solidFill>
+          </a:ln>
+          <a:effectLst/>
+        </p:spPr>
+        <p:style>
+          <a:lnRef idx="1">
+            <a:schemeClr val="accent3"/>
+          </a:lnRef>
+          <a:fillRef idx="2">
+            <a:schemeClr val="accent3"/>
+          </a:fillRef>
+          <a:effectRef idx="1">
+            <a:schemeClr val="accent3"/>
+          </a:effectRef>
+          <a:fontRef idx="minor">
+            <a:schemeClr val="dk1"/>
+          </a:fontRef>
+        </p:style>
+        <p:txBody>
+          <a:bodyPr rtlCol="0" anchor="ctr"/>
+          <a:lstStyle/>
+          <a:p>
+            <a:pPr algn="ctr"/>
+            <a:r>
+              <a:rPr lang="en-US" sz="1050" b="1" dirty="0" err="1">
+                <a:solidFill>
+                  <a:schemeClr val="accent3">
+                    <a:lumMod val="75000"/>
+                  </a:schemeClr>
+                </a:solidFill>
+              </a:rPr>
+              <a:t>LabelOverdue</a:t>
+            </a:r>
+            <a:endParaRPr lang="en-SG" sz="1050" b="1" dirty="0">
+              <a:solidFill>
+                <a:schemeClr val="accent3">
+                  <a:lumMod val="75000"/>
+                </a:schemeClr>
+              </a:solidFill>
+            </a:endParaRPr>
+          </a:p>
+        </p:txBody>
+      </p:sp>
+      <p:sp>
+        <p:nvSpPr>
+          <p:cNvPr id="75" name="Rectangle 74"/>
+          <p:cNvSpPr/>
+          <p:nvPr/>
+        </p:nvSpPr>
+        <p:spPr>
+          <a:xfrm>
+            <a:off x="5410200" y="4335738"/>
+            <a:ext cx="229325" cy="160062"/>
+          </a:xfrm>
+          <a:prstGeom prst="rect">
+            <a:avLst/>
+          </a:prstGeom>
+          <a:solidFill>
+            <a:schemeClr val="accent3">
+              <a:lumMod val="20000"/>
+              <a:lumOff val="80000"/>
+              <a:alpha val="80000"/>
+            </a:schemeClr>
+          </a:solidFill>
+          <a:ln>
+            <a:noFill/>
+          </a:ln>
+          <a:effectLst>
+            <a:softEdge rad="31750"/>
+          </a:effectLst>
+        </p:spPr>
+        <p:style>
+          <a:lnRef idx="2">
+            <a:schemeClr val="accent1">
+              <a:shade val="50000"/>
+            </a:schemeClr>
+          </a:lnRef>
+          <a:fillRef idx="1">
+            <a:schemeClr val="accent1"/>
+          </a:fillRef>
+          <a:effectRef idx="0">
+            <a:schemeClr val="accent1"/>
+          </a:effectRef>
+          <a:fontRef idx="minor">
+            <a:schemeClr val="lt1"/>
+          </a:fontRef>
+        </p:style>
+        <p:txBody>
+          <a:bodyPr rtlCol="0" anchor="ctr"/>
+          <a:lstStyle/>
+          <a:p>
+            <a:pPr algn="ctr"/>
+            <a:endParaRPr lang="en-SG"/>
+          </a:p>
+        </p:txBody>
+      </p:sp>
+      <p:sp>
+        <p:nvSpPr>
+          <p:cNvPr id="51" name="Freeform 117"/>
+          <p:cNvSpPr/>
+          <p:nvPr/>
+        </p:nvSpPr>
+        <p:spPr>
           <a:xfrm flipV="1">
-            <a:off x="4114799" y="4472708"/>
-            <a:ext cx="2642195" cy="101600"/>
+            <a:off x="4172574" y="4217409"/>
+            <a:ext cx="2561670" cy="194571"/>
           </a:xfrm>
           <a:custGeom>
             <a:avLst/>
@@ -26528,10 +26883,221 @@
           <a:lstStyle/>
           <a:p>
             <a:pPr algn="ctr"/>
-            <a:endParaRPr lang="en-SG"/>
+            <a:endParaRPr lang="en-SG" dirty="0"/>
           </a:p>
         </p:txBody>
       </p:sp>
+      <p:sp>
+        <p:nvSpPr>
+          <p:cNvPr id="67" name="Freeform 117"/>
+          <p:cNvSpPr/>
+          <p:nvPr/>
+        </p:nvSpPr>
+        <p:spPr>
+          <a:xfrm flipV="1">
+            <a:off x="4166508" y="5089725"/>
+            <a:ext cx="2561670" cy="265762"/>
+          </a:xfrm>
+          <a:custGeom>
+            <a:avLst/>
+            <a:gdLst>
+              <a:gd name="connsiteX0" fmla="*/ 0 w 3048000"/>
+              <a:gd name="connsiteY0" fmla="*/ 203200 h 203200"/>
+              <a:gd name="connsiteX1" fmla="*/ 221673 w 3048000"/>
+              <a:gd name="connsiteY1" fmla="*/ 0 h 203200"/>
+              <a:gd name="connsiteX2" fmla="*/ 3048000 w 3048000"/>
+              <a:gd name="connsiteY2" fmla="*/ 0 h 203200"/>
+            </a:gdLst>
+            <a:ahLst/>
+            <a:cxnLst>
+              <a:cxn ang="0">
+                <a:pos x="connsiteX0" y="connsiteY0"/>
+              </a:cxn>
+              <a:cxn ang="0">
+                <a:pos x="connsiteX1" y="connsiteY1"/>
+              </a:cxn>
+              <a:cxn ang="0">
+                <a:pos x="connsiteX2" y="connsiteY2"/>
+              </a:cxn>
+            </a:cxnLst>
+            <a:rect l="l" t="t" r="r" b="b"/>
+            <a:pathLst>
+              <a:path w="3048000" h="203200">
+                <a:moveTo>
+                  <a:pt x="0" y="203200"/>
+                </a:moveTo>
+                <a:lnTo>
+                  <a:pt x="221673" y="0"/>
+                </a:lnTo>
+                <a:lnTo>
+                  <a:pt x="3048000" y="0"/>
+                </a:lnTo>
+              </a:path>
+            </a:pathLst>
+          </a:custGeom>
+          <a:noFill/>
+          <a:ln w="19050">
+            <a:solidFill>
+              <a:schemeClr val="accent3"/>
+            </a:solidFill>
+            <a:prstDash val="sysDot"/>
+            <a:headEnd type="none" w="med" len="med"/>
+            <a:tailEnd type="arrow" w="med" len="med"/>
+          </a:ln>
+          <a:effectLst/>
+        </p:spPr>
+        <p:style>
+          <a:lnRef idx="1">
+            <a:schemeClr val="accent2"/>
+          </a:lnRef>
+          <a:fillRef idx="2">
+            <a:schemeClr val="accent2"/>
+          </a:fillRef>
+          <a:effectRef idx="1">
+            <a:schemeClr val="accent2"/>
+          </a:effectRef>
+          <a:fontRef idx="minor">
+            <a:schemeClr val="dk1"/>
+          </a:fontRef>
+        </p:style>
+        <p:txBody>
+          <a:bodyPr rtlCol="0" anchor="ctr"/>
+          <a:lstStyle/>
+          <a:p>
+            <a:pPr algn="ctr"/>
+            <a:endParaRPr lang="en-SG" dirty="0"/>
+          </a:p>
+        </p:txBody>
+      </p:sp>
+      <p:cxnSp>
+        <p:nvCxnSpPr>
+          <p:cNvPr id="76" name="Elbow Connector 63"/>
+          <p:cNvCxnSpPr>
+            <a:stCxn id="2" idx="1"/>
+            <a:endCxn id="68" idx="1"/>
+          </p:cNvCxnSpPr>
+          <p:nvPr/>
+        </p:nvCxnSpPr>
+        <p:spPr>
+          <a:xfrm rot="10800000" flipH="1" flipV="1">
+            <a:off x="2095948" y="2514599"/>
+            <a:ext cx="496578" cy="3403769"/>
+          </a:xfrm>
+          <a:prstGeom prst="bentConnector3">
+            <a:avLst>
+              <a:gd name="adj1" fmla="val -46035"/>
+            </a:avLst>
+          </a:prstGeom>
+          <a:ln w="19050">
+            <a:solidFill>
+              <a:schemeClr val="accent3"/>
+            </a:solidFill>
+            <a:headEnd type="none" w="med" len="med"/>
+            <a:tailEnd type="arrow" w="med" len="med"/>
+          </a:ln>
+          <a:effectLst/>
+        </p:spPr>
+        <p:style>
+          <a:lnRef idx="1">
+            <a:schemeClr val="accent2"/>
+          </a:lnRef>
+          <a:fillRef idx="2">
+            <a:schemeClr val="accent2"/>
+          </a:fillRef>
+          <a:effectRef idx="1">
+            <a:schemeClr val="accent2"/>
+          </a:effectRef>
+          <a:fontRef idx="minor">
+            <a:schemeClr val="dk1"/>
+          </a:fontRef>
+        </p:style>
+      </p:cxnSp>
+      <p:cxnSp>
+        <p:nvCxnSpPr>
+          <p:cNvPr id="78" name="Elbow Connector 63"/>
+          <p:cNvCxnSpPr>
+            <a:stCxn id="2" idx="1"/>
+            <a:endCxn id="69" idx="1"/>
+          </p:cNvCxnSpPr>
+          <p:nvPr/>
+        </p:nvCxnSpPr>
+        <p:spPr>
+          <a:xfrm rot="10800000" flipH="1" flipV="1">
+            <a:off x="2095947" y="2514599"/>
+            <a:ext cx="1662803" cy="3626485"/>
+          </a:xfrm>
+          <a:prstGeom prst="bentConnector3">
+            <a:avLst>
+              <a:gd name="adj1" fmla="val -13748"/>
+            </a:avLst>
+          </a:prstGeom>
+          <a:ln w="19050">
+            <a:solidFill>
+              <a:schemeClr val="accent3"/>
+            </a:solidFill>
+            <a:headEnd type="none" w="med" len="med"/>
+            <a:tailEnd type="arrow" w="med" len="med"/>
+          </a:ln>
+          <a:effectLst/>
+        </p:spPr>
+        <p:style>
+          <a:lnRef idx="1">
+            <a:schemeClr val="accent2"/>
+          </a:lnRef>
+          <a:fillRef idx="2">
+            <a:schemeClr val="accent2"/>
+          </a:fillRef>
+          <a:effectRef idx="1">
+            <a:schemeClr val="accent2"/>
+          </a:effectRef>
+          <a:fontRef idx="minor">
+            <a:schemeClr val="dk1"/>
+          </a:fontRef>
+        </p:style>
+      </p:cxnSp>
+      <p:cxnSp>
+        <p:nvCxnSpPr>
+          <p:cNvPr id="80" name="Elbow Connector 63"/>
+          <p:cNvCxnSpPr>
+            <a:stCxn id="2" idx="1"/>
+            <a:endCxn id="70" idx="1"/>
+          </p:cNvCxnSpPr>
+          <p:nvPr/>
+        </p:nvCxnSpPr>
+        <p:spPr>
+          <a:xfrm rot="10800000" flipH="1" flipV="1">
+            <a:off x="2095947" y="2514600"/>
+            <a:ext cx="2802151" cy="3843980"/>
+          </a:xfrm>
+          <a:prstGeom prst="bentConnector3">
+            <a:avLst>
+              <a:gd name="adj1" fmla="val -8158"/>
+            </a:avLst>
+          </a:prstGeom>
+          <a:ln w="19050">
+            <a:solidFill>
+              <a:schemeClr val="accent3"/>
+            </a:solidFill>
+            <a:headEnd type="none" w="med" len="med"/>
+            <a:tailEnd type="arrow" w="med" len="med"/>
+          </a:ln>
+          <a:effectLst/>
+        </p:spPr>
+        <p:style>
+          <a:lnRef idx="1">
+            <a:schemeClr val="accent2"/>
+          </a:lnRef>
+          <a:fillRef idx="2">
+            <a:schemeClr val="accent2"/>
+          </a:fillRef>
+          <a:effectRef idx="1">
+            <a:schemeClr val="accent2"/>
+          </a:effectRef>
+          <a:fontRef idx="minor">
+            <a:schemeClr val="dk1"/>
+          </a:fontRef>
+        </p:style>
+      </p:cxnSp>
     </p:spTree>
     <p:extLst>
       <p:ext uri="{BB962C8B-B14F-4D97-AF65-F5344CB8AC3E}">
@@ -27741,15 +28307,12 @@
       <p:cxnSp>
         <p:nvCxnSpPr>
           <p:cNvPr id="29" name="Elbow Connector 63"/>
-          <p:cNvCxnSpPr>
-            <a:stCxn id="6" idx="0"/>
-            <a:endCxn id="14" idx="0"/>
-          </p:cNvCxnSpPr>
+          <p:cNvCxnSpPr/>
           <p:nvPr/>
         </p:nvCxnSpPr>
         <p:spPr>
           <a:xfrm rot="16200000" flipH="1">
-            <a:off x="4141442" y="1803756"/>
+            <a:off x="3940533" y="1803756"/>
             <a:ext cx="2632" cy="3921298"/>
           </a:xfrm>
           <a:prstGeom prst="bentConnector3">
@@ -29013,6 +29576,298 @@
             </a:solidFill>
             <a:headEnd type="none" w="med" len="med"/>
             <a:tailEnd type="none" w="med" len="med"/>
+          </a:ln>
+          <a:effectLst/>
+        </p:spPr>
+        <p:style>
+          <a:lnRef idx="1">
+            <a:schemeClr val="accent2"/>
+          </a:lnRef>
+          <a:fillRef idx="2">
+            <a:schemeClr val="accent2"/>
+          </a:fillRef>
+          <a:effectRef idx="1">
+            <a:schemeClr val="accent2"/>
+          </a:effectRef>
+          <a:fontRef idx="minor">
+            <a:schemeClr val="dk1"/>
+          </a:fontRef>
+        </p:style>
+      </p:cxnSp>
+      <p:sp>
+        <p:nvSpPr>
+          <p:cNvPr id="65" name="Rectangle 62"/>
+          <p:cNvSpPr/>
+          <p:nvPr/>
+        </p:nvSpPr>
+        <p:spPr>
+          <a:xfrm>
+            <a:off x="1985470" y="1928098"/>
+            <a:ext cx="1208383" cy="346760"/>
+          </a:xfrm>
+          <a:prstGeom prst="rect">
+            <a:avLst/>
+          </a:prstGeom>
+          <a:solidFill>
+            <a:srgbClr val="0070C0"/>
+          </a:solidFill>
+          <a:ln w="19050">
+            <a:solidFill>
+              <a:srgbClr val="0070C0"/>
+            </a:solidFill>
+          </a:ln>
+          <a:effectLst/>
+        </p:spPr>
+        <p:style>
+          <a:lnRef idx="1">
+            <a:schemeClr val="accent2"/>
+          </a:lnRef>
+          <a:fillRef idx="2">
+            <a:schemeClr val="accent2"/>
+          </a:fillRef>
+          <a:effectRef idx="1">
+            <a:schemeClr val="accent2"/>
+          </a:effectRef>
+          <a:fontRef idx="minor">
+            <a:schemeClr val="dk1"/>
+          </a:fontRef>
+        </p:style>
+        <p:txBody>
+          <a:bodyPr rtlCol="0" anchor="ctr"/>
+          <a:lstStyle/>
+          <a:p>
+            <a:pPr algn="ctr"/>
+            <a:r>
+              <a:rPr lang="en-US" sz="1050" dirty="0" err="1">
+                <a:solidFill>
+                  <a:schemeClr val="bg1"/>
+                </a:solidFill>
+              </a:rPr>
+              <a:t>CommandHistory</a:t>
+            </a:r>
+            <a:endParaRPr lang="en-SG" sz="1050" dirty="0">
+              <a:solidFill>
+                <a:schemeClr val="bg1"/>
+              </a:solidFill>
+            </a:endParaRPr>
+          </a:p>
+        </p:txBody>
+      </p:sp>
+      <p:cxnSp>
+        <p:nvCxnSpPr>
+          <p:cNvPr id="67" name="Elbow Connector 63"/>
+          <p:cNvCxnSpPr>
+            <a:endCxn id="65" idx="3"/>
+          </p:cNvCxnSpPr>
+          <p:nvPr/>
+        </p:nvCxnSpPr>
+        <p:spPr>
+          <a:xfrm rot="10800000">
+            <a:off x="3193853" y="2101479"/>
+            <a:ext cx="1914384" cy="615915"/>
+          </a:xfrm>
+          <a:prstGeom prst="bentConnector3">
+            <a:avLst>
+              <a:gd name="adj1" fmla="val -418"/>
+            </a:avLst>
+          </a:prstGeom>
+          <a:ln w="19050">
+            <a:solidFill>
+              <a:srgbClr val="0070C0"/>
+            </a:solidFill>
+            <a:prstDash val="sysDot"/>
+            <a:headEnd type="none" w="med" len="med"/>
+            <a:tailEnd type="arrow" w="med" len="med"/>
+          </a:ln>
+          <a:effectLst/>
+        </p:spPr>
+        <p:style>
+          <a:lnRef idx="1">
+            <a:schemeClr val="accent2"/>
+          </a:lnRef>
+          <a:fillRef idx="2">
+            <a:schemeClr val="accent2"/>
+          </a:fillRef>
+          <a:effectRef idx="1">
+            <a:schemeClr val="accent2"/>
+          </a:effectRef>
+          <a:fontRef idx="minor">
+            <a:schemeClr val="dk1"/>
+          </a:fontRef>
+        </p:style>
+      </p:cxnSp>
+      <p:grpSp>
+        <p:nvGrpSpPr>
+          <p:cNvPr id="79" name="Group 78"/>
+          <p:cNvGrpSpPr/>
+          <p:nvPr/>
+        </p:nvGrpSpPr>
+        <p:grpSpPr>
+          <a:xfrm>
+            <a:off x="3973516" y="1844833"/>
+            <a:ext cx="868568" cy="230832"/>
+            <a:chOff x="2755838" y="789460"/>
+            <a:chExt cx="868568" cy="230832"/>
+          </a:xfrm>
+        </p:grpSpPr>
+        <p:sp>
+          <p:nvSpPr>
+            <p:cNvPr id="80" name="TextBox 79"/>
+            <p:cNvSpPr txBox="1"/>
+            <p:nvPr/>
+          </p:nvSpPr>
+          <p:spPr>
+            <a:xfrm>
+              <a:off x="2895600" y="789460"/>
+              <a:ext cx="728806" cy="230832"/>
+            </a:xfrm>
+            <a:prstGeom prst="rect">
+              <a:avLst/>
+            </a:prstGeom>
+            <a:noFill/>
+          </p:spPr>
+          <p:txBody>
+            <a:bodyPr wrap="square" lIns="0" tIns="0" rIns="0" bIns="0" rtlCol="0">
+              <a:noAutofit/>
+            </a:bodyPr>
+            <a:lstStyle/>
+            <a:p>
+              <a:r>
+                <a:rPr lang="en-US" sz="1100" dirty="0">
+                  <a:solidFill>
+                    <a:srgbClr val="0070C0"/>
+                  </a:solidFill>
+                </a:rPr>
+                <a:t>records</a:t>
+              </a:r>
+              <a:endParaRPr lang="en-SG" sz="1100" dirty="0">
+                <a:solidFill>
+                  <a:srgbClr val="0070C0"/>
+                </a:solidFill>
+              </a:endParaRPr>
+            </a:p>
+          </p:txBody>
+        </p:sp>
+        <p:sp>
+          <p:nvSpPr>
+            <p:cNvPr id="81" name="Isosceles Triangle 80"/>
+            <p:cNvSpPr/>
+            <p:nvPr/>
+          </p:nvSpPr>
+          <p:spPr>
+            <a:xfrm rot="16200000" flipH="1">
+              <a:off x="2730963" y="857181"/>
+              <a:ext cx="125951" cy="76201"/>
+            </a:xfrm>
+            <a:prstGeom prst="triangle">
+              <a:avLst/>
+            </a:prstGeom>
+            <a:solidFill>
+              <a:srgbClr val="0070C0"/>
+            </a:solidFill>
+            <a:ln>
+              <a:noFill/>
+            </a:ln>
+          </p:spPr>
+          <p:style>
+            <a:lnRef idx="2">
+              <a:schemeClr val="accent1">
+                <a:shade val="50000"/>
+              </a:schemeClr>
+            </a:lnRef>
+            <a:fillRef idx="1">
+              <a:schemeClr val="accent1"/>
+            </a:fillRef>
+            <a:effectRef idx="0">
+              <a:schemeClr val="accent1"/>
+            </a:effectRef>
+            <a:fontRef idx="minor">
+              <a:schemeClr val="lt1"/>
+            </a:fontRef>
+          </p:style>
+          <p:txBody>
+            <a:bodyPr rtlCol="0" anchor="ctr"/>
+            <a:lstStyle/>
+            <a:p>
+              <a:pPr algn="ctr"/>
+              <a:endParaRPr lang="en-SG"/>
+            </a:p>
+          </p:txBody>
+        </p:sp>
+      </p:grpSp>
+      <p:sp>
+        <p:nvSpPr>
+          <p:cNvPr id="84" name="Flowchart: Decision 38"/>
+          <p:cNvSpPr/>
+          <p:nvPr/>
+        </p:nvSpPr>
+        <p:spPr>
+          <a:xfrm>
+            <a:off x="2545770" y="1740710"/>
+            <a:ext cx="183156" cy="161573"/>
+          </a:xfrm>
+          <a:prstGeom prst="flowChartDecision">
+            <a:avLst/>
+          </a:prstGeom>
+          <a:solidFill>
+            <a:srgbClr val="0070C0"/>
+          </a:solidFill>
+          <a:ln>
+            <a:solidFill>
+              <a:srgbClr val="0070C0"/>
+            </a:solidFill>
+          </a:ln>
+        </p:spPr>
+        <p:style>
+          <a:lnRef idx="2">
+            <a:schemeClr val="accent1">
+              <a:shade val="50000"/>
+            </a:schemeClr>
+          </a:lnRef>
+          <a:fillRef idx="1">
+            <a:schemeClr val="accent1"/>
+          </a:fillRef>
+          <a:effectRef idx="0">
+            <a:schemeClr val="accent1"/>
+          </a:effectRef>
+          <a:fontRef idx="minor">
+            <a:schemeClr val="lt1"/>
+          </a:fontRef>
+        </p:style>
+        <p:txBody>
+          <a:bodyPr rtlCol="0" anchor="ctr"/>
+          <a:lstStyle/>
+          <a:p>
+            <a:pPr algn="ctr"/>
+            <a:endParaRPr lang="en-SG"/>
+          </a:p>
+        </p:txBody>
+      </p:sp>
+      <p:cxnSp>
+        <p:nvCxnSpPr>
+          <p:cNvPr id="85" name="Elbow Connector 63"/>
+          <p:cNvCxnSpPr>
+            <a:stCxn id="84" idx="0"/>
+            <a:endCxn id="14" idx="0"/>
+          </p:cNvCxnSpPr>
+          <p:nvPr/>
+        </p:nvCxnSpPr>
+        <p:spPr>
+          <a:xfrm rot="16200000" flipH="1">
+            <a:off x="3357871" y="1020186"/>
+            <a:ext cx="2025011" cy="3466059"/>
+          </a:xfrm>
+          <a:prstGeom prst="bentConnector3">
+            <a:avLst>
+              <a:gd name="adj1" fmla="val -11289"/>
+            </a:avLst>
+          </a:prstGeom>
+          <a:ln w="19050">
+            <a:solidFill>
+              <a:srgbClr val="0070C0"/>
+            </a:solidFill>
+            <a:headEnd type="none" w="med" len="med"/>
+            <a:tailEnd type="arrow" w="med" len="med"/>
           </a:ln>
           <a:effectLst/>
         </p:spPr>
@@ -31810,14 +32665,6 @@
               </a:rPr>
               <a:t>TaskScheduler</a:t>
             </a:r>
-            <a:r>
-              <a:rPr lang="en-US" sz="1050" dirty="0">
-                <a:solidFill>
-                  <a:schemeClr val="bg1"/>
-                </a:solidFill>
-              </a:rPr>
-              <a:t/>
-            </a:r>
             <a:br>
               <a:rPr lang="en-US" sz="1050" dirty="0">
                 <a:solidFill>
@@ -32406,16 +33253,6 @@
               </a:rPr>
               <a:t>XmlTaskScheduler</a:t>
             </a:r>
-            <a:r>
-              <a:rPr lang="en-US" sz="1050" b="1" dirty="0">
-                <a:solidFill>
-                  <a:schemeClr val="accent6">
-                    <a:lumMod val="75000"/>
-                  </a:schemeClr>
-                </a:solidFill>
-              </a:rPr>
-              <a:t/>
-            </a:r>
             <a:br>
               <a:rPr lang="en-US" sz="1050" b="1" dirty="0">
                 <a:solidFill>
@@ -32773,14 +33610,6 @@
               </a:rPr>
               <a:t>JsonUserPrefs</a:t>
             </a:r>
-            <a:r>
-              <a:rPr lang="en-US" sz="1050" dirty="0">
-                <a:solidFill>
-                  <a:schemeClr val="bg1"/>
-                </a:solidFill>
-              </a:rPr>
-              <a:t/>
-            </a:r>
             <a:br>
               <a:rPr lang="en-US" sz="1050" dirty="0">
                 <a:solidFill>
@@ -32849,16 +33678,6 @@
                 </a:solidFill>
               </a:rPr>
               <a:t>XmlSerializable</a:t>
-            </a:r>
-            <a:r>
-              <a:rPr lang="en-US" sz="1050" b="1" dirty="0">
-                <a:solidFill>
-                  <a:schemeClr val="accent6">
-                    <a:lumMod val="75000"/>
-                  </a:schemeClr>
-                </a:solidFill>
-              </a:rPr>
-              <a:t/>
             </a:r>
             <a:br>
               <a:rPr lang="en-US" sz="1050" b="1" dirty="0">
